--- a/slide/slide.pptx
+++ b/slide/slide.pptx
@@ -2,7 +2,7 @@
 <file path=ppt/presentation.xml><?xml version="1.0" encoding="utf-8"?>
 <p:presentation xmlns:a="http://schemas.openxmlformats.org/drawingml/2006/main" xmlns:r="http://schemas.openxmlformats.org/officeDocument/2006/relationships" xmlns:p="http://schemas.openxmlformats.org/presentationml/2006/main" saveSubsetFonts="1">
   <p:sldMasterIdLst>
-    <p:sldMasterId id="2147483956" r:id="rId1"/>
+    <p:sldMasterId id="2147484028" r:id="rId1"/>
   </p:sldMasterIdLst>
   <p:sldIdLst>
     <p:sldId id="256" r:id="rId2"/>
@@ -10,6 +10,7 @@
     <p:sldId id="262" r:id="rId4"/>
     <p:sldId id="264" r:id="rId5"/>
     <p:sldId id="265" r:id="rId6"/>
+    <p:sldId id="267" r:id="rId7"/>
   </p:sldIdLst>
   <p:sldSz cx="12192000" cy="6858000"/>
   <p:notesSz cx="6858000" cy="9144000"/>
@@ -120,7 +121,8 @@
 <p1510:revInfo xmlns:a="http://schemas.openxmlformats.org/drawingml/2006/main" xmlns:r="http://schemas.openxmlformats.org/officeDocument/2006/relationships" xmlns:p1510="http://schemas.microsoft.com/office/powerpoint/2015/10/main">
   <p1510:revLst>
     <p1510:client id="{08421EE1-0FEE-2754-E34A-D9F0D1A4695F}" v="4984" dt="2020-07-08T22:35:46.042"/>
-    <p1510:client id="{45EA7501-B268-7B93-2D93-2EEA159AD161}" v="9" dt="2020-07-08T22:46:09.335"/>
+    <p1510:client id="{699DB205-EB8A-136E-E5FF-58677CB1B8DF}" v="36" dt="2020-07-08T23:41:10.743"/>
+    <p1510:client id="{79E7E8E8-2BA5-4F8F-AFAC-124CCD7881DD}" v="509" dt="2020-07-08T23:35:14.386"/>
     <p1510:client id="{8F685B6C-5D67-4510-A05E-253031FD47B7}" v="22" dt="2020-07-08T17:44:29.884"/>
   </p1510:revLst>
 </p1510:revInfo>
@@ -2547,6 +2549,755 @@
 </dgm:colorsDef>
 </file>
 
+<file path=ppt/diagrams/colors4.xml><?xml version="1.0" encoding="utf-8"?>
+<dgm:colorsDef xmlns:dgm="http://schemas.openxmlformats.org/drawingml/2006/diagram" xmlns:a="http://schemas.openxmlformats.org/drawingml/2006/main" uniqueId="urn:microsoft.com/office/officeart/2018/5/colors/Iconchunking_neutralbg_accent1_2">
+  <dgm:title val=""/>
+  <dgm:desc val=""/>
+  <dgm:catLst>
+    <dgm:cat type="accent1" pri="11200"/>
+  </dgm:catLst>
+  <dgm:styleLbl name="node0">
+    <dgm:fillClrLst meth="repeat">
+      <a:schemeClr val="accent1"/>
+    </dgm:fillClrLst>
+    <dgm:linClrLst meth="repeat">
+      <a:schemeClr val="lt1"/>
+    </dgm:linClrLst>
+    <dgm:effectClrLst/>
+    <dgm:txLinClrLst/>
+    <dgm:txFillClrLst/>
+    <dgm:txEffectClrLst/>
+  </dgm:styleLbl>
+  <dgm:styleLbl name="alignNode1">
+    <dgm:fillClrLst meth="repeat">
+      <a:schemeClr val="accent1"/>
+    </dgm:fillClrLst>
+    <dgm:linClrLst meth="repeat">
+      <a:schemeClr val="accent1"/>
+    </dgm:linClrLst>
+    <dgm:effectClrLst/>
+    <dgm:txLinClrLst/>
+    <dgm:txFillClrLst/>
+    <dgm:txEffectClrLst/>
+  </dgm:styleLbl>
+  <dgm:styleLbl name="node1">
+    <dgm:fillClrLst meth="repeat">
+      <a:schemeClr val="accent1"/>
+    </dgm:fillClrLst>
+    <dgm:linClrLst meth="repeat">
+      <a:schemeClr val="lt1">
+        <a:alpha val="0"/>
+      </a:schemeClr>
+    </dgm:linClrLst>
+    <dgm:effectClrLst/>
+    <dgm:txLinClrLst/>
+    <dgm:txFillClrLst/>
+    <dgm:txEffectClrLst/>
+  </dgm:styleLbl>
+  <dgm:styleLbl name="lnNode1">
+    <dgm:fillClrLst meth="repeat">
+      <a:schemeClr val="accent1"/>
+    </dgm:fillClrLst>
+    <dgm:linClrLst meth="repeat">
+      <a:schemeClr val="lt1"/>
+    </dgm:linClrLst>
+    <dgm:effectClrLst/>
+    <dgm:txLinClrLst/>
+    <dgm:txFillClrLst/>
+    <dgm:txEffectClrLst/>
+  </dgm:styleLbl>
+  <dgm:styleLbl name="vennNode1">
+    <dgm:fillClrLst meth="repeat">
+      <a:schemeClr val="accent1">
+        <a:alpha val="50000"/>
+      </a:schemeClr>
+    </dgm:fillClrLst>
+    <dgm:linClrLst meth="repeat">
+      <a:schemeClr val="lt1"/>
+    </dgm:linClrLst>
+    <dgm:effectClrLst/>
+    <dgm:txLinClrLst/>
+    <dgm:txFillClrLst/>
+    <dgm:txEffectClrLst/>
+  </dgm:styleLbl>
+  <dgm:styleLbl name="node2">
+    <dgm:fillClrLst meth="repeat">
+      <a:schemeClr val="accent1"/>
+    </dgm:fillClrLst>
+    <dgm:linClrLst meth="repeat">
+      <a:schemeClr val="lt1"/>
+    </dgm:linClrLst>
+    <dgm:effectClrLst/>
+    <dgm:txLinClrLst/>
+    <dgm:txFillClrLst/>
+    <dgm:txEffectClrLst/>
+  </dgm:styleLbl>
+  <dgm:styleLbl name="node3">
+    <dgm:fillClrLst meth="repeat">
+      <a:schemeClr val="accent1"/>
+    </dgm:fillClrLst>
+    <dgm:linClrLst meth="repeat">
+      <a:schemeClr val="lt1"/>
+    </dgm:linClrLst>
+    <dgm:effectClrLst/>
+    <dgm:txLinClrLst/>
+    <dgm:txFillClrLst/>
+    <dgm:txEffectClrLst/>
+  </dgm:styleLbl>
+  <dgm:styleLbl name="node4">
+    <dgm:fillClrLst meth="repeat">
+      <a:schemeClr val="accent1"/>
+    </dgm:fillClrLst>
+    <dgm:linClrLst meth="repeat">
+      <a:schemeClr val="lt1"/>
+    </dgm:linClrLst>
+    <dgm:effectClrLst/>
+    <dgm:txLinClrLst/>
+    <dgm:txFillClrLst/>
+    <dgm:txEffectClrLst/>
+  </dgm:styleLbl>
+  <dgm:styleLbl name="fgImgPlace1">
+    <dgm:fillClrLst meth="repeat">
+      <a:schemeClr val="accent1">
+        <a:tint val="50000"/>
+      </a:schemeClr>
+    </dgm:fillClrLst>
+    <dgm:linClrLst meth="repeat">
+      <a:schemeClr val="lt1"/>
+    </dgm:linClrLst>
+    <dgm:effectClrLst/>
+    <dgm:txLinClrLst/>
+    <dgm:txFillClrLst meth="repeat">
+      <a:schemeClr val="lt1"/>
+    </dgm:txFillClrLst>
+    <dgm:txEffectClrLst/>
+  </dgm:styleLbl>
+  <dgm:styleLbl name="alignImgPlace1">
+    <dgm:fillClrLst meth="repeat">
+      <a:schemeClr val="accent1">
+        <a:tint val="50000"/>
+      </a:schemeClr>
+    </dgm:fillClrLst>
+    <dgm:linClrLst meth="repeat">
+      <a:schemeClr val="lt1"/>
+    </dgm:linClrLst>
+    <dgm:effectClrLst/>
+    <dgm:txLinClrLst/>
+    <dgm:txFillClrLst meth="repeat">
+      <a:schemeClr val="lt1"/>
+    </dgm:txFillClrLst>
+    <dgm:txEffectClrLst/>
+  </dgm:styleLbl>
+  <dgm:styleLbl name="bgImgPlace1">
+    <dgm:fillClrLst meth="repeat">
+      <a:schemeClr val="accent1">
+        <a:tint val="50000"/>
+      </a:schemeClr>
+    </dgm:fillClrLst>
+    <dgm:linClrLst meth="repeat">
+      <a:schemeClr val="lt1"/>
+    </dgm:linClrLst>
+    <dgm:effectClrLst/>
+    <dgm:txLinClrLst/>
+    <dgm:txFillClrLst meth="repeat">
+      <a:schemeClr val="lt1"/>
+    </dgm:txFillClrLst>
+    <dgm:txEffectClrLst/>
+  </dgm:styleLbl>
+  <dgm:styleLbl name="sibTrans2D1">
+    <dgm:fillClrLst meth="repeat">
+      <a:schemeClr val="accent1">
+        <a:tint val="60000"/>
+      </a:schemeClr>
+    </dgm:fillClrLst>
+    <dgm:linClrLst meth="repeat">
+      <a:schemeClr val="accent1">
+        <a:tint val="60000"/>
+      </a:schemeClr>
+    </dgm:linClrLst>
+    <dgm:effectClrLst/>
+    <dgm:txLinClrLst/>
+    <dgm:txFillClrLst/>
+    <dgm:txEffectClrLst/>
+  </dgm:styleLbl>
+  <dgm:styleLbl name="fgSibTrans2D1">
+    <dgm:fillClrLst meth="repeat">
+      <a:schemeClr val="accent1">
+        <a:tint val="60000"/>
+      </a:schemeClr>
+    </dgm:fillClrLst>
+    <dgm:linClrLst meth="repeat">
+      <a:schemeClr val="accent1">
+        <a:tint val="60000"/>
+      </a:schemeClr>
+    </dgm:linClrLst>
+    <dgm:effectClrLst/>
+    <dgm:txLinClrLst/>
+    <dgm:txFillClrLst/>
+    <dgm:txEffectClrLst/>
+  </dgm:styleLbl>
+  <dgm:styleLbl name="bgSibTrans2D1">
+    <dgm:fillClrLst meth="repeat">
+      <a:schemeClr val="accent1">
+        <a:tint val="60000"/>
+      </a:schemeClr>
+    </dgm:fillClrLst>
+    <dgm:linClrLst meth="repeat">
+      <a:schemeClr val="accent1">
+        <a:tint val="60000"/>
+      </a:schemeClr>
+    </dgm:linClrLst>
+    <dgm:effectClrLst/>
+    <dgm:txLinClrLst/>
+    <dgm:txFillClrLst/>
+    <dgm:txEffectClrLst/>
+  </dgm:styleLbl>
+  <dgm:styleLbl name="sibTrans1D1">
+    <dgm:fillClrLst meth="repeat">
+      <a:schemeClr val="accent1"/>
+    </dgm:fillClrLst>
+    <dgm:linClrLst meth="repeat">
+      <a:schemeClr val="accent1"/>
+    </dgm:linClrLst>
+    <dgm:effectClrLst/>
+    <dgm:txLinClrLst/>
+    <dgm:txFillClrLst meth="repeat">
+      <a:schemeClr val="tx1"/>
+    </dgm:txFillClrLst>
+    <dgm:txEffectClrLst/>
+  </dgm:styleLbl>
+  <dgm:styleLbl name="callout">
+    <dgm:fillClrLst meth="repeat">
+      <a:schemeClr val="accent1"/>
+    </dgm:fillClrLst>
+    <dgm:linClrLst meth="repeat">
+      <a:schemeClr val="accent1">
+        <a:tint val="50000"/>
+      </a:schemeClr>
+    </dgm:linClrLst>
+    <dgm:effectClrLst/>
+    <dgm:txLinClrLst/>
+    <dgm:txFillClrLst meth="repeat">
+      <a:schemeClr val="tx1"/>
+    </dgm:txFillClrLst>
+    <dgm:txEffectClrLst/>
+  </dgm:styleLbl>
+  <dgm:styleLbl name="asst0">
+    <dgm:fillClrLst meth="repeat">
+      <a:schemeClr val="accent1"/>
+    </dgm:fillClrLst>
+    <dgm:linClrLst meth="repeat">
+      <a:schemeClr val="lt1"/>
+    </dgm:linClrLst>
+    <dgm:effectClrLst/>
+    <dgm:txLinClrLst/>
+    <dgm:txFillClrLst/>
+    <dgm:txEffectClrLst/>
+  </dgm:styleLbl>
+  <dgm:styleLbl name="asst1">
+    <dgm:fillClrLst meth="repeat">
+      <a:schemeClr val="accent1"/>
+    </dgm:fillClrLst>
+    <dgm:linClrLst meth="repeat">
+      <a:schemeClr val="lt1"/>
+    </dgm:linClrLst>
+    <dgm:effectClrLst/>
+    <dgm:txLinClrLst/>
+    <dgm:txFillClrLst/>
+    <dgm:txEffectClrLst/>
+  </dgm:styleLbl>
+  <dgm:styleLbl name="asst2">
+    <dgm:fillClrLst meth="repeat">
+      <a:schemeClr val="accent1"/>
+    </dgm:fillClrLst>
+    <dgm:linClrLst meth="repeat">
+      <a:schemeClr val="lt1"/>
+    </dgm:linClrLst>
+    <dgm:effectClrLst/>
+    <dgm:txLinClrLst/>
+    <dgm:txFillClrLst/>
+    <dgm:txEffectClrLst/>
+  </dgm:styleLbl>
+  <dgm:styleLbl name="asst3">
+    <dgm:fillClrLst meth="repeat">
+      <a:schemeClr val="accent1"/>
+    </dgm:fillClrLst>
+    <dgm:linClrLst meth="repeat">
+      <a:schemeClr val="lt1"/>
+    </dgm:linClrLst>
+    <dgm:effectClrLst/>
+    <dgm:txLinClrLst/>
+    <dgm:txFillClrLst/>
+    <dgm:txEffectClrLst/>
+  </dgm:styleLbl>
+  <dgm:styleLbl name="asst4">
+    <dgm:fillClrLst meth="repeat">
+      <a:schemeClr val="accent1"/>
+    </dgm:fillClrLst>
+    <dgm:linClrLst meth="repeat">
+      <a:schemeClr val="lt1"/>
+    </dgm:linClrLst>
+    <dgm:effectClrLst/>
+    <dgm:txLinClrLst/>
+    <dgm:txFillClrLst/>
+    <dgm:txEffectClrLst/>
+  </dgm:styleLbl>
+  <dgm:styleLbl name="parChTrans2D1">
+    <dgm:fillClrLst meth="repeat">
+      <a:schemeClr val="accent1">
+        <a:tint val="60000"/>
+      </a:schemeClr>
+    </dgm:fillClrLst>
+    <dgm:linClrLst meth="repeat">
+      <a:schemeClr val="accent1">
+        <a:tint val="60000"/>
+      </a:schemeClr>
+    </dgm:linClrLst>
+    <dgm:effectClrLst/>
+    <dgm:txLinClrLst/>
+    <dgm:txFillClrLst meth="repeat">
+      <a:schemeClr val="lt1"/>
+    </dgm:txFillClrLst>
+    <dgm:txEffectClrLst/>
+  </dgm:styleLbl>
+  <dgm:styleLbl name="parChTrans2D2">
+    <dgm:fillClrLst meth="repeat">
+      <a:schemeClr val="accent1"/>
+    </dgm:fillClrLst>
+    <dgm:linClrLst meth="repeat">
+      <a:schemeClr val="accent1"/>
+    </dgm:linClrLst>
+    <dgm:effectClrLst/>
+    <dgm:txLinClrLst/>
+    <dgm:txFillClrLst meth="repeat">
+      <a:schemeClr val="lt1"/>
+    </dgm:txFillClrLst>
+    <dgm:txEffectClrLst/>
+  </dgm:styleLbl>
+  <dgm:styleLbl name="parChTrans2D3">
+    <dgm:fillClrLst meth="repeat">
+      <a:schemeClr val="accent1"/>
+    </dgm:fillClrLst>
+    <dgm:linClrLst meth="repeat">
+      <a:schemeClr val="accent1"/>
+    </dgm:linClrLst>
+    <dgm:effectClrLst/>
+    <dgm:txLinClrLst/>
+    <dgm:txFillClrLst meth="repeat">
+      <a:schemeClr val="lt1"/>
+    </dgm:txFillClrLst>
+    <dgm:txEffectClrLst/>
+  </dgm:styleLbl>
+  <dgm:styleLbl name="parChTrans2D4">
+    <dgm:fillClrLst meth="repeat">
+      <a:schemeClr val="accent1"/>
+    </dgm:fillClrLst>
+    <dgm:linClrLst meth="repeat">
+      <a:schemeClr val="accent1"/>
+    </dgm:linClrLst>
+    <dgm:effectClrLst/>
+    <dgm:txLinClrLst/>
+    <dgm:txFillClrLst meth="repeat">
+      <a:schemeClr val="lt1"/>
+    </dgm:txFillClrLst>
+    <dgm:txEffectClrLst/>
+  </dgm:styleLbl>
+  <dgm:styleLbl name="parChTrans1D1">
+    <dgm:fillClrLst meth="repeat">
+      <a:schemeClr val="accent1"/>
+    </dgm:fillClrLst>
+    <dgm:linClrLst meth="repeat">
+      <a:schemeClr val="accent1">
+        <a:shade val="60000"/>
+      </a:schemeClr>
+    </dgm:linClrLst>
+    <dgm:effectClrLst/>
+    <dgm:txLinClrLst/>
+    <dgm:txFillClrLst meth="repeat">
+      <a:schemeClr val="tx1"/>
+    </dgm:txFillClrLst>
+    <dgm:txEffectClrLst/>
+  </dgm:styleLbl>
+  <dgm:styleLbl name="parChTrans1D2">
+    <dgm:fillClrLst meth="repeat">
+      <a:schemeClr val="accent1"/>
+    </dgm:fillClrLst>
+    <dgm:linClrLst meth="repeat">
+      <a:schemeClr val="accent1">
+        <a:shade val="60000"/>
+      </a:schemeClr>
+    </dgm:linClrLst>
+    <dgm:effectClrLst/>
+    <dgm:txLinClrLst/>
+    <dgm:txFillClrLst meth="repeat">
+      <a:schemeClr val="tx1"/>
+    </dgm:txFillClrLst>
+    <dgm:txEffectClrLst/>
+  </dgm:styleLbl>
+  <dgm:styleLbl name="parChTrans1D3">
+    <dgm:fillClrLst meth="repeat">
+      <a:schemeClr val="accent1"/>
+    </dgm:fillClrLst>
+    <dgm:linClrLst meth="repeat">
+      <a:schemeClr val="accent1">
+        <a:shade val="80000"/>
+      </a:schemeClr>
+    </dgm:linClrLst>
+    <dgm:effectClrLst/>
+    <dgm:txLinClrLst/>
+    <dgm:txFillClrLst meth="repeat">
+      <a:schemeClr val="tx1"/>
+    </dgm:txFillClrLst>
+    <dgm:txEffectClrLst/>
+  </dgm:styleLbl>
+  <dgm:styleLbl name="parChTrans1D4">
+    <dgm:fillClrLst meth="repeat">
+      <a:schemeClr val="accent1"/>
+    </dgm:fillClrLst>
+    <dgm:linClrLst meth="repeat">
+      <a:schemeClr val="accent1">
+        <a:shade val="80000"/>
+      </a:schemeClr>
+    </dgm:linClrLst>
+    <dgm:effectClrLst/>
+    <dgm:txLinClrLst/>
+    <dgm:txFillClrLst meth="repeat">
+      <a:schemeClr val="tx1"/>
+    </dgm:txFillClrLst>
+    <dgm:txEffectClrLst/>
+  </dgm:styleLbl>
+  <dgm:styleLbl name="fgAcc1">
+    <dgm:fillClrLst meth="repeat">
+      <a:schemeClr val="lt1">
+        <a:alpha val="90000"/>
+      </a:schemeClr>
+    </dgm:fillClrLst>
+    <dgm:linClrLst meth="repeat">
+      <a:schemeClr val="accent1"/>
+    </dgm:linClrLst>
+    <dgm:effectClrLst/>
+    <dgm:txLinClrLst/>
+    <dgm:txFillClrLst meth="repeat">
+      <a:schemeClr val="dk1"/>
+    </dgm:txFillClrLst>
+    <dgm:txEffectClrLst/>
+  </dgm:styleLbl>
+  <dgm:styleLbl name="conFgAcc1">
+    <dgm:fillClrLst meth="repeat">
+      <a:schemeClr val="lt1">
+        <a:alpha val="90000"/>
+      </a:schemeClr>
+    </dgm:fillClrLst>
+    <dgm:linClrLst meth="repeat">
+      <a:schemeClr val="accent1"/>
+    </dgm:linClrLst>
+    <dgm:effectClrLst/>
+    <dgm:txLinClrLst/>
+    <dgm:txFillClrLst meth="repeat">
+      <a:schemeClr val="dk1"/>
+    </dgm:txFillClrLst>
+    <dgm:txEffectClrLst/>
+  </dgm:styleLbl>
+  <dgm:styleLbl name="alignAcc1">
+    <dgm:fillClrLst meth="repeat">
+      <a:schemeClr val="lt1">
+        <a:alpha val="90000"/>
+      </a:schemeClr>
+    </dgm:fillClrLst>
+    <dgm:linClrLst meth="repeat">
+      <a:schemeClr val="accent1"/>
+    </dgm:linClrLst>
+    <dgm:effectClrLst/>
+    <dgm:txLinClrLst/>
+    <dgm:txFillClrLst meth="repeat">
+      <a:schemeClr val="dk1"/>
+    </dgm:txFillClrLst>
+    <dgm:txEffectClrLst/>
+  </dgm:styleLbl>
+  <dgm:styleLbl name="trAlignAcc1">
+    <dgm:fillClrLst meth="repeat">
+      <a:schemeClr val="lt1">
+        <a:alpha val="40000"/>
+      </a:schemeClr>
+    </dgm:fillClrLst>
+    <dgm:linClrLst meth="repeat">
+      <a:schemeClr val="accent1"/>
+    </dgm:linClrLst>
+    <dgm:effectClrLst/>
+    <dgm:txLinClrLst/>
+    <dgm:txFillClrLst meth="repeat">
+      <a:schemeClr val="dk1"/>
+    </dgm:txFillClrLst>
+    <dgm:txEffectClrLst/>
+  </dgm:styleLbl>
+  <dgm:styleLbl name="bgAcc1">
+    <dgm:fillClrLst meth="repeat">
+      <a:schemeClr val="lt1">
+        <a:alpha val="90000"/>
+      </a:schemeClr>
+    </dgm:fillClrLst>
+    <dgm:linClrLst meth="repeat">
+      <a:schemeClr val="accent1"/>
+    </dgm:linClrLst>
+    <dgm:effectClrLst/>
+    <dgm:txLinClrLst/>
+    <dgm:txFillClrLst meth="repeat">
+      <a:schemeClr val="dk1"/>
+    </dgm:txFillClrLst>
+    <dgm:txEffectClrLst/>
+  </dgm:styleLbl>
+  <dgm:styleLbl name="solidFgAcc1">
+    <dgm:fillClrLst meth="repeat">
+      <a:schemeClr val="lt1"/>
+    </dgm:fillClrLst>
+    <dgm:linClrLst meth="repeat">
+      <a:schemeClr val="accent1"/>
+    </dgm:linClrLst>
+    <dgm:effectClrLst/>
+    <dgm:txLinClrLst/>
+    <dgm:txFillClrLst meth="repeat">
+      <a:schemeClr val="dk1"/>
+    </dgm:txFillClrLst>
+    <dgm:txEffectClrLst/>
+  </dgm:styleLbl>
+  <dgm:styleLbl name="solidAlignAcc1">
+    <dgm:fillClrLst meth="repeat">
+      <a:schemeClr val="lt1"/>
+    </dgm:fillClrLst>
+    <dgm:linClrLst meth="repeat">
+      <a:schemeClr val="accent1"/>
+    </dgm:linClrLst>
+    <dgm:effectClrLst/>
+    <dgm:txLinClrLst/>
+    <dgm:txFillClrLst meth="repeat">
+      <a:schemeClr val="dk1"/>
+    </dgm:txFillClrLst>
+    <dgm:txEffectClrLst/>
+  </dgm:styleLbl>
+  <dgm:styleLbl name="solidBgAcc1">
+    <dgm:fillClrLst meth="repeat">
+      <a:schemeClr val="lt1"/>
+    </dgm:fillClrLst>
+    <dgm:linClrLst meth="repeat">
+      <a:schemeClr val="accent1"/>
+    </dgm:linClrLst>
+    <dgm:effectClrLst/>
+    <dgm:txLinClrLst/>
+    <dgm:txFillClrLst meth="repeat">
+      <a:schemeClr val="dk1"/>
+    </dgm:txFillClrLst>
+    <dgm:txEffectClrLst/>
+  </dgm:styleLbl>
+  <dgm:styleLbl name="fgAccFollowNode1">
+    <dgm:fillClrLst meth="repeat">
+      <a:schemeClr val="accent1">
+        <a:alpha val="90000"/>
+        <a:tint val="40000"/>
+      </a:schemeClr>
+    </dgm:fillClrLst>
+    <dgm:linClrLst meth="repeat">
+      <a:schemeClr val="accent1">
+        <a:alpha val="90000"/>
+        <a:tint val="40000"/>
+      </a:schemeClr>
+    </dgm:linClrLst>
+    <dgm:effectClrLst/>
+    <dgm:txLinClrLst/>
+    <dgm:txFillClrLst meth="repeat">
+      <a:schemeClr val="dk1"/>
+    </dgm:txFillClrLst>
+    <dgm:txEffectClrLst/>
+  </dgm:styleLbl>
+  <dgm:styleLbl name="alignAccFollowNode1">
+    <dgm:fillClrLst meth="repeat">
+      <a:schemeClr val="accent1">
+        <a:alpha val="90000"/>
+        <a:tint val="40000"/>
+      </a:schemeClr>
+    </dgm:fillClrLst>
+    <dgm:linClrLst meth="repeat">
+      <a:schemeClr val="accent1">
+        <a:alpha val="90000"/>
+        <a:tint val="40000"/>
+      </a:schemeClr>
+    </dgm:linClrLst>
+    <dgm:effectClrLst/>
+    <dgm:txLinClrLst/>
+    <dgm:txFillClrLst meth="repeat">
+      <a:schemeClr val="dk1"/>
+    </dgm:txFillClrLst>
+    <dgm:txEffectClrLst/>
+  </dgm:styleLbl>
+  <dgm:styleLbl name="bgAccFollowNode1">
+    <dgm:fillClrLst meth="repeat">
+      <a:schemeClr val="accent1">
+        <a:alpha val="90000"/>
+        <a:tint val="40000"/>
+      </a:schemeClr>
+    </dgm:fillClrLst>
+    <dgm:linClrLst meth="repeat">
+      <a:schemeClr val="accent1">
+        <a:alpha val="90000"/>
+        <a:tint val="40000"/>
+      </a:schemeClr>
+    </dgm:linClrLst>
+    <dgm:effectClrLst/>
+    <dgm:txLinClrLst/>
+    <dgm:txFillClrLst meth="repeat">
+      <a:schemeClr val="dk1"/>
+    </dgm:txFillClrLst>
+    <dgm:txEffectClrLst/>
+  </dgm:styleLbl>
+  <dgm:styleLbl name="fgAcc0">
+    <dgm:fillClrLst meth="repeat">
+      <a:schemeClr val="lt1">
+        <a:alpha val="90000"/>
+      </a:schemeClr>
+    </dgm:fillClrLst>
+    <dgm:linClrLst meth="repeat">
+      <a:schemeClr val="accent1"/>
+    </dgm:linClrLst>
+    <dgm:effectClrLst/>
+    <dgm:txLinClrLst/>
+    <dgm:txFillClrLst meth="repeat">
+      <a:schemeClr val="dk1"/>
+    </dgm:txFillClrLst>
+    <dgm:txEffectClrLst/>
+  </dgm:styleLbl>
+  <dgm:styleLbl name="fgAcc2">
+    <dgm:fillClrLst meth="repeat">
+      <a:schemeClr val="lt1">
+        <a:alpha val="90000"/>
+      </a:schemeClr>
+    </dgm:fillClrLst>
+    <dgm:linClrLst meth="repeat">
+      <a:schemeClr val="accent1"/>
+    </dgm:linClrLst>
+    <dgm:effectClrLst/>
+    <dgm:txLinClrLst/>
+    <dgm:txFillClrLst meth="repeat">
+      <a:schemeClr val="dk1"/>
+    </dgm:txFillClrLst>
+    <dgm:txEffectClrLst/>
+  </dgm:styleLbl>
+  <dgm:styleLbl name="fgAcc3">
+    <dgm:fillClrLst meth="repeat">
+      <a:schemeClr val="lt1">
+        <a:alpha val="90000"/>
+      </a:schemeClr>
+    </dgm:fillClrLst>
+    <dgm:linClrLst meth="repeat">
+      <a:schemeClr val="accent1"/>
+    </dgm:linClrLst>
+    <dgm:effectClrLst/>
+    <dgm:txLinClrLst/>
+    <dgm:txFillClrLst meth="repeat">
+      <a:schemeClr val="dk1"/>
+    </dgm:txFillClrLst>
+    <dgm:txEffectClrLst/>
+  </dgm:styleLbl>
+  <dgm:styleLbl name="fgAcc4">
+    <dgm:fillClrLst meth="repeat">
+      <a:schemeClr val="lt1">
+        <a:alpha val="90000"/>
+      </a:schemeClr>
+    </dgm:fillClrLst>
+    <dgm:linClrLst meth="repeat">
+      <a:schemeClr val="accent1"/>
+    </dgm:linClrLst>
+    <dgm:effectClrLst/>
+    <dgm:txLinClrLst/>
+    <dgm:txFillClrLst meth="repeat">
+      <a:schemeClr val="dk1"/>
+    </dgm:txFillClrLst>
+    <dgm:txEffectClrLst/>
+  </dgm:styleLbl>
+  <dgm:styleLbl name="bgShp">
+    <dgm:fillClrLst meth="repeat">
+      <a:schemeClr val="bg1">
+        <a:lumMod val="95000"/>
+      </a:schemeClr>
+    </dgm:fillClrLst>
+    <dgm:linClrLst meth="repeat">
+      <a:schemeClr val="accent1"/>
+    </dgm:linClrLst>
+    <dgm:effectClrLst/>
+    <dgm:txLinClrLst/>
+    <dgm:txFillClrLst meth="repeat">
+      <a:schemeClr val="dk1"/>
+    </dgm:txFillClrLst>
+    <dgm:txEffectClrLst/>
+  </dgm:styleLbl>
+  <dgm:styleLbl name="dkBgShp">
+    <dgm:fillClrLst meth="repeat">
+      <a:schemeClr val="accent1">
+        <a:shade val="80000"/>
+      </a:schemeClr>
+    </dgm:fillClrLst>
+    <dgm:linClrLst meth="repeat">
+      <a:schemeClr val="accent1"/>
+    </dgm:linClrLst>
+    <dgm:effectClrLst/>
+    <dgm:txLinClrLst/>
+    <dgm:txFillClrLst meth="repeat">
+      <a:schemeClr val="lt1"/>
+    </dgm:txFillClrLst>
+    <dgm:txEffectClrLst/>
+  </dgm:styleLbl>
+  <dgm:styleLbl name="trBgShp">
+    <dgm:fillClrLst meth="repeat">
+      <a:schemeClr val="accent1">
+        <a:tint val="50000"/>
+        <a:alpha val="40000"/>
+      </a:schemeClr>
+    </dgm:fillClrLst>
+    <dgm:linClrLst meth="repeat">
+      <a:schemeClr val="accent1"/>
+    </dgm:linClrLst>
+    <dgm:effectClrLst/>
+    <dgm:txLinClrLst/>
+    <dgm:txFillClrLst meth="repeat">
+      <a:schemeClr val="lt1"/>
+    </dgm:txFillClrLst>
+    <dgm:txEffectClrLst/>
+  </dgm:styleLbl>
+  <dgm:styleLbl name="fgShp">
+    <dgm:fillClrLst meth="repeat">
+      <a:schemeClr val="accent1">
+        <a:tint val="60000"/>
+      </a:schemeClr>
+    </dgm:fillClrLst>
+    <dgm:linClrLst meth="repeat">
+      <a:schemeClr val="lt1"/>
+    </dgm:linClrLst>
+    <dgm:effectClrLst/>
+    <dgm:txLinClrLst/>
+    <dgm:txFillClrLst meth="repeat">
+      <a:schemeClr val="dk1"/>
+    </dgm:txFillClrLst>
+    <dgm:txEffectClrLst/>
+  </dgm:styleLbl>
+  <dgm:styleLbl name="revTx">
+    <dgm:fillClrLst meth="repeat">
+      <a:schemeClr val="lt1">
+        <a:alpha val="0"/>
+      </a:schemeClr>
+    </dgm:fillClrLst>
+    <dgm:linClrLst meth="repeat">
+      <a:schemeClr val="dk1">
+        <a:alpha val="0"/>
+      </a:schemeClr>
+    </dgm:linClrLst>
+    <dgm:effectClrLst/>
+    <dgm:txLinClrLst/>
+    <dgm:txFillClrLst meth="repeat">
+      <a:schemeClr val="tx1"/>
+    </dgm:txFillClrLst>
+    <dgm:txEffectClrLst/>
+  </dgm:styleLbl>
+</dgm:colorsDef>
+</file>
+
 <file path=ppt/diagrams/data1.xml><?xml version="1.0" encoding="utf-8"?>
 <dgm:dataModel xmlns:dgm="http://schemas.openxmlformats.org/drawingml/2006/diagram" xmlns:a="http://schemas.openxmlformats.org/drawingml/2006/main">
   <dgm:ptLst>
@@ -2574,10 +3325,10 @@
             </a:lnSpc>
           </a:pPr>
           <a:r>
-            <a:rPr lang="it-IT"/>
+            <a:rPr lang="it-IT" dirty="0" err="1"/>
             <a:t>Scalability</a:t>
           </a:r>
-          <a:endParaRPr lang="en-US"/>
+          <a:endParaRPr lang="en-US" dirty="0" err="1"/>
         </a:p>
       </dgm:t>
     </dgm:pt>
@@ -2616,10 +3367,38 @@
             </a:lnSpc>
           </a:pPr>
           <a:r>
-            <a:rPr lang="it-IT"/>
-            <a:t>The architecture can be scale up adding new istances of modules</a:t>
+            <a:rPr lang="it-IT" dirty="0"/>
+            <a:t>The </a:t>
           </a:r>
-          <a:endParaRPr lang="en-US"/>
+          <a:r>
+            <a:rPr lang="it-IT" dirty="0" err="1"/>
+            <a:t>architecture</a:t>
+          </a:r>
+          <a:r>
+            <a:rPr lang="it-IT" dirty="0"/>
+            <a:t> can be scale up </a:t>
+          </a:r>
+          <a:r>
+            <a:rPr lang="it-IT" dirty="0" err="1"/>
+            <a:t>adding</a:t>
+          </a:r>
+          <a:r>
+            <a:rPr lang="it-IT" dirty="0"/>
+            <a:t> new </a:t>
+          </a:r>
+          <a:r>
+            <a:rPr lang="it-IT" dirty="0" err="1"/>
+            <a:t>istances</a:t>
+          </a:r>
+          <a:r>
+            <a:rPr lang="it-IT" dirty="0"/>
+            <a:t> of </a:t>
+          </a:r>
+          <a:r>
+            <a:rPr lang="it-IT" dirty="0" err="1"/>
+            <a:t>modules</a:t>
+          </a:r>
+          <a:endParaRPr lang="en-US" dirty="0" err="1"/>
         </a:p>
       </dgm:t>
     </dgm:pt>
@@ -2658,10 +3437,10 @@
             </a:lnSpc>
           </a:pPr>
           <a:r>
-            <a:rPr lang="it-IT"/>
+            <a:rPr lang="it-IT" dirty="0" err="1"/>
             <a:t>Modularity</a:t>
           </a:r>
-          <a:endParaRPr lang="en-US"/>
+          <a:endParaRPr lang="en-US" dirty="0" err="1"/>
         </a:p>
       </dgm:t>
     </dgm:pt>
@@ -2700,10 +3479,74 @@
             </a:lnSpc>
           </a:pPr>
           <a:r>
-            <a:rPr lang="it-IT"/>
-            <a:t>The architecture is split into modules that interact with each,remaining independent. </a:t>
+            <a:rPr lang="it-IT" dirty="0"/>
+            <a:t>The </a:t>
           </a:r>
-          <a:endParaRPr lang="en-US"/>
+          <a:r>
+            <a:rPr lang="it-IT" dirty="0" err="1"/>
+            <a:t>architecture</a:t>
+          </a:r>
+          <a:r>
+            <a:rPr lang="it-IT" dirty="0"/>
+            <a:t> </a:t>
+          </a:r>
+          <a:r>
+            <a:rPr lang="it-IT" dirty="0" err="1"/>
+            <a:t>is</a:t>
+          </a:r>
+          <a:r>
+            <a:rPr lang="it-IT" dirty="0"/>
+            <a:t> split </a:t>
+          </a:r>
+          <a:r>
+            <a:rPr lang="it-IT" dirty="0" err="1"/>
+            <a:t>into</a:t>
+          </a:r>
+          <a:r>
+            <a:rPr lang="it-IT" dirty="0"/>
+            <a:t> </a:t>
+          </a:r>
+          <a:r>
+            <a:rPr lang="it-IT" dirty="0" err="1"/>
+            <a:t>modules</a:t>
+          </a:r>
+          <a:r>
+            <a:rPr lang="it-IT" dirty="0"/>
+            <a:t> </a:t>
+          </a:r>
+          <a:r>
+            <a:rPr lang="it-IT" dirty="0" err="1"/>
+            <a:t>that</a:t>
+          </a:r>
+          <a:r>
+            <a:rPr lang="it-IT" dirty="0"/>
+            <a:t> </a:t>
+          </a:r>
+          <a:r>
+            <a:rPr lang="it-IT" dirty="0" err="1"/>
+            <a:t>interact</a:t>
+          </a:r>
+          <a:r>
+            <a:rPr lang="it-IT" dirty="0"/>
+            <a:t> with </a:t>
+          </a:r>
+          <a:r>
+            <a:rPr lang="it-IT" dirty="0" err="1"/>
+            <a:t>each,remaining</a:t>
+          </a:r>
+          <a:r>
+            <a:rPr lang="it-IT" dirty="0"/>
+            <a:t> </a:t>
+          </a:r>
+          <a:r>
+            <a:rPr lang="it-IT" dirty="0" err="1"/>
+            <a:t>independent</a:t>
+          </a:r>
+          <a:r>
+            <a:rPr lang="it-IT" dirty="0"/>
+            <a:t>. </a:t>
+          </a:r>
+          <a:endParaRPr lang="en-US" dirty="0"/>
         </a:p>
       </dgm:t>
     </dgm:pt>
@@ -2742,10 +3585,10 @@
             </a:lnSpc>
           </a:pPr>
           <a:r>
-            <a:rPr lang="it-IT"/>
+            <a:rPr lang="it-IT" dirty="0" err="1"/>
             <a:t>Resilience</a:t>
           </a:r>
-          <a:endParaRPr lang="en-US"/>
+          <a:endParaRPr lang="en-US" dirty="0" err="1"/>
         </a:p>
       </dgm:t>
     </dgm:pt>
@@ -2784,10 +3627,34 @@
             </a:lnSpc>
           </a:pPr>
           <a:r>
-            <a:rPr lang="it-IT"/>
-            <a:t>Most of functionality are guaranteed in case of problems</a:t>
+            <a:rPr lang="it-IT" dirty="0" err="1"/>
+            <a:t>Most</a:t>
           </a:r>
-          <a:endParaRPr lang="en-US"/>
+          <a:r>
+            <a:rPr lang="it-IT" dirty="0"/>
+            <a:t> of </a:t>
+          </a:r>
+          <a:r>
+            <a:rPr lang="it-IT" dirty="0" err="1"/>
+            <a:t>functionality</a:t>
+          </a:r>
+          <a:r>
+            <a:rPr lang="it-IT" dirty="0"/>
+            <a:t> are </a:t>
+          </a:r>
+          <a:r>
+            <a:rPr lang="it-IT" dirty="0" err="1"/>
+            <a:t>guaranteed</a:t>
+          </a:r>
+          <a:r>
+            <a:rPr lang="it-IT" dirty="0"/>
+            <a:t> in case of </a:t>
+          </a:r>
+          <a:r>
+            <a:rPr lang="it-IT" dirty="0" err="1"/>
+            <a:t>problems</a:t>
+          </a:r>
+          <a:endParaRPr lang="en-US" dirty="0" err="1"/>
         </a:p>
       </dgm:t>
     </dgm:pt>
@@ -4737,6 +5604,618 @@
 </dgm:dataModel>
 </file>
 
+<file path=ppt/diagrams/data4.xml><?xml version="1.0" encoding="utf-8"?>
+<dgm:dataModel xmlns:dgm="http://schemas.openxmlformats.org/drawingml/2006/diagram" xmlns:a="http://schemas.openxmlformats.org/drawingml/2006/main">
+  <dgm:ptLst>
+    <dgm:pt modelId="{80AD212C-D6C5-4F06-BD24-F601465622B8}" type="doc">
+      <dgm:prSet loTypeId="urn:microsoft.com/office/officeart/2018/2/layout/IconVerticalSolidList" loCatId="icon" qsTypeId="urn:microsoft.com/office/officeart/2005/8/quickstyle/simple1" qsCatId="simple" csTypeId="urn:microsoft.com/office/officeart/2018/5/colors/Iconchunking_neutralbg_accent1_2" csCatId="accent1" phldr="1"/>
+      <dgm:spPr/>
+      <dgm:t>
+        <a:bodyPr/>
+        <a:lstStyle/>
+        <a:p>
+          <a:endParaRPr lang="en-US"/>
+        </a:p>
+      </dgm:t>
+    </dgm:pt>
+    <dgm:pt modelId="{AEA554C7-3D23-497F-9EEB-65F23FBDF941}">
+      <dgm:prSet/>
+      <dgm:spPr/>
+      <dgm:t>
+        <a:bodyPr/>
+        <a:lstStyle/>
+        <a:p>
+          <a:pPr>
+            <a:lnSpc>
+              <a:spcPct val="100000"/>
+            </a:lnSpc>
+          </a:pPr>
+          <a:r>
+            <a:rPr lang="it-IT" dirty="0">
+              <a:latin typeface="Century Gothic" panose="020B0502020202020204"/>
+            </a:rPr>
+            <a:t>News</a:t>
+          </a:r>
+          <a:r>
+            <a:rPr lang="it-IT" b="0" i="0" u="none" strike="noStrike" cap="none" baseline="0" noProof="0" dirty="0">
+              <a:latin typeface="Century Gothic"/>
+            </a:rPr>
+            <a:t> Multiplexer</a:t>
+          </a:r>
+          <a:endParaRPr lang="it-IT" dirty="0"/>
+        </a:p>
+      </dgm:t>
+    </dgm:pt>
+    <dgm:pt modelId="{D45ACD14-5A1E-44F7-8E3D-DDC28E87BA73}" type="parTrans" cxnId="{AA8D67A0-AC4D-4E46-8107-6DD9F70E4D17}">
+      <dgm:prSet/>
+      <dgm:spPr/>
+      <dgm:t>
+        <a:bodyPr/>
+        <a:lstStyle/>
+        <a:p>
+          <a:endParaRPr lang="en-US"/>
+        </a:p>
+      </dgm:t>
+    </dgm:pt>
+    <dgm:pt modelId="{C0AF8D38-342A-4340-A945-DBB7B2B4BE2A}" type="sibTrans" cxnId="{AA8D67A0-AC4D-4E46-8107-6DD9F70E4D17}">
+      <dgm:prSet/>
+      <dgm:spPr/>
+      <dgm:t>
+        <a:bodyPr/>
+        <a:lstStyle/>
+        <a:p>
+          <a:endParaRPr lang="en-US"/>
+        </a:p>
+      </dgm:t>
+    </dgm:pt>
+    <dgm:pt modelId="{FB406D10-5E9C-4676-B5E8-561EA9F237F0}">
+      <dgm:prSet/>
+      <dgm:spPr/>
+      <dgm:t>
+        <a:bodyPr/>
+        <a:lstStyle/>
+        <a:p>
+          <a:pPr>
+            <a:lnSpc>
+              <a:spcPct val="100000"/>
+            </a:lnSpc>
+          </a:pPr>
+          <a:r>
+            <a:rPr lang="it-IT" dirty="0" err="1"/>
+            <a:t>According</a:t>
+          </a:r>
+          <a:r>
+            <a:rPr lang="it-IT" dirty="0"/>
+            <a:t> to </a:t>
+          </a:r>
+          <a:r>
+            <a:rPr lang="it-IT" dirty="0" err="1"/>
+            <a:t>topic</a:t>
+          </a:r>
+          <a:r>
+            <a:rPr lang="it-IT" dirty="0"/>
+            <a:t> or </a:t>
+          </a:r>
+          <a:r>
+            <a:rPr lang="it-IT" dirty="0" err="1"/>
+            <a:t>category</a:t>
+          </a:r>
+          <a:r>
+            <a:rPr lang="it-IT" dirty="0"/>
+            <a:t> and </a:t>
+          </a:r>
+          <a:r>
+            <a:rPr lang="it-IT" dirty="0" err="1"/>
+            <a:t>return</a:t>
+          </a:r>
+          <a:r>
+            <a:rPr lang="it-IT" dirty="0"/>
+            <a:t> </a:t>
+          </a:r>
+          <a:r>
+            <a:rPr lang="it-IT" dirty="0" err="1"/>
+            <a:t>them</a:t>
+          </a:r>
+          <a:r>
+            <a:rPr lang="it-IT" dirty="0"/>
+            <a:t> to a user </a:t>
+          </a:r>
+          <a:r>
+            <a:rPr lang="it-IT" dirty="0" err="1"/>
+            <a:t>interface</a:t>
+          </a:r>
+          <a:r>
+            <a:rPr lang="it-IT" dirty="0"/>
+            <a:t> </a:t>
+          </a:r>
+          <a:r>
+            <a:rPr lang="it-IT" dirty="0" err="1"/>
+            <a:t>microservice</a:t>
+          </a:r>
+          <a:r>
+            <a:rPr lang="it-IT" dirty="0"/>
+            <a:t>.</a:t>
+          </a:r>
+        </a:p>
+      </dgm:t>
+    </dgm:pt>
+    <dgm:pt modelId="{18BC9540-D3B1-4081-A8E3-325B5B3C2D59}" type="parTrans" cxnId="{B9193037-9E5D-4656-96AB-03AE837D76DA}">
+      <dgm:prSet/>
+      <dgm:spPr/>
+      <dgm:t>
+        <a:bodyPr/>
+        <a:lstStyle/>
+        <a:p>
+          <a:endParaRPr lang="en-US"/>
+        </a:p>
+      </dgm:t>
+    </dgm:pt>
+    <dgm:pt modelId="{85A3D94A-0808-4E68-B589-4E6AEC8259F9}" type="sibTrans" cxnId="{B9193037-9E5D-4656-96AB-03AE837D76DA}">
+      <dgm:prSet/>
+      <dgm:spPr/>
+      <dgm:t>
+        <a:bodyPr/>
+        <a:lstStyle/>
+        <a:p>
+          <a:endParaRPr lang="en-US"/>
+        </a:p>
+      </dgm:t>
+    </dgm:pt>
+    <dgm:pt modelId="{98105D37-96DD-464B-9F7C-B3ED604D3F92}">
+      <dgm:prSet phldr="0"/>
+      <dgm:spPr/>
+      <dgm:t>
+        <a:bodyPr/>
+        <a:lstStyle/>
+        <a:p>
+          <a:pPr>
+            <a:lnSpc>
+              <a:spcPct val="100000"/>
+            </a:lnSpc>
+          </a:pPr>
+          <a:r>
+            <a:rPr lang="it-IT" dirty="0">
+              <a:latin typeface="Century Gothic" panose="020B0502020202020204"/>
+            </a:rPr>
+            <a:t>User </a:t>
+          </a:r>
+          <a:r>
+            <a:rPr lang="it-IT" dirty="0" err="1">
+              <a:latin typeface="Century Gothic" panose="020B0502020202020204"/>
+            </a:rPr>
+            <a:t>Handler</a:t>
+          </a:r>
+          <a:endParaRPr lang="it-IT" dirty="0" err="1"/>
+        </a:p>
+      </dgm:t>
+    </dgm:pt>
+    <dgm:pt modelId="{2546610D-4643-4EB5-97AF-09330D75F0FB}" type="parTrans" cxnId="{CE351D7C-A5F2-4E5D-B206-0E830ED9712A}">
+      <dgm:prSet/>
+      <dgm:spPr/>
+      <dgm:t>
+        <a:bodyPr/>
+        <a:lstStyle/>
+        <a:p>
+          <a:endParaRPr lang="en-US"/>
+        </a:p>
+      </dgm:t>
+    </dgm:pt>
+    <dgm:pt modelId="{E08AC0E6-6694-4534-82E4-26604A5E8824}" type="sibTrans" cxnId="{CE351D7C-A5F2-4E5D-B206-0E830ED9712A}">
+      <dgm:prSet/>
+      <dgm:spPr/>
+      <dgm:t>
+        <a:bodyPr/>
+        <a:lstStyle/>
+        <a:p>
+          <a:endParaRPr lang="en-US"/>
+        </a:p>
+      </dgm:t>
+    </dgm:pt>
+    <dgm:pt modelId="{7A9B1525-071F-4DCB-B7D1-1FEC07B1EC44}">
+      <dgm:prSet/>
+      <dgm:spPr/>
+      <dgm:t>
+        <a:bodyPr/>
+        <a:lstStyle/>
+        <a:p>
+          <a:pPr>
+            <a:lnSpc>
+              <a:spcPct val="100000"/>
+            </a:lnSpc>
+          </a:pPr>
+          <a:r>
+            <a:rPr lang="it-IT" dirty="0"/>
+            <a:t>Management of user </a:t>
+          </a:r>
+          <a:r>
+            <a:rPr lang="it-IT" dirty="0" err="1"/>
+            <a:t>is</a:t>
+          </a:r>
+          <a:r>
+            <a:rPr lang="it-IT" dirty="0"/>
+            <a:t> </a:t>
+          </a:r>
+          <a:r>
+            <a:rPr lang="it-IT" dirty="0" err="1"/>
+            <a:t>handled</a:t>
+          </a:r>
+          <a:r>
+            <a:rPr lang="it-IT" dirty="0"/>
+            <a:t> by the user </a:t>
+          </a:r>
+          <a:r>
+            <a:rPr lang="it-IT" dirty="0" err="1"/>
+            <a:t>handler</a:t>
+          </a:r>
+        </a:p>
+      </dgm:t>
+    </dgm:pt>
+    <dgm:pt modelId="{8132633D-B4CE-45B6-AEE6-3132C9C153A9}" type="parTrans" cxnId="{C69FD59B-4D6B-45E5-B357-372B5D782D32}">
+      <dgm:prSet/>
+      <dgm:spPr/>
+      <dgm:t>
+        <a:bodyPr/>
+        <a:lstStyle/>
+        <a:p>
+          <a:endParaRPr lang="en-US"/>
+        </a:p>
+      </dgm:t>
+    </dgm:pt>
+    <dgm:pt modelId="{26427686-BD47-4CC7-B8B7-986A7C1C9BA2}" type="sibTrans" cxnId="{C69FD59B-4D6B-45E5-B357-372B5D782D32}">
+      <dgm:prSet/>
+      <dgm:spPr/>
+      <dgm:t>
+        <a:bodyPr/>
+        <a:lstStyle/>
+        <a:p>
+          <a:endParaRPr lang="en-US"/>
+        </a:p>
+      </dgm:t>
+    </dgm:pt>
+    <dgm:pt modelId="{E6182006-8C8D-4ED6-8000-1B26B14934E6}">
+      <dgm:prSet/>
+      <dgm:spPr/>
+      <dgm:t>
+        <a:bodyPr/>
+        <a:lstStyle/>
+        <a:p>
+          <a:pPr>
+            <a:lnSpc>
+              <a:spcPct val="100000"/>
+            </a:lnSpc>
+          </a:pPr>
+          <a:r>
+            <a:rPr lang="it-IT" dirty="0" err="1">
+              <a:latin typeface="Century Gothic" panose="020B0502020202020204"/>
+            </a:rPr>
+            <a:t>Oauth</a:t>
+          </a:r>
+          <a:r>
+            <a:rPr lang="it-IT" dirty="0">
+              <a:latin typeface="Century Gothic" panose="020B0502020202020204"/>
+            </a:rPr>
+            <a:t> Bridge</a:t>
+          </a:r>
+          <a:endParaRPr lang="en-US" dirty="0"/>
+        </a:p>
+      </dgm:t>
+    </dgm:pt>
+    <dgm:pt modelId="{1B7206BB-0793-4DC2-90B6-40982160EA46}" type="parTrans" cxnId="{CA2908CE-D653-451D-B0F2-27DD777E576A}">
+      <dgm:prSet/>
+      <dgm:spPr/>
+      <dgm:t>
+        <a:bodyPr/>
+        <a:lstStyle/>
+        <a:p>
+          <a:endParaRPr lang="en-US"/>
+        </a:p>
+      </dgm:t>
+    </dgm:pt>
+    <dgm:pt modelId="{388FB8DC-733C-4777-B610-88A978FFB54D}" type="sibTrans" cxnId="{CA2908CE-D653-451D-B0F2-27DD777E576A}">
+      <dgm:prSet/>
+      <dgm:spPr/>
+      <dgm:t>
+        <a:bodyPr/>
+        <a:lstStyle/>
+        <a:p>
+          <a:endParaRPr lang="en-US"/>
+        </a:p>
+      </dgm:t>
+    </dgm:pt>
+    <dgm:pt modelId="{12EBD643-748B-46C5-9A50-B1EDBA455E96}">
+      <dgm:prSet/>
+      <dgm:spPr/>
+      <dgm:t>
+        <a:bodyPr/>
+        <a:lstStyle/>
+        <a:p>
+          <a:pPr>
+            <a:lnSpc>
+              <a:spcPct val="100000"/>
+            </a:lnSpc>
+          </a:pPr>
+          <a:r>
+            <a:rPr lang="it-IT" dirty="0">
+              <a:latin typeface="Century Gothic" panose="020B0502020202020204"/>
+            </a:rPr>
+            <a:t>Act</a:t>
+          </a:r>
+          <a:r>
+            <a:rPr lang="it-IT" dirty="0"/>
+            <a:t> </a:t>
+          </a:r>
+          <a:r>
+            <a:rPr lang="it-IT" dirty="0" err="1"/>
+            <a:t>as</a:t>
+          </a:r>
+          <a:r>
+            <a:rPr lang="it-IT" dirty="0"/>
+            <a:t> a bridge </a:t>
+          </a:r>
+          <a:r>
+            <a:rPr lang="it-IT" dirty="0" err="1"/>
+            <a:t>between</a:t>
+          </a:r>
+          <a:r>
+            <a:rPr lang="it-IT" dirty="0"/>
+            <a:t> the Web </a:t>
+          </a:r>
+          <a:r>
+            <a:rPr lang="it-IT" dirty="0" err="1"/>
+            <a:t>Frontend</a:t>
+          </a:r>
+          <a:r>
+            <a:rPr lang="it-IT" dirty="0"/>
+            <a:t> and the User </a:t>
+          </a:r>
+          <a:r>
+            <a:rPr lang="it-IT" dirty="0" err="1"/>
+            <a:t>Handler</a:t>
+          </a:r>
+        </a:p>
+      </dgm:t>
+    </dgm:pt>
+    <dgm:pt modelId="{4BD48EE7-D4CE-46AC-B1EC-EB60C201523D}" type="parTrans" cxnId="{EE561872-A403-4D93-9A89-7A33AFDDF336}">
+      <dgm:prSet/>
+      <dgm:spPr/>
+      <dgm:t>
+        <a:bodyPr/>
+        <a:lstStyle/>
+        <a:p>
+          <a:endParaRPr lang="en-US"/>
+        </a:p>
+      </dgm:t>
+    </dgm:pt>
+    <dgm:pt modelId="{897C49A5-2A72-4DFB-950A-F1DE6BE93F59}" type="sibTrans" cxnId="{EE561872-A403-4D93-9A89-7A33AFDDF336}">
+      <dgm:prSet/>
+      <dgm:spPr/>
+      <dgm:t>
+        <a:bodyPr/>
+        <a:lstStyle/>
+        <a:p>
+          <a:endParaRPr lang="en-US"/>
+        </a:p>
+      </dgm:t>
+    </dgm:pt>
+    <dgm:pt modelId="{97A572AE-5BAA-4CED-B26A-05AF3558E801}" type="pres">
+      <dgm:prSet presAssocID="{80AD212C-D6C5-4F06-BD24-F601465622B8}" presName="root" presStyleCnt="0">
+        <dgm:presLayoutVars>
+          <dgm:dir/>
+          <dgm:resizeHandles val="exact"/>
+        </dgm:presLayoutVars>
+      </dgm:prSet>
+      <dgm:spPr/>
+    </dgm:pt>
+    <dgm:pt modelId="{8FE27E9D-0A65-4416-A69C-A9E0F8E76249}" type="pres">
+      <dgm:prSet presAssocID="{AEA554C7-3D23-497F-9EEB-65F23FBDF941}" presName="compNode" presStyleCnt="0"/>
+      <dgm:spPr/>
+    </dgm:pt>
+    <dgm:pt modelId="{BA271F81-A93D-4EC5-B5D4-639210F95209}" type="pres">
+      <dgm:prSet presAssocID="{AEA554C7-3D23-497F-9EEB-65F23FBDF941}" presName="bgRect" presStyleLbl="bgShp" presStyleIdx="0" presStyleCnt="3"/>
+      <dgm:spPr/>
+    </dgm:pt>
+    <dgm:pt modelId="{8A27BC79-1866-4E78-9D62-3DC686E92E2E}" type="pres">
+      <dgm:prSet presAssocID="{AEA554C7-3D23-497F-9EEB-65F23FBDF941}" presName="iconRect" presStyleLbl="node1" presStyleIdx="0" presStyleCnt="3"/>
+      <dgm:spPr>
+        <a:blipFill>
+          <a:blip xmlns:r="http://schemas.openxmlformats.org/officeDocument/2006/relationships" r:embed="rId1">
+            <a:extLst>
+              <a:ext uri="{96DAC541-7B7A-43D3-8B79-37D633B846F1}">
+                <asvg:svgBlip xmlns:asvg="http://schemas.microsoft.com/office/drawing/2016/SVG/main" r:embed="rId2"/>
+              </a:ext>
+            </a:extLst>
+          </a:blip>
+          <a:stretch>
+            <a:fillRect/>
+          </a:stretch>
+        </a:blipFill>
+        <a:ln>
+          <a:noFill/>
+        </a:ln>
+      </dgm:spPr>
+      <dgm:extLst>
+        <a:ext uri="{E40237B7-FDA0-4F09-8148-C483321AD2D9}">
+          <dgm14:cNvPr xmlns:dgm14="http://schemas.microsoft.com/office/drawing/2010/diagram" id="0" name="" descr="Smartphone"/>
+        </a:ext>
+      </dgm:extLst>
+    </dgm:pt>
+    <dgm:pt modelId="{177FDBB8-8C0D-43EB-BA11-00A24273C00C}" type="pres">
+      <dgm:prSet presAssocID="{AEA554C7-3D23-497F-9EEB-65F23FBDF941}" presName="spaceRect" presStyleCnt="0"/>
+      <dgm:spPr/>
+    </dgm:pt>
+    <dgm:pt modelId="{60CDDA02-AC70-492D-BAF8-1FC2459720A0}" type="pres">
+      <dgm:prSet presAssocID="{AEA554C7-3D23-497F-9EEB-65F23FBDF941}" presName="parTx" presStyleLbl="revTx" presStyleIdx="0" presStyleCnt="6">
+        <dgm:presLayoutVars>
+          <dgm:chMax val="0"/>
+          <dgm:chPref val="0"/>
+        </dgm:presLayoutVars>
+      </dgm:prSet>
+      <dgm:spPr/>
+    </dgm:pt>
+    <dgm:pt modelId="{267946E3-DBB4-4CBA-BBB0-52098AE28BA9}" type="pres">
+      <dgm:prSet presAssocID="{AEA554C7-3D23-497F-9EEB-65F23FBDF941}" presName="desTx" presStyleLbl="revTx" presStyleIdx="1" presStyleCnt="6">
+        <dgm:presLayoutVars/>
+      </dgm:prSet>
+      <dgm:spPr/>
+    </dgm:pt>
+    <dgm:pt modelId="{ADA1F0DE-AE43-45F1-9BFF-BE8464BA9346}" type="pres">
+      <dgm:prSet presAssocID="{C0AF8D38-342A-4340-A945-DBB7B2B4BE2A}" presName="sibTrans" presStyleCnt="0"/>
+      <dgm:spPr/>
+    </dgm:pt>
+    <dgm:pt modelId="{C5CCF2DF-D2EE-48A6-AC82-068B22862DA5}" type="pres">
+      <dgm:prSet presAssocID="{98105D37-96DD-464B-9F7C-B3ED604D3F92}" presName="compNode" presStyleCnt="0"/>
+      <dgm:spPr/>
+    </dgm:pt>
+    <dgm:pt modelId="{05967E43-118D-4EE4-BF68-7536307B0D32}" type="pres">
+      <dgm:prSet presAssocID="{98105D37-96DD-464B-9F7C-B3ED604D3F92}" presName="bgRect" presStyleLbl="bgShp" presStyleIdx="1" presStyleCnt="3"/>
+      <dgm:spPr/>
+    </dgm:pt>
+    <dgm:pt modelId="{08CE21B9-A7EE-4B64-BCCA-8755C23579DD}" type="pres">
+      <dgm:prSet presAssocID="{98105D37-96DD-464B-9F7C-B3ED604D3F92}" presName="iconRect" presStyleLbl="node1" presStyleIdx="1" presStyleCnt="3"/>
+      <dgm:spPr>
+        <a:blipFill>
+          <a:blip xmlns:r="http://schemas.openxmlformats.org/officeDocument/2006/relationships" r:embed="rId3">
+            <a:extLst>
+              <a:ext uri="{96DAC541-7B7A-43D3-8B79-37D633B846F1}">
+                <asvg:svgBlip xmlns:asvg="http://schemas.microsoft.com/office/drawing/2016/SVG/main" r:embed="rId4"/>
+              </a:ext>
+            </a:extLst>
+          </a:blip>
+          <a:stretch>
+            <a:fillRect/>
+          </a:stretch>
+        </a:blipFill>
+        <a:ln>
+          <a:noFill/>
+        </a:ln>
+      </dgm:spPr>
+      <dgm:extLst>
+        <a:ext uri="{E40237B7-FDA0-4F09-8148-C483321AD2D9}">
+          <dgm14:cNvPr xmlns:dgm14="http://schemas.microsoft.com/office/drawing/2010/diagram" id="0" name="" descr="Martello"/>
+        </a:ext>
+      </dgm:extLst>
+    </dgm:pt>
+    <dgm:pt modelId="{506EB7B0-7941-4C02-AD72-93C36F2E2BDA}" type="pres">
+      <dgm:prSet presAssocID="{98105D37-96DD-464B-9F7C-B3ED604D3F92}" presName="spaceRect" presStyleCnt="0"/>
+      <dgm:spPr/>
+    </dgm:pt>
+    <dgm:pt modelId="{27DEFFF9-9AEB-461E-93AD-DB69FCCF11E0}" type="pres">
+      <dgm:prSet presAssocID="{98105D37-96DD-464B-9F7C-B3ED604D3F92}" presName="parTx" presStyleLbl="revTx" presStyleIdx="2" presStyleCnt="6">
+        <dgm:presLayoutVars>
+          <dgm:chMax val="0"/>
+          <dgm:chPref val="0"/>
+        </dgm:presLayoutVars>
+      </dgm:prSet>
+      <dgm:spPr/>
+    </dgm:pt>
+    <dgm:pt modelId="{84EE8BF5-FF1B-40E7-BCB1-9F739AD603EF}" type="pres">
+      <dgm:prSet presAssocID="{98105D37-96DD-464B-9F7C-B3ED604D3F92}" presName="desTx" presStyleLbl="revTx" presStyleIdx="3" presStyleCnt="6">
+        <dgm:presLayoutVars/>
+      </dgm:prSet>
+      <dgm:spPr/>
+    </dgm:pt>
+    <dgm:pt modelId="{77E64420-9F1E-4D53-8BAC-09F2263F1013}" type="pres">
+      <dgm:prSet presAssocID="{E08AC0E6-6694-4534-82E4-26604A5E8824}" presName="sibTrans" presStyleCnt="0"/>
+      <dgm:spPr/>
+    </dgm:pt>
+    <dgm:pt modelId="{78B5C4F8-B8F1-4BCF-AA0C-424EAF8BC5D6}" type="pres">
+      <dgm:prSet presAssocID="{E6182006-8C8D-4ED6-8000-1B26B14934E6}" presName="compNode" presStyleCnt="0"/>
+      <dgm:spPr/>
+    </dgm:pt>
+    <dgm:pt modelId="{0CA25F3D-C8DE-4C5D-B4A5-A09D081B985F}" type="pres">
+      <dgm:prSet presAssocID="{E6182006-8C8D-4ED6-8000-1B26B14934E6}" presName="bgRect" presStyleLbl="bgShp" presStyleIdx="2" presStyleCnt="3"/>
+      <dgm:spPr/>
+    </dgm:pt>
+    <dgm:pt modelId="{E28E28DB-7374-459A-BB3C-D994C7C1ECA9}" type="pres">
+      <dgm:prSet presAssocID="{E6182006-8C8D-4ED6-8000-1B26B14934E6}" presName="iconRect" presStyleLbl="node1" presStyleIdx="2" presStyleCnt="3"/>
+      <dgm:spPr>
+        <a:blipFill>
+          <a:blip xmlns:r="http://schemas.openxmlformats.org/officeDocument/2006/relationships" r:embed="rId5">
+            <a:extLst>
+              <a:ext uri="{96DAC541-7B7A-43D3-8B79-37D633B846F1}">
+                <asvg:svgBlip xmlns:asvg="http://schemas.microsoft.com/office/drawing/2016/SVG/main" r:embed="rId6"/>
+              </a:ext>
+            </a:extLst>
+          </a:blip>
+          <a:stretch>
+            <a:fillRect/>
+          </a:stretch>
+        </a:blipFill>
+        <a:ln>
+          <a:noFill/>
+        </a:ln>
+      </dgm:spPr>
+      <dgm:extLst>
+        <a:ext uri="{E40237B7-FDA0-4F09-8148-C483321AD2D9}">
+          <dgm14:cNvPr xmlns:dgm14="http://schemas.microsoft.com/office/drawing/2010/diagram" id="0" name="" descr="Scena di bridge"/>
+        </a:ext>
+      </dgm:extLst>
+    </dgm:pt>
+    <dgm:pt modelId="{228D93FB-2C7C-429D-AB05-1A0B4675D992}" type="pres">
+      <dgm:prSet presAssocID="{E6182006-8C8D-4ED6-8000-1B26B14934E6}" presName="spaceRect" presStyleCnt="0"/>
+      <dgm:spPr/>
+    </dgm:pt>
+    <dgm:pt modelId="{AE2FAE76-6075-40E5-853A-73F94E490CA0}" type="pres">
+      <dgm:prSet presAssocID="{E6182006-8C8D-4ED6-8000-1B26B14934E6}" presName="parTx" presStyleLbl="revTx" presStyleIdx="4" presStyleCnt="6">
+        <dgm:presLayoutVars>
+          <dgm:chMax val="0"/>
+          <dgm:chPref val="0"/>
+        </dgm:presLayoutVars>
+      </dgm:prSet>
+      <dgm:spPr/>
+    </dgm:pt>
+    <dgm:pt modelId="{8848BED9-CA49-43C5-A381-EBB4DCE50D5D}" type="pres">
+      <dgm:prSet presAssocID="{E6182006-8C8D-4ED6-8000-1B26B14934E6}" presName="desTx" presStyleLbl="revTx" presStyleIdx="5" presStyleCnt="6">
+        <dgm:presLayoutVars/>
+      </dgm:prSet>
+      <dgm:spPr/>
+    </dgm:pt>
+  </dgm:ptLst>
+  <dgm:cxnLst>
+    <dgm:cxn modelId="{45569A26-9429-4F91-B912-A4F5A2DF628D}" type="presOf" srcId="{80AD212C-D6C5-4F06-BD24-F601465622B8}" destId="{97A572AE-5BAA-4CED-B26A-05AF3558E801}" srcOrd="0" destOrd="0" presId="urn:microsoft.com/office/officeart/2018/2/layout/IconVerticalSolidList"/>
+    <dgm:cxn modelId="{B9193037-9E5D-4656-96AB-03AE837D76DA}" srcId="{AEA554C7-3D23-497F-9EEB-65F23FBDF941}" destId="{FB406D10-5E9C-4676-B5E8-561EA9F237F0}" srcOrd="0" destOrd="0" parTransId="{18BC9540-D3B1-4081-A8E3-325B5B3C2D59}" sibTransId="{85A3D94A-0808-4E68-B589-4E6AEC8259F9}"/>
+    <dgm:cxn modelId="{2ECE1E3A-8FB1-4851-93CE-17FA0D8E0D9B}" type="presOf" srcId="{7A9B1525-071F-4DCB-B7D1-1FEC07B1EC44}" destId="{84EE8BF5-FF1B-40E7-BCB1-9F739AD603EF}" srcOrd="0" destOrd="0" presId="urn:microsoft.com/office/officeart/2018/2/layout/IconVerticalSolidList"/>
+    <dgm:cxn modelId="{93F2265F-2519-4BF9-AF56-EE3053053051}" type="presOf" srcId="{12EBD643-748B-46C5-9A50-B1EDBA455E96}" destId="{8848BED9-CA49-43C5-A381-EBB4DCE50D5D}" srcOrd="0" destOrd="0" presId="urn:microsoft.com/office/officeart/2018/2/layout/IconVerticalSolidList"/>
+    <dgm:cxn modelId="{523DCF4C-BFBF-480F-AC13-0D828BE17C8D}" type="presOf" srcId="{E6182006-8C8D-4ED6-8000-1B26B14934E6}" destId="{AE2FAE76-6075-40E5-853A-73F94E490CA0}" srcOrd="0" destOrd="0" presId="urn:microsoft.com/office/officeart/2018/2/layout/IconVerticalSolidList"/>
+    <dgm:cxn modelId="{79A0486F-0D0A-4049-AC55-507F5E2E12DA}" type="presOf" srcId="{FB406D10-5E9C-4676-B5E8-561EA9F237F0}" destId="{267946E3-DBB4-4CBA-BBB0-52098AE28BA9}" srcOrd="0" destOrd="0" presId="urn:microsoft.com/office/officeart/2018/2/layout/IconVerticalSolidList"/>
+    <dgm:cxn modelId="{EE561872-A403-4D93-9A89-7A33AFDDF336}" srcId="{E6182006-8C8D-4ED6-8000-1B26B14934E6}" destId="{12EBD643-748B-46C5-9A50-B1EDBA455E96}" srcOrd="0" destOrd="0" parTransId="{4BD48EE7-D4CE-46AC-B1EC-EB60C201523D}" sibTransId="{897C49A5-2A72-4DFB-950A-F1DE6BE93F59}"/>
+    <dgm:cxn modelId="{CE351D7C-A5F2-4E5D-B206-0E830ED9712A}" srcId="{80AD212C-D6C5-4F06-BD24-F601465622B8}" destId="{98105D37-96DD-464B-9F7C-B3ED604D3F92}" srcOrd="1" destOrd="0" parTransId="{2546610D-4643-4EB5-97AF-09330D75F0FB}" sibTransId="{E08AC0E6-6694-4534-82E4-26604A5E8824}"/>
+    <dgm:cxn modelId="{2B047284-3B53-43BB-A99B-950F9E7814B9}" type="presOf" srcId="{AEA554C7-3D23-497F-9EEB-65F23FBDF941}" destId="{60CDDA02-AC70-492D-BAF8-1FC2459720A0}" srcOrd="0" destOrd="0" presId="urn:microsoft.com/office/officeart/2018/2/layout/IconVerticalSolidList"/>
+    <dgm:cxn modelId="{C69FD59B-4D6B-45E5-B357-372B5D782D32}" srcId="{98105D37-96DD-464B-9F7C-B3ED604D3F92}" destId="{7A9B1525-071F-4DCB-B7D1-1FEC07B1EC44}" srcOrd="0" destOrd="0" parTransId="{8132633D-B4CE-45B6-AEE6-3132C9C153A9}" sibTransId="{26427686-BD47-4CC7-B8B7-986A7C1C9BA2}"/>
+    <dgm:cxn modelId="{AA8D67A0-AC4D-4E46-8107-6DD9F70E4D17}" srcId="{80AD212C-D6C5-4F06-BD24-F601465622B8}" destId="{AEA554C7-3D23-497F-9EEB-65F23FBDF941}" srcOrd="0" destOrd="0" parTransId="{D45ACD14-5A1E-44F7-8E3D-DDC28E87BA73}" sibTransId="{C0AF8D38-342A-4340-A945-DBB7B2B4BE2A}"/>
+    <dgm:cxn modelId="{CA2908CE-D653-451D-B0F2-27DD777E576A}" srcId="{80AD212C-D6C5-4F06-BD24-F601465622B8}" destId="{E6182006-8C8D-4ED6-8000-1B26B14934E6}" srcOrd="2" destOrd="0" parTransId="{1B7206BB-0793-4DC2-90B6-40982160EA46}" sibTransId="{388FB8DC-733C-4777-B610-88A978FFB54D}"/>
+    <dgm:cxn modelId="{A05817E3-3074-4672-8ACC-C80880ACB147}" type="presOf" srcId="{98105D37-96DD-464B-9F7C-B3ED604D3F92}" destId="{27DEFFF9-9AEB-461E-93AD-DB69FCCF11E0}" srcOrd="0" destOrd="0" presId="urn:microsoft.com/office/officeart/2018/2/layout/IconVerticalSolidList"/>
+    <dgm:cxn modelId="{7EEFAA2D-7779-472A-8B01-0F2982AE418F}" type="presParOf" srcId="{97A572AE-5BAA-4CED-B26A-05AF3558E801}" destId="{8FE27E9D-0A65-4416-A69C-A9E0F8E76249}" srcOrd="0" destOrd="0" presId="urn:microsoft.com/office/officeart/2018/2/layout/IconVerticalSolidList"/>
+    <dgm:cxn modelId="{B81F94F4-0A1D-4703-8023-B89D10CC51D3}" type="presParOf" srcId="{8FE27E9D-0A65-4416-A69C-A9E0F8E76249}" destId="{BA271F81-A93D-4EC5-B5D4-639210F95209}" srcOrd="0" destOrd="0" presId="urn:microsoft.com/office/officeart/2018/2/layout/IconVerticalSolidList"/>
+    <dgm:cxn modelId="{5EA0B580-1B75-4CF1-8DFB-DF9EBFC9A97D}" type="presParOf" srcId="{8FE27E9D-0A65-4416-A69C-A9E0F8E76249}" destId="{8A27BC79-1866-4E78-9D62-3DC686E92E2E}" srcOrd="1" destOrd="0" presId="urn:microsoft.com/office/officeart/2018/2/layout/IconVerticalSolidList"/>
+    <dgm:cxn modelId="{27DDEF02-6949-47DA-AFBF-C335B7AA83AE}" type="presParOf" srcId="{8FE27E9D-0A65-4416-A69C-A9E0F8E76249}" destId="{177FDBB8-8C0D-43EB-BA11-00A24273C00C}" srcOrd="2" destOrd="0" presId="urn:microsoft.com/office/officeart/2018/2/layout/IconVerticalSolidList"/>
+    <dgm:cxn modelId="{28535B36-A798-446F-8A6D-024198D6A789}" type="presParOf" srcId="{8FE27E9D-0A65-4416-A69C-A9E0F8E76249}" destId="{60CDDA02-AC70-492D-BAF8-1FC2459720A0}" srcOrd="3" destOrd="0" presId="urn:microsoft.com/office/officeart/2018/2/layout/IconVerticalSolidList"/>
+    <dgm:cxn modelId="{20EFDB78-99D7-4681-BE06-1BDF71B7E801}" type="presParOf" srcId="{8FE27E9D-0A65-4416-A69C-A9E0F8E76249}" destId="{267946E3-DBB4-4CBA-BBB0-52098AE28BA9}" srcOrd="4" destOrd="0" presId="urn:microsoft.com/office/officeart/2018/2/layout/IconVerticalSolidList"/>
+    <dgm:cxn modelId="{D4AAEBC9-7054-4129-9363-FADD6BA8899A}" type="presParOf" srcId="{97A572AE-5BAA-4CED-B26A-05AF3558E801}" destId="{ADA1F0DE-AE43-45F1-9BFF-BE8464BA9346}" srcOrd="1" destOrd="0" presId="urn:microsoft.com/office/officeart/2018/2/layout/IconVerticalSolidList"/>
+    <dgm:cxn modelId="{314EB6F0-2465-4E73-9A65-2553F8A7CECA}" type="presParOf" srcId="{97A572AE-5BAA-4CED-B26A-05AF3558E801}" destId="{C5CCF2DF-D2EE-48A6-AC82-068B22862DA5}" srcOrd="2" destOrd="0" presId="urn:microsoft.com/office/officeart/2018/2/layout/IconVerticalSolidList"/>
+    <dgm:cxn modelId="{B968B85B-36BF-41F4-8C46-2B9001DC3202}" type="presParOf" srcId="{C5CCF2DF-D2EE-48A6-AC82-068B22862DA5}" destId="{05967E43-118D-4EE4-BF68-7536307B0D32}" srcOrd="0" destOrd="0" presId="urn:microsoft.com/office/officeart/2018/2/layout/IconVerticalSolidList"/>
+    <dgm:cxn modelId="{B8406DAF-4A20-475E-A4C6-91920FF620B6}" type="presParOf" srcId="{C5CCF2DF-D2EE-48A6-AC82-068B22862DA5}" destId="{08CE21B9-A7EE-4B64-BCCA-8755C23579DD}" srcOrd="1" destOrd="0" presId="urn:microsoft.com/office/officeart/2018/2/layout/IconVerticalSolidList"/>
+    <dgm:cxn modelId="{3371CA12-E96A-4ACE-BEBA-C07D218D9BDE}" type="presParOf" srcId="{C5CCF2DF-D2EE-48A6-AC82-068B22862DA5}" destId="{506EB7B0-7941-4C02-AD72-93C36F2E2BDA}" srcOrd="2" destOrd="0" presId="urn:microsoft.com/office/officeart/2018/2/layout/IconVerticalSolidList"/>
+    <dgm:cxn modelId="{0D6D52BE-2FF5-46CE-99E8-42AA73D8980C}" type="presParOf" srcId="{C5CCF2DF-D2EE-48A6-AC82-068B22862DA5}" destId="{27DEFFF9-9AEB-461E-93AD-DB69FCCF11E0}" srcOrd="3" destOrd="0" presId="urn:microsoft.com/office/officeart/2018/2/layout/IconVerticalSolidList"/>
+    <dgm:cxn modelId="{DCE50E4F-F2F8-451C-AC31-27B64091D388}" type="presParOf" srcId="{C5CCF2DF-D2EE-48A6-AC82-068B22862DA5}" destId="{84EE8BF5-FF1B-40E7-BCB1-9F739AD603EF}" srcOrd="4" destOrd="0" presId="urn:microsoft.com/office/officeart/2018/2/layout/IconVerticalSolidList"/>
+    <dgm:cxn modelId="{56B0B13C-9EFE-4163-A6F7-D5461C506750}" type="presParOf" srcId="{97A572AE-5BAA-4CED-B26A-05AF3558E801}" destId="{77E64420-9F1E-4D53-8BAC-09F2263F1013}" srcOrd="3" destOrd="0" presId="urn:microsoft.com/office/officeart/2018/2/layout/IconVerticalSolidList"/>
+    <dgm:cxn modelId="{20FB88D7-FDAD-4B92-9641-B92EC4155441}" type="presParOf" srcId="{97A572AE-5BAA-4CED-B26A-05AF3558E801}" destId="{78B5C4F8-B8F1-4BCF-AA0C-424EAF8BC5D6}" srcOrd="4" destOrd="0" presId="urn:microsoft.com/office/officeart/2018/2/layout/IconVerticalSolidList"/>
+    <dgm:cxn modelId="{59921E17-F8B7-412A-A9F9-D66A4A7BAD12}" type="presParOf" srcId="{78B5C4F8-B8F1-4BCF-AA0C-424EAF8BC5D6}" destId="{0CA25F3D-C8DE-4C5D-B4A5-A09D081B985F}" srcOrd="0" destOrd="0" presId="urn:microsoft.com/office/officeart/2018/2/layout/IconVerticalSolidList"/>
+    <dgm:cxn modelId="{CA6277AC-BE8C-4609-8EEF-B44DB8316EEC}" type="presParOf" srcId="{78B5C4F8-B8F1-4BCF-AA0C-424EAF8BC5D6}" destId="{E28E28DB-7374-459A-BB3C-D994C7C1ECA9}" srcOrd="1" destOrd="0" presId="urn:microsoft.com/office/officeart/2018/2/layout/IconVerticalSolidList"/>
+    <dgm:cxn modelId="{5ADEFED2-7698-43E1-8E20-95C93C9925E2}" type="presParOf" srcId="{78B5C4F8-B8F1-4BCF-AA0C-424EAF8BC5D6}" destId="{228D93FB-2C7C-429D-AB05-1A0B4675D992}" srcOrd="2" destOrd="0" presId="urn:microsoft.com/office/officeart/2018/2/layout/IconVerticalSolidList"/>
+    <dgm:cxn modelId="{6D5A44F4-17FD-4F9A-BA23-E693095CA649}" type="presParOf" srcId="{78B5C4F8-B8F1-4BCF-AA0C-424EAF8BC5D6}" destId="{AE2FAE76-6075-40E5-853A-73F94E490CA0}" srcOrd="3" destOrd="0" presId="urn:microsoft.com/office/officeart/2018/2/layout/IconVerticalSolidList"/>
+    <dgm:cxn modelId="{58A99651-819D-45FE-BD6D-7C617BE5A20D}" type="presParOf" srcId="{78B5C4F8-B8F1-4BCF-AA0C-424EAF8BC5D6}" destId="{8848BED9-CA49-43C5-A381-EBB4DCE50D5D}" srcOrd="4" destOrd="0" presId="urn:microsoft.com/office/officeart/2018/2/layout/IconVerticalSolidList"/>
+  </dgm:cxnLst>
+  <dgm:bg/>
+  <dgm:whole/>
+  <dgm:extLst>
+    <a:ext uri="http://schemas.microsoft.com/office/drawing/2008/diagram">
+      <dsp:dataModelExt xmlns:dsp="http://schemas.microsoft.com/office/drawing/2008/diagram" relId="rId7" minVer="http://schemas.openxmlformats.org/drawingml/2006/diagram"/>
+    </a:ext>
+  </dgm:extLst>
+</dgm:dataModel>
+</file>
+
 <file path=ppt/diagrams/drawing1.xml><?xml version="1.0" encoding="utf-8"?>
 <dsp:drawing xmlns:dgm="http://schemas.openxmlformats.org/drawingml/2006/diagram" xmlns:dsp="http://schemas.microsoft.com/office/drawing/2008/diagram" xmlns:a="http://schemas.openxmlformats.org/drawingml/2006/main">
   <dsp:spTree>
@@ -4883,10 +6362,10 @@
             <a:buNone/>
           </a:pPr>
           <a:r>
-            <a:rPr lang="it-IT" sz="2500" kern="1200"/>
+            <a:rPr lang="it-IT" sz="2500" kern="1200" dirty="0" err="1"/>
             <a:t>Scalability</a:t>
           </a:r>
-          <a:endParaRPr lang="en-US" sz="2500" kern="1200"/>
+          <a:endParaRPr lang="en-US" sz="2500" kern="1200" dirty="0" err="1"/>
         </a:p>
       </dsp:txBody>
       <dsp:txXfrm>
@@ -4944,10 +6423,38 @@
             <a:buNone/>
           </a:pPr>
           <a:r>
-            <a:rPr lang="it-IT" sz="1100" kern="1200"/>
-            <a:t>The architecture can be scale up adding new istances of modules</a:t>
+            <a:rPr lang="it-IT" sz="1100" kern="1200" dirty="0"/>
+            <a:t>The </a:t>
           </a:r>
-          <a:endParaRPr lang="en-US" sz="1100" kern="1200"/>
+          <a:r>
+            <a:rPr lang="it-IT" sz="1100" kern="1200" dirty="0" err="1"/>
+            <a:t>architecture</a:t>
+          </a:r>
+          <a:r>
+            <a:rPr lang="it-IT" sz="1100" kern="1200" dirty="0"/>
+            <a:t> can be scale up </a:t>
+          </a:r>
+          <a:r>
+            <a:rPr lang="it-IT" sz="1100" kern="1200" dirty="0" err="1"/>
+            <a:t>adding</a:t>
+          </a:r>
+          <a:r>
+            <a:rPr lang="it-IT" sz="1100" kern="1200" dirty="0"/>
+            <a:t> new </a:t>
+          </a:r>
+          <a:r>
+            <a:rPr lang="it-IT" sz="1100" kern="1200" dirty="0" err="1"/>
+            <a:t>istances</a:t>
+          </a:r>
+          <a:r>
+            <a:rPr lang="it-IT" sz="1100" kern="1200" dirty="0"/>
+            <a:t> of </a:t>
+          </a:r>
+          <a:r>
+            <a:rPr lang="it-IT" sz="1100" kern="1200" dirty="0" err="1"/>
+            <a:t>modules</a:t>
+          </a:r>
+          <a:endParaRPr lang="en-US" sz="1100" kern="1200" dirty="0" err="1"/>
         </a:p>
       </dsp:txBody>
       <dsp:txXfrm>
@@ -5096,10 +6603,10 @@
             <a:buNone/>
           </a:pPr>
           <a:r>
-            <a:rPr lang="it-IT" sz="2500" kern="1200"/>
+            <a:rPr lang="it-IT" sz="2500" kern="1200" dirty="0" err="1"/>
             <a:t>Modularity</a:t>
           </a:r>
-          <a:endParaRPr lang="en-US" sz="2500" kern="1200"/>
+          <a:endParaRPr lang="en-US" sz="2500" kern="1200" dirty="0" err="1"/>
         </a:p>
       </dsp:txBody>
       <dsp:txXfrm>
@@ -5157,10 +6664,74 @@
             <a:buNone/>
           </a:pPr>
           <a:r>
-            <a:rPr lang="it-IT" sz="1100" kern="1200"/>
-            <a:t>The architecture is split into modules that interact with each,remaining independent. </a:t>
+            <a:rPr lang="it-IT" sz="1100" kern="1200" dirty="0"/>
+            <a:t>The </a:t>
           </a:r>
-          <a:endParaRPr lang="en-US" sz="1100" kern="1200"/>
+          <a:r>
+            <a:rPr lang="it-IT" sz="1100" kern="1200" dirty="0" err="1"/>
+            <a:t>architecture</a:t>
+          </a:r>
+          <a:r>
+            <a:rPr lang="it-IT" sz="1100" kern="1200" dirty="0"/>
+            <a:t> </a:t>
+          </a:r>
+          <a:r>
+            <a:rPr lang="it-IT" sz="1100" kern="1200" dirty="0" err="1"/>
+            <a:t>is</a:t>
+          </a:r>
+          <a:r>
+            <a:rPr lang="it-IT" sz="1100" kern="1200" dirty="0"/>
+            <a:t> split </a:t>
+          </a:r>
+          <a:r>
+            <a:rPr lang="it-IT" sz="1100" kern="1200" dirty="0" err="1"/>
+            <a:t>into</a:t>
+          </a:r>
+          <a:r>
+            <a:rPr lang="it-IT" sz="1100" kern="1200" dirty="0"/>
+            <a:t> </a:t>
+          </a:r>
+          <a:r>
+            <a:rPr lang="it-IT" sz="1100" kern="1200" dirty="0" err="1"/>
+            <a:t>modules</a:t>
+          </a:r>
+          <a:r>
+            <a:rPr lang="it-IT" sz="1100" kern="1200" dirty="0"/>
+            <a:t> </a:t>
+          </a:r>
+          <a:r>
+            <a:rPr lang="it-IT" sz="1100" kern="1200" dirty="0" err="1"/>
+            <a:t>that</a:t>
+          </a:r>
+          <a:r>
+            <a:rPr lang="it-IT" sz="1100" kern="1200" dirty="0"/>
+            <a:t> </a:t>
+          </a:r>
+          <a:r>
+            <a:rPr lang="it-IT" sz="1100" kern="1200" dirty="0" err="1"/>
+            <a:t>interact</a:t>
+          </a:r>
+          <a:r>
+            <a:rPr lang="it-IT" sz="1100" kern="1200" dirty="0"/>
+            <a:t> with </a:t>
+          </a:r>
+          <a:r>
+            <a:rPr lang="it-IT" sz="1100" kern="1200" dirty="0" err="1"/>
+            <a:t>each,remaining</a:t>
+          </a:r>
+          <a:r>
+            <a:rPr lang="it-IT" sz="1100" kern="1200" dirty="0"/>
+            <a:t> </a:t>
+          </a:r>
+          <a:r>
+            <a:rPr lang="it-IT" sz="1100" kern="1200" dirty="0" err="1"/>
+            <a:t>independent</a:t>
+          </a:r>
+          <a:r>
+            <a:rPr lang="it-IT" sz="1100" kern="1200" dirty="0"/>
+            <a:t>. </a:t>
+          </a:r>
+          <a:endParaRPr lang="en-US" sz="1100" kern="1200" dirty="0"/>
         </a:p>
       </dsp:txBody>
       <dsp:txXfrm>
@@ -5309,10 +6880,10 @@
             <a:buNone/>
           </a:pPr>
           <a:r>
-            <a:rPr lang="it-IT" sz="2500" kern="1200"/>
+            <a:rPr lang="it-IT" sz="2500" kern="1200" dirty="0" err="1"/>
             <a:t>Resilience</a:t>
           </a:r>
-          <a:endParaRPr lang="en-US" sz="2500" kern="1200"/>
+          <a:endParaRPr lang="en-US" sz="2500" kern="1200" dirty="0" err="1"/>
         </a:p>
       </dsp:txBody>
       <dsp:txXfrm>
@@ -5370,10 +6941,34 @@
             <a:buNone/>
           </a:pPr>
           <a:r>
-            <a:rPr lang="it-IT" sz="1100" kern="1200"/>
-            <a:t>Most of functionality are guaranteed in case of problems</a:t>
+            <a:rPr lang="it-IT" sz="1100" kern="1200" dirty="0" err="1"/>
+            <a:t>Most</a:t>
           </a:r>
-          <a:endParaRPr lang="en-US" sz="1100" kern="1200"/>
+          <a:r>
+            <a:rPr lang="it-IT" sz="1100" kern="1200" dirty="0"/>
+            <a:t> of </a:t>
+          </a:r>
+          <a:r>
+            <a:rPr lang="it-IT" sz="1100" kern="1200" dirty="0" err="1"/>
+            <a:t>functionality</a:t>
+          </a:r>
+          <a:r>
+            <a:rPr lang="it-IT" sz="1100" kern="1200" dirty="0"/>
+            <a:t> are </a:t>
+          </a:r>
+          <a:r>
+            <a:rPr lang="it-IT" sz="1100" kern="1200" dirty="0" err="1"/>
+            <a:t>guaranteed</a:t>
+          </a:r>
+          <a:r>
+            <a:rPr lang="it-IT" sz="1100" kern="1200" dirty="0"/>
+            <a:t> in case of </a:t>
+          </a:r>
+          <a:r>
+            <a:rPr lang="it-IT" sz="1100" kern="1200" dirty="0" err="1"/>
+            <a:t>problems</a:t>
+          </a:r>
+          <a:endParaRPr lang="en-US" sz="1100" kern="1200" dirty="0" err="1"/>
         </a:p>
       </dsp:txBody>
       <dsp:txXfrm>
@@ -7117,6 +8712,775 @@
 </dsp:drawing>
 </file>
 
+<file path=ppt/diagrams/drawing4.xml><?xml version="1.0" encoding="utf-8"?>
+<dsp:drawing xmlns:dgm="http://schemas.openxmlformats.org/drawingml/2006/diagram" xmlns:dsp="http://schemas.microsoft.com/office/drawing/2008/diagram" xmlns:a="http://schemas.openxmlformats.org/drawingml/2006/main">
+  <dsp:spTree>
+    <dsp:nvGrpSpPr>
+      <dsp:cNvPr id="0" name=""/>
+      <dsp:cNvGrpSpPr/>
+    </dsp:nvGrpSpPr>
+    <dsp:grpSpPr/>
+    <dsp:sp modelId="{BA271F81-A93D-4EC5-B5D4-639210F95209}">
+      <dsp:nvSpPr>
+        <dsp:cNvPr id="0" name=""/>
+        <dsp:cNvSpPr/>
+      </dsp:nvSpPr>
+      <dsp:spPr>
+        <a:xfrm>
+          <a:off x="0" y="2634"/>
+          <a:ext cx="5590792" cy="1232149"/>
+        </a:xfrm>
+        <a:prstGeom prst="roundRect">
+          <a:avLst>
+            <a:gd name="adj" fmla="val 10000"/>
+          </a:avLst>
+        </a:prstGeom>
+        <a:solidFill>
+          <a:schemeClr val="bg1">
+            <a:lumMod val="95000"/>
+            <a:hueOff val="0"/>
+            <a:satOff val="0"/>
+            <a:lumOff val="0"/>
+            <a:alphaOff val="0"/>
+          </a:schemeClr>
+        </a:solidFill>
+        <a:ln>
+          <a:noFill/>
+        </a:ln>
+        <a:effectLst/>
+      </dsp:spPr>
+      <dsp:style>
+        <a:lnRef idx="0">
+          <a:scrgbClr r="0" g="0" b="0"/>
+        </a:lnRef>
+        <a:fillRef idx="1">
+          <a:scrgbClr r="0" g="0" b="0"/>
+        </a:fillRef>
+        <a:effectRef idx="0">
+          <a:scrgbClr r="0" g="0" b="0"/>
+        </a:effectRef>
+        <a:fontRef idx="minor"/>
+      </dsp:style>
+    </dsp:sp>
+    <dsp:sp modelId="{8A27BC79-1866-4E78-9D62-3DC686E92E2E}">
+      <dsp:nvSpPr>
+        <dsp:cNvPr id="0" name=""/>
+        <dsp:cNvSpPr/>
+      </dsp:nvSpPr>
+      <dsp:spPr>
+        <a:xfrm>
+          <a:off x="372725" y="279868"/>
+          <a:ext cx="677682" cy="677682"/>
+        </a:xfrm>
+        <a:prstGeom prst="rect">
+          <a:avLst/>
+        </a:prstGeom>
+        <a:blipFill>
+          <a:blip xmlns:r="http://schemas.openxmlformats.org/officeDocument/2006/relationships" r:embed="rId1">
+            <a:extLst>
+              <a:ext uri="{96DAC541-7B7A-43D3-8B79-37D633B846F1}">
+                <asvg:svgBlip xmlns:asvg="http://schemas.microsoft.com/office/drawing/2016/SVG/main" r:embed="rId2"/>
+              </a:ext>
+            </a:extLst>
+          </a:blip>
+          <a:stretch>
+            <a:fillRect/>
+          </a:stretch>
+        </a:blipFill>
+        <a:ln w="19050" cap="rnd" cmpd="sng" algn="ctr">
+          <a:noFill/>
+          <a:prstDash val="solid"/>
+        </a:ln>
+        <a:effectLst/>
+      </dsp:spPr>
+      <dsp:style>
+        <a:lnRef idx="2">
+          <a:scrgbClr r="0" g="0" b="0"/>
+        </a:lnRef>
+        <a:fillRef idx="1">
+          <a:scrgbClr r="0" g="0" b="0"/>
+        </a:fillRef>
+        <a:effectRef idx="0">
+          <a:scrgbClr r="0" g="0" b="0"/>
+        </a:effectRef>
+        <a:fontRef idx="minor">
+          <a:schemeClr val="lt1"/>
+        </a:fontRef>
+      </dsp:style>
+    </dsp:sp>
+    <dsp:sp modelId="{60CDDA02-AC70-492D-BAF8-1FC2459720A0}">
+      <dsp:nvSpPr>
+        <dsp:cNvPr id="0" name=""/>
+        <dsp:cNvSpPr/>
+      </dsp:nvSpPr>
+      <dsp:spPr>
+        <a:xfrm>
+          <a:off x="1423132" y="2634"/>
+          <a:ext cx="2515856" cy="1232149"/>
+        </a:xfrm>
+        <a:prstGeom prst="rect">
+          <a:avLst/>
+        </a:prstGeom>
+        <a:noFill/>
+        <a:ln>
+          <a:noFill/>
+        </a:ln>
+        <a:effectLst/>
+      </dsp:spPr>
+      <dsp:style>
+        <a:lnRef idx="0">
+          <a:scrgbClr r="0" g="0" b="0"/>
+        </a:lnRef>
+        <a:fillRef idx="0">
+          <a:scrgbClr r="0" g="0" b="0"/>
+        </a:fillRef>
+        <a:effectRef idx="0">
+          <a:scrgbClr r="0" g="0" b="0"/>
+        </a:effectRef>
+        <a:fontRef idx="minor"/>
+      </dsp:style>
+      <dsp:txBody>
+        <a:bodyPr spcFirstLastPara="0" vert="horz" wrap="square" lIns="130402" tIns="130402" rIns="130402" bIns="130402" numCol="1" spcCol="1270" anchor="ctr" anchorCtr="0">
+          <a:noAutofit/>
+        </a:bodyPr>
+        <a:lstStyle/>
+        <a:p>
+          <a:pPr marL="0" lvl="0" indent="0" algn="l" defTabSz="1111250">
+            <a:lnSpc>
+              <a:spcPct val="100000"/>
+            </a:lnSpc>
+            <a:spcBef>
+              <a:spcPct val="0"/>
+            </a:spcBef>
+            <a:spcAft>
+              <a:spcPct val="35000"/>
+            </a:spcAft>
+            <a:buNone/>
+          </a:pPr>
+          <a:r>
+            <a:rPr lang="it-IT" sz="2500" kern="1200" dirty="0">
+              <a:latin typeface="Century Gothic" panose="020B0502020202020204"/>
+            </a:rPr>
+            <a:t>News</a:t>
+          </a:r>
+          <a:r>
+            <a:rPr lang="it-IT" sz="2500" b="0" i="0" u="none" strike="noStrike" kern="1200" cap="none" baseline="0" noProof="0" dirty="0">
+              <a:latin typeface="Century Gothic"/>
+            </a:rPr>
+            <a:t> Multiplexer</a:t>
+          </a:r>
+          <a:endParaRPr lang="it-IT" sz="2500" kern="1200" dirty="0"/>
+        </a:p>
+      </dsp:txBody>
+      <dsp:txXfrm>
+        <a:off x="1423132" y="2634"/>
+        <a:ext cx="2515856" cy="1232149"/>
+      </dsp:txXfrm>
+    </dsp:sp>
+    <dsp:sp modelId="{267946E3-DBB4-4CBA-BBB0-52098AE28BA9}">
+      <dsp:nvSpPr>
+        <dsp:cNvPr id="0" name=""/>
+        <dsp:cNvSpPr/>
+      </dsp:nvSpPr>
+      <dsp:spPr>
+        <a:xfrm>
+          <a:off x="3938989" y="2634"/>
+          <a:ext cx="1650411" cy="1232149"/>
+        </a:xfrm>
+        <a:prstGeom prst="rect">
+          <a:avLst/>
+        </a:prstGeom>
+        <a:noFill/>
+        <a:ln>
+          <a:noFill/>
+        </a:ln>
+        <a:effectLst/>
+      </dsp:spPr>
+      <dsp:style>
+        <a:lnRef idx="0">
+          <a:scrgbClr r="0" g="0" b="0"/>
+        </a:lnRef>
+        <a:fillRef idx="0">
+          <a:scrgbClr r="0" g="0" b="0"/>
+        </a:fillRef>
+        <a:effectRef idx="0">
+          <a:scrgbClr r="0" g="0" b="0"/>
+        </a:effectRef>
+        <a:fontRef idx="minor"/>
+      </dsp:style>
+      <dsp:txBody>
+        <a:bodyPr spcFirstLastPara="0" vert="horz" wrap="square" lIns="130402" tIns="130402" rIns="130402" bIns="130402" numCol="1" spcCol="1270" anchor="ctr" anchorCtr="0">
+          <a:noAutofit/>
+        </a:bodyPr>
+        <a:lstStyle/>
+        <a:p>
+          <a:pPr marL="0" lvl="0" indent="0" algn="l" defTabSz="488950">
+            <a:lnSpc>
+              <a:spcPct val="100000"/>
+            </a:lnSpc>
+            <a:spcBef>
+              <a:spcPct val="0"/>
+            </a:spcBef>
+            <a:spcAft>
+              <a:spcPct val="35000"/>
+            </a:spcAft>
+            <a:buNone/>
+          </a:pPr>
+          <a:r>
+            <a:rPr lang="it-IT" sz="1100" kern="1200" dirty="0" err="1"/>
+            <a:t>According</a:t>
+          </a:r>
+          <a:r>
+            <a:rPr lang="it-IT" sz="1100" kern="1200" dirty="0"/>
+            <a:t> to </a:t>
+          </a:r>
+          <a:r>
+            <a:rPr lang="it-IT" sz="1100" kern="1200" dirty="0" err="1"/>
+            <a:t>topic</a:t>
+          </a:r>
+          <a:r>
+            <a:rPr lang="it-IT" sz="1100" kern="1200" dirty="0"/>
+            <a:t> or </a:t>
+          </a:r>
+          <a:r>
+            <a:rPr lang="it-IT" sz="1100" kern="1200" dirty="0" err="1"/>
+            <a:t>category</a:t>
+          </a:r>
+          <a:r>
+            <a:rPr lang="it-IT" sz="1100" kern="1200" dirty="0"/>
+            <a:t> and </a:t>
+          </a:r>
+          <a:r>
+            <a:rPr lang="it-IT" sz="1100" kern="1200" dirty="0" err="1"/>
+            <a:t>return</a:t>
+          </a:r>
+          <a:r>
+            <a:rPr lang="it-IT" sz="1100" kern="1200" dirty="0"/>
+            <a:t> </a:t>
+          </a:r>
+          <a:r>
+            <a:rPr lang="it-IT" sz="1100" kern="1200" dirty="0" err="1"/>
+            <a:t>them</a:t>
+          </a:r>
+          <a:r>
+            <a:rPr lang="it-IT" sz="1100" kern="1200" dirty="0"/>
+            <a:t> to a user </a:t>
+          </a:r>
+          <a:r>
+            <a:rPr lang="it-IT" sz="1100" kern="1200" dirty="0" err="1"/>
+            <a:t>interface</a:t>
+          </a:r>
+          <a:r>
+            <a:rPr lang="it-IT" sz="1100" kern="1200" dirty="0"/>
+            <a:t> </a:t>
+          </a:r>
+          <a:r>
+            <a:rPr lang="it-IT" sz="1100" kern="1200" dirty="0" err="1"/>
+            <a:t>microservice</a:t>
+          </a:r>
+          <a:r>
+            <a:rPr lang="it-IT" sz="1100" kern="1200" dirty="0"/>
+            <a:t>.</a:t>
+          </a:r>
+        </a:p>
+      </dsp:txBody>
+      <dsp:txXfrm>
+        <a:off x="3938989" y="2634"/>
+        <a:ext cx="1650411" cy="1232149"/>
+      </dsp:txXfrm>
+    </dsp:sp>
+    <dsp:sp modelId="{05967E43-118D-4EE4-BF68-7536307B0D32}">
+      <dsp:nvSpPr>
+        <dsp:cNvPr id="0" name=""/>
+        <dsp:cNvSpPr/>
+      </dsp:nvSpPr>
+      <dsp:spPr>
+        <a:xfrm>
+          <a:off x="0" y="1542821"/>
+          <a:ext cx="5590792" cy="1232149"/>
+        </a:xfrm>
+        <a:prstGeom prst="roundRect">
+          <a:avLst>
+            <a:gd name="adj" fmla="val 10000"/>
+          </a:avLst>
+        </a:prstGeom>
+        <a:solidFill>
+          <a:schemeClr val="bg1">
+            <a:lumMod val="95000"/>
+            <a:hueOff val="0"/>
+            <a:satOff val="0"/>
+            <a:lumOff val="0"/>
+            <a:alphaOff val="0"/>
+          </a:schemeClr>
+        </a:solidFill>
+        <a:ln>
+          <a:noFill/>
+        </a:ln>
+        <a:effectLst/>
+      </dsp:spPr>
+      <dsp:style>
+        <a:lnRef idx="0">
+          <a:scrgbClr r="0" g="0" b="0"/>
+        </a:lnRef>
+        <a:fillRef idx="1">
+          <a:scrgbClr r="0" g="0" b="0"/>
+        </a:fillRef>
+        <a:effectRef idx="0">
+          <a:scrgbClr r="0" g="0" b="0"/>
+        </a:effectRef>
+        <a:fontRef idx="minor"/>
+      </dsp:style>
+    </dsp:sp>
+    <dsp:sp modelId="{08CE21B9-A7EE-4B64-BCCA-8755C23579DD}">
+      <dsp:nvSpPr>
+        <dsp:cNvPr id="0" name=""/>
+        <dsp:cNvSpPr/>
+      </dsp:nvSpPr>
+      <dsp:spPr>
+        <a:xfrm>
+          <a:off x="372725" y="1820055"/>
+          <a:ext cx="677682" cy="677682"/>
+        </a:xfrm>
+        <a:prstGeom prst="rect">
+          <a:avLst/>
+        </a:prstGeom>
+        <a:blipFill>
+          <a:blip xmlns:r="http://schemas.openxmlformats.org/officeDocument/2006/relationships" r:embed="rId3">
+            <a:extLst>
+              <a:ext uri="{96DAC541-7B7A-43D3-8B79-37D633B846F1}">
+                <asvg:svgBlip xmlns:asvg="http://schemas.microsoft.com/office/drawing/2016/SVG/main" r:embed="rId4"/>
+              </a:ext>
+            </a:extLst>
+          </a:blip>
+          <a:stretch>
+            <a:fillRect/>
+          </a:stretch>
+        </a:blipFill>
+        <a:ln w="19050" cap="rnd" cmpd="sng" algn="ctr">
+          <a:noFill/>
+          <a:prstDash val="solid"/>
+        </a:ln>
+        <a:effectLst/>
+      </dsp:spPr>
+      <dsp:style>
+        <a:lnRef idx="2">
+          <a:scrgbClr r="0" g="0" b="0"/>
+        </a:lnRef>
+        <a:fillRef idx="1">
+          <a:scrgbClr r="0" g="0" b="0"/>
+        </a:fillRef>
+        <a:effectRef idx="0">
+          <a:scrgbClr r="0" g="0" b="0"/>
+        </a:effectRef>
+        <a:fontRef idx="minor">
+          <a:schemeClr val="lt1"/>
+        </a:fontRef>
+      </dsp:style>
+    </dsp:sp>
+    <dsp:sp modelId="{27DEFFF9-9AEB-461E-93AD-DB69FCCF11E0}">
+      <dsp:nvSpPr>
+        <dsp:cNvPr id="0" name=""/>
+        <dsp:cNvSpPr/>
+      </dsp:nvSpPr>
+      <dsp:spPr>
+        <a:xfrm>
+          <a:off x="1423132" y="1542821"/>
+          <a:ext cx="2515856" cy="1232149"/>
+        </a:xfrm>
+        <a:prstGeom prst="rect">
+          <a:avLst/>
+        </a:prstGeom>
+        <a:noFill/>
+        <a:ln>
+          <a:noFill/>
+        </a:ln>
+        <a:effectLst/>
+      </dsp:spPr>
+      <dsp:style>
+        <a:lnRef idx="0">
+          <a:scrgbClr r="0" g="0" b="0"/>
+        </a:lnRef>
+        <a:fillRef idx="0">
+          <a:scrgbClr r="0" g="0" b="0"/>
+        </a:fillRef>
+        <a:effectRef idx="0">
+          <a:scrgbClr r="0" g="0" b="0"/>
+        </a:effectRef>
+        <a:fontRef idx="minor"/>
+      </dsp:style>
+      <dsp:txBody>
+        <a:bodyPr spcFirstLastPara="0" vert="horz" wrap="square" lIns="130402" tIns="130402" rIns="130402" bIns="130402" numCol="1" spcCol="1270" anchor="ctr" anchorCtr="0">
+          <a:noAutofit/>
+        </a:bodyPr>
+        <a:lstStyle/>
+        <a:p>
+          <a:pPr marL="0" lvl="0" indent="0" algn="l" defTabSz="1111250">
+            <a:lnSpc>
+              <a:spcPct val="100000"/>
+            </a:lnSpc>
+            <a:spcBef>
+              <a:spcPct val="0"/>
+            </a:spcBef>
+            <a:spcAft>
+              <a:spcPct val="35000"/>
+            </a:spcAft>
+            <a:buNone/>
+          </a:pPr>
+          <a:r>
+            <a:rPr lang="it-IT" sz="2500" kern="1200" dirty="0">
+              <a:latin typeface="Century Gothic" panose="020B0502020202020204"/>
+            </a:rPr>
+            <a:t>User </a:t>
+          </a:r>
+          <a:r>
+            <a:rPr lang="it-IT" sz="2500" kern="1200" dirty="0" err="1">
+              <a:latin typeface="Century Gothic" panose="020B0502020202020204"/>
+            </a:rPr>
+            <a:t>Handler</a:t>
+          </a:r>
+          <a:endParaRPr lang="it-IT" sz="2500" kern="1200" dirty="0" err="1"/>
+        </a:p>
+      </dsp:txBody>
+      <dsp:txXfrm>
+        <a:off x="1423132" y="1542821"/>
+        <a:ext cx="2515856" cy="1232149"/>
+      </dsp:txXfrm>
+    </dsp:sp>
+    <dsp:sp modelId="{84EE8BF5-FF1B-40E7-BCB1-9F739AD603EF}">
+      <dsp:nvSpPr>
+        <dsp:cNvPr id="0" name=""/>
+        <dsp:cNvSpPr/>
+      </dsp:nvSpPr>
+      <dsp:spPr>
+        <a:xfrm>
+          <a:off x="3938989" y="1542821"/>
+          <a:ext cx="1650411" cy="1232149"/>
+        </a:xfrm>
+        <a:prstGeom prst="rect">
+          <a:avLst/>
+        </a:prstGeom>
+        <a:noFill/>
+        <a:ln>
+          <a:noFill/>
+        </a:ln>
+        <a:effectLst/>
+      </dsp:spPr>
+      <dsp:style>
+        <a:lnRef idx="0">
+          <a:scrgbClr r="0" g="0" b="0"/>
+        </a:lnRef>
+        <a:fillRef idx="0">
+          <a:scrgbClr r="0" g="0" b="0"/>
+        </a:fillRef>
+        <a:effectRef idx="0">
+          <a:scrgbClr r="0" g="0" b="0"/>
+        </a:effectRef>
+        <a:fontRef idx="minor"/>
+      </dsp:style>
+      <dsp:txBody>
+        <a:bodyPr spcFirstLastPara="0" vert="horz" wrap="square" lIns="130402" tIns="130402" rIns="130402" bIns="130402" numCol="1" spcCol="1270" anchor="ctr" anchorCtr="0">
+          <a:noAutofit/>
+        </a:bodyPr>
+        <a:lstStyle/>
+        <a:p>
+          <a:pPr marL="0" lvl="0" indent="0" algn="l" defTabSz="488950">
+            <a:lnSpc>
+              <a:spcPct val="100000"/>
+            </a:lnSpc>
+            <a:spcBef>
+              <a:spcPct val="0"/>
+            </a:spcBef>
+            <a:spcAft>
+              <a:spcPct val="35000"/>
+            </a:spcAft>
+            <a:buNone/>
+          </a:pPr>
+          <a:r>
+            <a:rPr lang="it-IT" sz="1100" kern="1200" dirty="0"/>
+            <a:t>Management of user </a:t>
+          </a:r>
+          <a:r>
+            <a:rPr lang="it-IT" sz="1100" kern="1200" dirty="0" err="1"/>
+            <a:t>is</a:t>
+          </a:r>
+          <a:r>
+            <a:rPr lang="it-IT" sz="1100" kern="1200" dirty="0"/>
+            <a:t> </a:t>
+          </a:r>
+          <a:r>
+            <a:rPr lang="it-IT" sz="1100" kern="1200" dirty="0" err="1"/>
+            <a:t>handled</a:t>
+          </a:r>
+          <a:r>
+            <a:rPr lang="it-IT" sz="1100" kern="1200" dirty="0"/>
+            <a:t> by the user </a:t>
+          </a:r>
+          <a:r>
+            <a:rPr lang="it-IT" sz="1100" kern="1200" dirty="0" err="1"/>
+            <a:t>handler</a:t>
+          </a:r>
+        </a:p>
+      </dsp:txBody>
+      <dsp:txXfrm>
+        <a:off x="3938989" y="1542821"/>
+        <a:ext cx="1650411" cy="1232149"/>
+      </dsp:txXfrm>
+    </dsp:sp>
+    <dsp:sp modelId="{0CA25F3D-C8DE-4C5D-B4A5-A09D081B985F}">
+      <dsp:nvSpPr>
+        <dsp:cNvPr id="0" name=""/>
+        <dsp:cNvSpPr/>
+      </dsp:nvSpPr>
+      <dsp:spPr>
+        <a:xfrm>
+          <a:off x="0" y="3083008"/>
+          <a:ext cx="5590792" cy="1232149"/>
+        </a:xfrm>
+        <a:prstGeom prst="roundRect">
+          <a:avLst>
+            <a:gd name="adj" fmla="val 10000"/>
+          </a:avLst>
+        </a:prstGeom>
+        <a:solidFill>
+          <a:schemeClr val="bg1">
+            <a:lumMod val="95000"/>
+            <a:hueOff val="0"/>
+            <a:satOff val="0"/>
+            <a:lumOff val="0"/>
+            <a:alphaOff val="0"/>
+          </a:schemeClr>
+        </a:solidFill>
+        <a:ln>
+          <a:noFill/>
+        </a:ln>
+        <a:effectLst/>
+      </dsp:spPr>
+      <dsp:style>
+        <a:lnRef idx="0">
+          <a:scrgbClr r="0" g="0" b="0"/>
+        </a:lnRef>
+        <a:fillRef idx="1">
+          <a:scrgbClr r="0" g="0" b="0"/>
+        </a:fillRef>
+        <a:effectRef idx="0">
+          <a:scrgbClr r="0" g="0" b="0"/>
+        </a:effectRef>
+        <a:fontRef idx="minor"/>
+      </dsp:style>
+    </dsp:sp>
+    <dsp:sp modelId="{E28E28DB-7374-459A-BB3C-D994C7C1ECA9}">
+      <dsp:nvSpPr>
+        <dsp:cNvPr id="0" name=""/>
+        <dsp:cNvSpPr/>
+      </dsp:nvSpPr>
+      <dsp:spPr>
+        <a:xfrm>
+          <a:off x="372725" y="3360242"/>
+          <a:ext cx="677682" cy="677682"/>
+        </a:xfrm>
+        <a:prstGeom prst="rect">
+          <a:avLst/>
+        </a:prstGeom>
+        <a:blipFill>
+          <a:blip xmlns:r="http://schemas.openxmlformats.org/officeDocument/2006/relationships" r:embed="rId5">
+            <a:extLst>
+              <a:ext uri="{96DAC541-7B7A-43D3-8B79-37D633B846F1}">
+                <asvg:svgBlip xmlns:asvg="http://schemas.microsoft.com/office/drawing/2016/SVG/main" r:embed="rId6"/>
+              </a:ext>
+            </a:extLst>
+          </a:blip>
+          <a:stretch>
+            <a:fillRect/>
+          </a:stretch>
+        </a:blipFill>
+        <a:ln w="19050" cap="rnd" cmpd="sng" algn="ctr">
+          <a:noFill/>
+          <a:prstDash val="solid"/>
+        </a:ln>
+        <a:effectLst/>
+      </dsp:spPr>
+      <dsp:style>
+        <a:lnRef idx="2">
+          <a:scrgbClr r="0" g="0" b="0"/>
+        </a:lnRef>
+        <a:fillRef idx="1">
+          <a:scrgbClr r="0" g="0" b="0"/>
+        </a:fillRef>
+        <a:effectRef idx="0">
+          <a:scrgbClr r="0" g="0" b="0"/>
+        </a:effectRef>
+        <a:fontRef idx="minor">
+          <a:schemeClr val="lt1"/>
+        </a:fontRef>
+      </dsp:style>
+    </dsp:sp>
+    <dsp:sp modelId="{AE2FAE76-6075-40E5-853A-73F94E490CA0}">
+      <dsp:nvSpPr>
+        <dsp:cNvPr id="0" name=""/>
+        <dsp:cNvSpPr/>
+      </dsp:nvSpPr>
+      <dsp:spPr>
+        <a:xfrm>
+          <a:off x="1423132" y="3083008"/>
+          <a:ext cx="2515856" cy="1232149"/>
+        </a:xfrm>
+        <a:prstGeom prst="rect">
+          <a:avLst/>
+        </a:prstGeom>
+        <a:noFill/>
+        <a:ln>
+          <a:noFill/>
+        </a:ln>
+        <a:effectLst/>
+      </dsp:spPr>
+      <dsp:style>
+        <a:lnRef idx="0">
+          <a:scrgbClr r="0" g="0" b="0"/>
+        </a:lnRef>
+        <a:fillRef idx="0">
+          <a:scrgbClr r="0" g="0" b="0"/>
+        </a:fillRef>
+        <a:effectRef idx="0">
+          <a:scrgbClr r="0" g="0" b="0"/>
+        </a:effectRef>
+        <a:fontRef idx="minor"/>
+      </dsp:style>
+      <dsp:txBody>
+        <a:bodyPr spcFirstLastPara="0" vert="horz" wrap="square" lIns="130402" tIns="130402" rIns="130402" bIns="130402" numCol="1" spcCol="1270" anchor="ctr" anchorCtr="0">
+          <a:noAutofit/>
+        </a:bodyPr>
+        <a:lstStyle/>
+        <a:p>
+          <a:pPr marL="0" lvl="0" indent="0" algn="l" defTabSz="1111250">
+            <a:lnSpc>
+              <a:spcPct val="100000"/>
+            </a:lnSpc>
+            <a:spcBef>
+              <a:spcPct val="0"/>
+            </a:spcBef>
+            <a:spcAft>
+              <a:spcPct val="35000"/>
+            </a:spcAft>
+            <a:buNone/>
+          </a:pPr>
+          <a:r>
+            <a:rPr lang="it-IT" sz="2500" kern="1200" dirty="0" err="1">
+              <a:latin typeface="Century Gothic" panose="020B0502020202020204"/>
+            </a:rPr>
+            <a:t>Oauth</a:t>
+          </a:r>
+          <a:r>
+            <a:rPr lang="it-IT" sz="2500" kern="1200" dirty="0">
+              <a:latin typeface="Century Gothic" panose="020B0502020202020204"/>
+            </a:rPr>
+            <a:t> Bridge</a:t>
+          </a:r>
+          <a:endParaRPr lang="en-US" sz="2500" kern="1200" dirty="0"/>
+        </a:p>
+      </dsp:txBody>
+      <dsp:txXfrm>
+        <a:off x="1423132" y="3083008"/>
+        <a:ext cx="2515856" cy="1232149"/>
+      </dsp:txXfrm>
+    </dsp:sp>
+    <dsp:sp modelId="{8848BED9-CA49-43C5-A381-EBB4DCE50D5D}">
+      <dsp:nvSpPr>
+        <dsp:cNvPr id="0" name=""/>
+        <dsp:cNvSpPr/>
+      </dsp:nvSpPr>
+      <dsp:spPr>
+        <a:xfrm>
+          <a:off x="3938989" y="3083008"/>
+          <a:ext cx="1650411" cy="1232149"/>
+        </a:xfrm>
+        <a:prstGeom prst="rect">
+          <a:avLst/>
+        </a:prstGeom>
+        <a:noFill/>
+        <a:ln>
+          <a:noFill/>
+        </a:ln>
+        <a:effectLst/>
+      </dsp:spPr>
+      <dsp:style>
+        <a:lnRef idx="0">
+          <a:scrgbClr r="0" g="0" b="0"/>
+        </a:lnRef>
+        <a:fillRef idx="0">
+          <a:scrgbClr r="0" g="0" b="0"/>
+        </a:fillRef>
+        <a:effectRef idx="0">
+          <a:scrgbClr r="0" g="0" b="0"/>
+        </a:effectRef>
+        <a:fontRef idx="minor"/>
+      </dsp:style>
+      <dsp:txBody>
+        <a:bodyPr spcFirstLastPara="0" vert="horz" wrap="square" lIns="130402" tIns="130402" rIns="130402" bIns="130402" numCol="1" spcCol="1270" anchor="ctr" anchorCtr="0">
+          <a:noAutofit/>
+        </a:bodyPr>
+        <a:lstStyle/>
+        <a:p>
+          <a:pPr marL="0" lvl="0" indent="0" algn="l" defTabSz="488950">
+            <a:lnSpc>
+              <a:spcPct val="100000"/>
+            </a:lnSpc>
+            <a:spcBef>
+              <a:spcPct val="0"/>
+            </a:spcBef>
+            <a:spcAft>
+              <a:spcPct val="35000"/>
+            </a:spcAft>
+            <a:buNone/>
+          </a:pPr>
+          <a:r>
+            <a:rPr lang="it-IT" sz="1100" kern="1200" dirty="0">
+              <a:latin typeface="Century Gothic" panose="020B0502020202020204"/>
+            </a:rPr>
+            <a:t>Act</a:t>
+          </a:r>
+          <a:r>
+            <a:rPr lang="it-IT" sz="1100" kern="1200" dirty="0"/>
+            <a:t> </a:t>
+          </a:r>
+          <a:r>
+            <a:rPr lang="it-IT" sz="1100" kern="1200" dirty="0" err="1"/>
+            <a:t>as</a:t>
+          </a:r>
+          <a:r>
+            <a:rPr lang="it-IT" sz="1100" kern="1200" dirty="0"/>
+            <a:t> a bridge </a:t>
+          </a:r>
+          <a:r>
+            <a:rPr lang="it-IT" sz="1100" kern="1200" dirty="0" err="1"/>
+            <a:t>between</a:t>
+          </a:r>
+          <a:r>
+            <a:rPr lang="it-IT" sz="1100" kern="1200" dirty="0"/>
+            <a:t> the Web </a:t>
+          </a:r>
+          <a:r>
+            <a:rPr lang="it-IT" sz="1100" kern="1200" dirty="0" err="1"/>
+            <a:t>Frontend</a:t>
+          </a:r>
+          <a:r>
+            <a:rPr lang="it-IT" sz="1100" kern="1200" dirty="0"/>
+            <a:t> and the User </a:t>
+          </a:r>
+          <a:r>
+            <a:rPr lang="it-IT" sz="1100" kern="1200" dirty="0" err="1"/>
+            <a:t>Handler</a:t>
+          </a:r>
+        </a:p>
+      </dsp:txBody>
+      <dsp:txXfrm>
+        <a:off x="3938989" y="3083008"/>
+        <a:ext cx="1650411" cy="1232149"/>
+      </dsp:txXfrm>
+    </dsp:sp>
+  </dsp:spTree>
+</dsp:drawing>
+</file>
+
 <file path=ppt/diagrams/layout1.xml><?xml version="1.0" encoding="utf-8"?>
 <dgm:layoutDef xmlns:dgm="http://schemas.openxmlformats.org/drawingml/2006/diagram" xmlns:a="http://schemas.openxmlformats.org/drawingml/2006/main" uniqueId="urn:microsoft.com/office/officeart/2018/2/layout/IconVerticalSolidList">
   <dgm:title val="Icon Vertical Solid List"/>
@@ -7922,6 +10286,300 @@
 </dgm:layoutDef>
 </file>
 
+<file path=ppt/diagrams/layout4.xml><?xml version="1.0" encoding="utf-8"?>
+<dgm:layoutDef xmlns:dgm="http://schemas.openxmlformats.org/drawingml/2006/diagram" xmlns:a="http://schemas.openxmlformats.org/drawingml/2006/main" uniqueId="urn:microsoft.com/office/officeart/2018/2/layout/IconVerticalSolidList">
+  <dgm:title val="Icon Vertical Solid List"/>
+  <dgm:desc val="Use to show a series of visuals from top to bottom with Level 1 or Level 1 and Level 2 text grouped in a shape. Works best with icons or small pictures with lengthier descriptions."/>
+  <dgm:catLst>
+    <dgm:cat type="icon" pri="500"/>
+  </dgm:catLst>
+  <dgm:sampData useDef="1">
+    <dgm:dataModel>
+      <dgm:ptLst/>
+      <dgm:bg/>
+      <dgm:whole/>
+    </dgm:dataModel>
+  </dgm:sampData>
+  <dgm:styleData useDef="1">
+    <dgm:dataModel>
+      <dgm:ptLst/>
+      <dgm:bg/>
+      <dgm:whole/>
+    </dgm:dataModel>
+  </dgm:styleData>
+  <dgm:clrData useDef="1">
+    <dgm:dataModel>
+      <dgm:ptLst/>
+      <dgm:bg/>
+      <dgm:whole/>
+    </dgm:dataModel>
+  </dgm:clrData>
+  <dgm:layoutNode name="root">
+    <dgm:varLst>
+      <dgm:dir/>
+      <dgm:resizeHandles val="exact"/>
+    </dgm:varLst>
+    <dgm:choose name="Name0">
+      <dgm:if name="Name1" axis="self" func="var" arg="dir" op="equ" val="norm">
+        <dgm:alg type="lin">
+          <dgm:param type="linDir" val="fromT"/>
+          <dgm:param type="nodeHorzAlign" val="l"/>
+        </dgm:alg>
+      </dgm:if>
+      <dgm:else name="Name2">
+        <dgm:alg type="lin">
+          <dgm:param type="linDir" val="fromT"/>
+          <dgm:param type="nodeHorzAlign" val="r"/>
+        </dgm:alg>
+      </dgm:else>
+    </dgm:choose>
+    <dgm:shape xmlns:r="http://schemas.openxmlformats.org/officeDocument/2006/relationships" r:blip="">
+      <dgm:adjLst/>
+    </dgm:shape>
+    <dgm:presOf/>
+    <dgm:choose name="Name3">
+      <dgm:if name="Name4" axis="ch" ptType="node" func="cnt" op="lte" val="3">
+        <dgm:constrLst>
+          <dgm:constr type="h" for="ch" forName="compNode" refType="h" fact="0.3"/>
+          <dgm:constr type="w" for="ch" forName="compNode" refType="w"/>
+          <dgm:constr type="h" for="ch" forName="sibTrans" refType="h" refFor="ch" refForName="compNode" fact="0.25"/>
+          <dgm:constr type="primFontSz" for="des" forName="parTx" val="25"/>
+          <dgm:constr type="primFontSz" for="des" forName="desTx" refType="primFontSz" refFor="des" refForName="parTx" op="lte" fact="0.75"/>
+          <dgm:constr type="h" for="des" forName="compNode" op="equ"/>
+          <dgm:constr type="h" for="des" forName="bgRect" op="equ"/>
+          <dgm:constr type="h" for="des" forName="iconRect" op="equ"/>
+          <dgm:constr type="w" for="des" forName="iconRect" op="equ"/>
+          <dgm:constr type="h" for="des" forName="spaceRect" op="equ"/>
+          <dgm:constr type="h" for="des" forName="parTx" op="equ"/>
+          <dgm:constr type="h" for="des" forName="desTx" op="equ"/>
+        </dgm:constrLst>
+      </dgm:if>
+      <dgm:if name="Name5" axis="ch" ptType="node" func="cnt" op="lte" val="4">
+        <dgm:constrLst>
+          <dgm:constr type="h" for="ch" forName="compNode" refType="h" fact="0.3"/>
+          <dgm:constr type="w" for="ch" forName="compNode" refType="w"/>
+          <dgm:constr type="h" for="ch" forName="sibTrans" refType="h" refFor="ch" refForName="compNode" fact="0.25"/>
+          <dgm:constr type="primFontSz" for="des" forName="parTx" val="22"/>
+          <dgm:constr type="primFontSz" for="des" forName="desTx" refType="primFontSz" refFor="des" refForName="parTx" op="lte" fact="0.75"/>
+          <dgm:constr type="h" for="des" forName="compNode" op="equ"/>
+          <dgm:constr type="h" for="des" forName="bgRect" op="equ"/>
+          <dgm:constr type="h" for="des" forName="iconRect" op="equ"/>
+          <dgm:constr type="w" for="des" forName="iconRect" op="equ"/>
+          <dgm:constr type="h" for="des" forName="spaceRect" op="equ"/>
+          <dgm:constr type="h" for="des" forName="parTx" op="equ"/>
+          <dgm:constr type="h" for="des" forName="desTx" op="equ"/>
+        </dgm:constrLst>
+      </dgm:if>
+      <dgm:if name="Name6" axis="ch" ptType="node" func="cnt" op="lte" val="6">
+        <dgm:constrLst>
+          <dgm:constr type="h" for="ch" forName="compNode" refType="h" fact="0.3"/>
+          <dgm:constr type="w" for="ch" forName="compNode" refType="w"/>
+          <dgm:constr type="h" for="ch" forName="sibTrans" refType="h" refFor="ch" refForName="compNode" fact="0.25"/>
+          <dgm:constr type="primFontSz" for="des" forName="parTx" val="19"/>
+          <dgm:constr type="primFontSz" for="des" forName="desTx" refType="primFontSz" refFor="des" refForName="parTx" op="lte" fact="0.75"/>
+          <dgm:constr type="h" for="des" forName="compNode" op="equ"/>
+          <dgm:constr type="h" for="des" forName="bgRect" op="equ"/>
+          <dgm:constr type="h" for="des" forName="iconRect" op="equ"/>
+          <dgm:constr type="w" for="des" forName="iconRect" op="equ"/>
+          <dgm:constr type="h" for="des" forName="spaceRect" op="equ"/>
+          <dgm:constr type="h" for="des" forName="parTx" op="equ"/>
+          <dgm:constr type="h" for="des" forName="desTx" op="equ"/>
+        </dgm:constrLst>
+      </dgm:if>
+      <dgm:else name="Name7">
+        <dgm:constrLst>
+          <dgm:constr type="h" for="ch" forName="compNode" refType="h" fact="0.3"/>
+          <dgm:constr type="w" for="ch" forName="compNode" refType="w"/>
+          <dgm:constr type="h" for="ch" forName="sibTrans" refType="h" refFor="ch" refForName="compNode" fact="0.25"/>
+          <dgm:constr type="primFontSz" for="des" forName="parTx" val="16"/>
+          <dgm:constr type="primFontSz" for="des" forName="desTx" refType="primFontSz" refFor="des" refForName="parTx" op="lte" fact="0.75"/>
+          <dgm:constr type="h" for="des" forName="compNode" op="equ"/>
+          <dgm:constr type="h" for="des" forName="bgRect" op="equ"/>
+          <dgm:constr type="h" for="des" forName="iconRect" op="equ"/>
+          <dgm:constr type="w" for="des" forName="iconRect" op="equ"/>
+          <dgm:constr type="h" for="des" forName="spaceRect" op="equ"/>
+          <dgm:constr type="h" for="des" forName="parTx" op="equ"/>
+          <dgm:constr type="h" for="des" forName="desTx" op="equ"/>
+        </dgm:constrLst>
+      </dgm:else>
+    </dgm:choose>
+    <dgm:ruleLst>
+      <dgm:rule type="h" for="ch" forName="compNode" val="0" fact="NaN" max="NaN"/>
+    </dgm:ruleLst>
+    <dgm:forEach name="Name8" axis="ch" ptType="node">
+      <dgm:layoutNode name="compNode">
+        <dgm:alg type="composite"/>
+        <dgm:shape xmlns:r="http://schemas.openxmlformats.org/officeDocument/2006/relationships" r:blip="">
+          <dgm:adjLst/>
+        </dgm:shape>
+        <dgm:presOf axis="self"/>
+        <dgm:choose name="Name9">
+          <dgm:if name="Name10" axis="ch" ptType="node" func="cnt" op="gte" val="1">
+            <dgm:constrLst>
+              <dgm:constr type="w" for="ch" forName="bgRect" refType="w"/>
+              <dgm:constr type="h" for="ch" forName="bgRect" refType="h"/>
+              <dgm:constr type="l" for="ch" forName="bgRect"/>
+              <dgm:constr type="t" for="ch" forName="bgRect"/>
+              <dgm:constr type="h" for="ch" forName="iconRect" refType="h" fact="0.55"/>
+              <dgm:constr type="w" for="ch" forName="iconRect" refType="h" refFor="ch" refForName="iconRect"/>
+              <dgm:constr type="l" for="ch" forName="iconRect" refType="h" refFor="ch" refForName="iconRect" fact="0.55"/>
+              <dgm:constr type="ctrY" for="ch" forName="iconRect" refType="ctrY" refFor="ch" refForName="bgRect"/>
+              <dgm:constr type="w" for="ch" forName="spaceRect" refType="l" refFor="ch" refForName="iconRect"/>
+              <dgm:constr type="h" for="ch" forName="spaceRect" refType="h"/>
+              <dgm:constr type="l" for="ch" forName="spaceRect" refType="r" refFor="ch" refForName="iconRect"/>
+              <dgm:constr type="t" for="ch" forName="spaceRect"/>
+              <dgm:constr type="w" for="ch" forName="parTx" refType="w" fact="0.45"/>
+              <dgm:constr type="h" for="ch" forName="parTx" refType="h"/>
+              <dgm:constr type="l" for="ch" forName="parTx" refType="r" refFor="ch" refForName="spaceRect"/>
+              <dgm:constr type="t" for="ch" forName="parTx"/>
+              <dgm:constr type="h" for="ch" forName="desTx" refType="h"/>
+              <dgm:constr type="l" for="ch" forName="desTx" refType="r" refFor="ch" refForName="parTx"/>
+              <dgm:constr type="t" for="ch" forName="desTx"/>
+            </dgm:constrLst>
+          </dgm:if>
+          <dgm:else name="Name11">
+            <dgm:constrLst>
+              <dgm:constr type="w" for="ch" forName="bgRect" refType="w"/>
+              <dgm:constr type="h" for="ch" forName="bgRect" refType="h"/>
+              <dgm:constr type="l" for="ch" forName="bgRect"/>
+              <dgm:constr type="t" for="ch" forName="bgRect"/>
+              <dgm:constr type="h" for="ch" forName="iconRect" refType="h" fact="0.55"/>
+              <dgm:constr type="w" for="ch" forName="iconRect" refType="h" refFor="ch" refForName="iconRect"/>
+              <dgm:constr type="l" for="ch" forName="iconRect" refType="h" refFor="ch" refForName="iconRect" fact="0.55"/>
+              <dgm:constr type="ctrY" for="ch" forName="iconRect" refType="ctrY" refFor="ch" refForName="bgRect"/>
+              <dgm:constr type="w" for="ch" forName="spaceRect" refType="l" refFor="ch" refForName="iconRect"/>
+              <dgm:constr type="h" for="ch" forName="spaceRect" refType="h"/>
+              <dgm:constr type="l" for="ch" forName="spaceRect" refType="r" refFor="ch" refForName="iconRect"/>
+              <dgm:constr type="t" for="ch" forName="spaceRect"/>
+              <dgm:constr type="h" for="ch" forName="parTx" refType="h"/>
+              <dgm:constr type="l" for="ch" forName="parTx" refType="r" refFor="ch" refForName="spaceRect"/>
+              <dgm:constr type="t" for="ch" forName="parTx"/>
+            </dgm:constrLst>
+          </dgm:else>
+        </dgm:choose>
+        <dgm:ruleLst>
+          <dgm:rule type="h" val="INF" fact="NaN" max="NaN"/>
+        </dgm:ruleLst>
+        <dgm:layoutNode name="bgRect" styleLbl="bgShp">
+          <dgm:alg type="sp"/>
+          <dgm:shape xmlns:r="http://schemas.openxmlformats.org/officeDocument/2006/relationships" type="roundRect" r:blip="">
+            <dgm:adjLst>
+              <dgm:adj idx="1" val="0.1"/>
+            </dgm:adjLst>
+          </dgm:shape>
+          <dgm:presOf/>
+          <dgm:constrLst/>
+          <dgm:ruleLst/>
+        </dgm:layoutNode>
+        <dgm:layoutNode name="iconRect" styleLbl="node1">
+          <dgm:alg type="sp"/>
+          <dgm:shape xmlns:r="http://schemas.openxmlformats.org/officeDocument/2006/relationships" type="rect" r:blip="" blipPhldr="1">
+            <dgm:adjLst/>
+          </dgm:shape>
+          <dgm:presOf/>
+          <dgm:constrLst/>
+          <dgm:ruleLst/>
+        </dgm:layoutNode>
+        <dgm:layoutNode name="spaceRect">
+          <dgm:alg type="sp"/>
+          <dgm:shape xmlns:r="http://schemas.openxmlformats.org/officeDocument/2006/relationships" r:blip="">
+            <dgm:adjLst/>
+          </dgm:shape>
+          <dgm:presOf/>
+          <dgm:constrLst/>
+          <dgm:ruleLst/>
+        </dgm:layoutNode>
+        <dgm:layoutNode name="parTx" styleLbl="revTx">
+          <dgm:varLst>
+            <dgm:chMax val="0"/>
+            <dgm:chPref val="0"/>
+          </dgm:varLst>
+          <dgm:alg type="tx">
+            <dgm:param type="txAnchorVert" val="mid"/>
+            <dgm:param type="parTxLTRAlign" val="l"/>
+            <dgm:param type="shpTxLTRAlignCh" val="l"/>
+            <dgm:param type="parTxRTLAlign" val="r"/>
+            <dgm:param type="shpTxRTLAlignCh" val="r"/>
+          </dgm:alg>
+          <dgm:shape xmlns:r="http://schemas.openxmlformats.org/officeDocument/2006/relationships" type="rect" r:blip="">
+            <dgm:adjLst/>
+          </dgm:shape>
+          <dgm:presOf axis="self" ptType="node"/>
+          <dgm:constrLst>
+            <dgm:constr type="lMarg" refType="h" fact="0.3"/>
+            <dgm:constr type="rMarg" refType="h" fact="0.3"/>
+            <dgm:constr type="tMarg" refType="h" fact="0.3"/>
+            <dgm:constr type="bMarg" refType="h" fact="0.3"/>
+          </dgm:constrLst>
+          <dgm:ruleLst>
+            <dgm:rule type="primFontSz" val="14" fact="NaN" max="NaN"/>
+            <dgm:rule type="h" val="INF" fact="NaN" max="NaN"/>
+          </dgm:ruleLst>
+        </dgm:layoutNode>
+        <dgm:choose name="Name12">
+          <dgm:if name="Name13" axis="ch" ptType="node" func="cnt" op="gte" val="1">
+            <dgm:layoutNode name="desTx" styleLbl="revTx">
+              <dgm:varLst/>
+              <dgm:alg type="tx">
+                <dgm:param type="txAnchorVertCh" val="mid"/>
+                <dgm:param type="parTxLTRAlign" val="l"/>
+                <dgm:param type="shpTxLTRAlignCh" val="l"/>
+                <dgm:param type="parTxRTLAlign" val="r"/>
+                <dgm:param type="shpTxRTLAlignCh" val="r"/>
+                <dgm:param type="stBulletLvl" val="0"/>
+              </dgm:alg>
+              <dgm:shape xmlns:r="http://schemas.openxmlformats.org/officeDocument/2006/relationships" type="rect" r:blip="">
+                <dgm:adjLst/>
+              </dgm:shape>
+              <dgm:presOf axis="des" ptType="node"/>
+              <dgm:constrLst>
+                <dgm:constr type="primFontSz" val="18"/>
+                <dgm:constr type="secFontSz" refType="primFontSz"/>
+                <dgm:constr type="lMarg" refType="h" fact="0.3"/>
+                <dgm:constr type="rMarg" refType="h" fact="0.3"/>
+                <dgm:constr type="tMarg" refType="h" fact="0.3"/>
+                <dgm:constr type="bMarg" refType="h" fact="0.3"/>
+              </dgm:constrLst>
+              <dgm:ruleLst>
+                <dgm:rule type="primFontSz" val="11" fact="NaN" max="NaN"/>
+              </dgm:ruleLst>
+            </dgm:layoutNode>
+          </dgm:if>
+          <dgm:else name="Name14"/>
+        </dgm:choose>
+      </dgm:layoutNode>
+      <dgm:forEach name="Name15" axis="followSib" ptType="sibTrans" cnt="1">
+        <dgm:layoutNode name="sibTrans">
+          <dgm:alg type="sp"/>
+          <dgm:shape xmlns:r="http://schemas.openxmlformats.org/officeDocument/2006/relationships" r:blip="">
+            <dgm:adjLst/>
+          </dgm:shape>
+          <dgm:presOf axis="self"/>
+          <dgm:constrLst/>
+          <dgm:ruleLst/>
+        </dgm:layoutNode>
+      </dgm:forEach>
+    </dgm:forEach>
+  </dgm:layoutNode>
+  <dgm:extLst>
+    <a:ext uri="{68A01E43-0DF5-4B5B-8FA6-DAF915123BFB}">
+      <dgm1612:lstStyle xmlns:dgm1612="http://schemas.microsoft.com/office/drawing/2016/12/diagram">
+        <a:lvl1pPr>
+          <a:lnSpc>
+            <a:spcPct val="100000"/>
+          </a:lnSpc>
+        </a:lvl1pPr>
+        <a:lvl2pPr>
+          <a:lnSpc>
+            <a:spcPct val="100000"/>
+          </a:lnSpc>
+        </a:lvl2pPr>
+      </dgm1612:lstStyle>
+    </a:ext>
+  </dgm:extLst>
+</dgm:layoutDef>
+</file>
+
 <file path=ppt/diagrams/quickStyle1.xml><?xml version="1.0" encoding="utf-8"?>
 <dgm:styleDef xmlns:dgm="http://schemas.openxmlformats.org/drawingml/2006/diagram" xmlns:a="http://schemas.openxmlformats.org/drawingml/2006/main" uniqueId="urn:microsoft.com/office/officeart/2005/8/quickstyle/simple1">
   <dgm:title val=""/>
@@ -9991,6 +12649,1040 @@
 </file>
 
 <file path=ppt/diagrams/quickStyle3.xml><?xml version="1.0" encoding="utf-8"?>
+<dgm:styleDef xmlns:dgm="http://schemas.openxmlformats.org/drawingml/2006/diagram" xmlns:a="http://schemas.openxmlformats.org/drawingml/2006/main" uniqueId="urn:microsoft.com/office/officeart/2005/8/quickstyle/simple1">
+  <dgm:title val=""/>
+  <dgm:desc val=""/>
+  <dgm:catLst>
+    <dgm:cat type="simple" pri="10100"/>
+  </dgm:catLst>
+  <dgm:scene3d>
+    <a:camera prst="orthographicFront"/>
+    <a:lightRig rig="threePt" dir="t"/>
+  </dgm:scene3d>
+  <dgm:styleLbl name="node0">
+    <dgm:scene3d>
+      <a:camera prst="orthographicFront"/>
+      <a:lightRig rig="threePt" dir="t"/>
+    </dgm:scene3d>
+    <dgm:sp3d/>
+    <dgm:txPr/>
+    <dgm:style>
+      <a:lnRef idx="2">
+        <a:scrgbClr r="0" g="0" b="0"/>
+      </a:lnRef>
+      <a:fillRef idx="1">
+        <a:scrgbClr r="0" g="0" b="0"/>
+      </a:fillRef>
+      <a:effectRef idx="0">
+        <a:scrgbClr r="0" g="0" b="0"/>
+      </a:effectRef>
+      <a:fontRef idx="minor">
+        <a:schemeClr val="lt1"/>
+      </a:fontRef>
+    </dgm:style>
+  </dgm:styleLbl>
+  <dgm:styleLbl name="lnNode1">
+    <dgm:scene3d>
+      <a:camera prst="orthographicFront"/>
+      <a:lightRig rig="threePt" dir="t"/>
+    </dgm:scene3d>
+    <dgm:sp3d/>
+    <dgm:txPr/>
+    <dgm:style>
+      <a:lnRef idx="2">
+        <a:scrgbClr r="0" g="0" b="0"/>
+      </a:lnRef>
+      <a:fillRef idx="1">
+        <a:scrgbClr r="0" g="0" b="0"/>
+      </a:fillRef>
+      <a:effectRef idx="0">
+        <a:scrgbClr r="0" g="0" b="0"/>
+      </a:effectRef>
+      <a:fontRef idx="minor">
+        <a:schemeClr val="lt1"/>
+      </a:fontRef>
+    </dgm:style>
+  </dgm:styleLbl>
+  <dgm:styleLbl name="vennNode1">
+    <dgm:scene3d>
+      <a:camera prst="orthographicFront"/>
+      <a:lightRig rig="threePt" dir="t"/>
+    </dgm:scene3d>
+    <dgm:sp3d/>
+    <dgm:txPr/>
+    <dgm:style>
+      <a:lnRef idx="2">
+        <a:scrgbClr r="0" g="0" b="0"/>
+      </a:lnRef>
+      <a:fillRef idx="1">
+        <a:scrgbClr r="0" g="0" b="0"/>
+      </a:fillRef>
+      <a:effectRef idx="0">
+        <a:scrgbClr r="0" g="0" b="0"/>
+      </a:effectRef>
+      <a:fontRef idx="minor">
+        <a:schemeClr val="tx1"/>
+      </a:fontRef>
+    </dgm:style>
+  </dgm:styleLbl>
+  <dgm:styleLbl name="alignNode1">
+    <dgm:scene3d>
+      <a:camera prst="orthographicFront"/>
+      <a:lightRig rig="threePt" dir="t"/>
+    </dgm:scene3d>
+    <dgm:sp3d/>
+    <dgm:txPr/>
+    <dgm:style>
+      <a:lnRef idx="2">
+        <a:scrgbClr r="0" g="0" b="0"/>
+      </a:lnRef>
+      <a:fillRef idx="1">
+        <a:scrgbClr r="0" g="0" b="0"/>
+      </a:fillRef>
+      <a:effectRef idx="0">
+        <a:scrgbClr r="0" g="0" b="0"/>
+      </a:effectRef>
+      <a:fontRef idx="minor">
+        <a:schemeClr val="lt1"/>
+      </a:fontRef>
+    </dgm:style>
+  </dgm:styleLbl>
+  <dgm:styleLbl name="node1">
+    <dgm:scene3d>
+      <a:camera prst="orthographicFront"/>
+      <a:lightRig rig="threePt" dir="t"/>
+    </dgm:scene3d>
+    <dgm:sp3d/>
+    <dgm:txPr/>
+    <dgm:style>
+      <a:lnRef idx="2">
+        <a:scrgbClr r="0" g="0" b="0"/>
+      </a:lnRef>
+      <a:fillRef idx="1">
+        <a:scrgbClr r="0" g="0" b="0"/>
+      </a:fillRef>
+      <a:effectRef idx="0">
+        <a:scrgbClr r="0" g="0" b="0"/>
+      </a:effectRef>
+      <a:fontRef idx="minor">
+        <a:schemeClr val="lt1"/>
+      </a:fontRef>
+    </dgm:style>
+  </dgm:styleLbl>
+  <dgm:styleLbl name="node2">
+    <dgm:scene3d>
+      <a:camera prst="orthographicFront"/>
+      <a:lightRig rig="threePt" dir="t"/>
+    </dgm:scene3d>
+    <dgm:sp3d/>
+    <dgm:txPr/>
+    <dgm:style>
+      <a:lnRef idx="2">
+        <a:scrgbClr r="0" g="0" b="0"/>
+      </a:lnRef>
+      <a:fillRef idx="1">
+        <a:scrgbClr r="0" g="0" b="0"/>
+      </a:fillRef>
+      <a:effectRef idx="0">
+        <a:scrgbClr r="0" g="0" b="0"/>
+      </a:effectRef>
+      <a:fontRef idx="minor">
+        <a:schemeClr val="lt1"/>
+      </a:fontRef>
+    </dgm:style>
+  </dgm:styleLbl>
+  <dgm:styleLbl name="node3">
+    <dgm:scene3d>
+      <a:camera prst="orthographicFront"/>
+      <a:lightRig rig="threePt" dir="t"/>
+    </dgm:scene3d>
+    <dgm:sp3d/>
+    <dgm:txPr/>
+    <dgm:style>
+      <a:lnRef idx="2">
+        <a:scrgbClr r="0" g="0" b="0"/>
+      </a:lnRef>
+      <a:fillRef idx="1">
+        <a:scrgbClr r="0" g="0" b="0"/>
+      </a:fillRef>
+      <a:effectRef idx="0">
+        <a:scrgbClr r="0" g="0" b="0"/>
+      </a:effectRef>
+      <a:fontRef idx="minor">
+        <a:schemeClr val="lt1"/>
+      </a:fontRef>
+    </dgm:style>
+  </dgm:styleLbl>
+  <dgm:styleLbl name="node4">
+    <dgm:scene3d>
+      <a:camera prst="orthographicFront"/>
+      <a:lightRig rig="threePt" dir="t"/>
+    </dgm:scene3d>
+    <dgm:sp3d/>
+    <dgm:txPr/>
+    <dgm:style>
+      <a:lnRef idx="2">
+        <a:scrgbClr r="0" g="0" b="0"/>
+      </a:lnRef>
+      <a:fillRef idx="1">
+        <a:scrgbClr r="0" g="0" b="0"/>
+      </a:fillRef>
+      <a:effectRef idx="0">
+        <a:scrgbClr r="0" g="0" b="0"/>
+      </a:effectRef>
+      <a:fontRef idx="minor">
+        <a:schemeClr val="lt1"/>
+      </a:fontRef>
+    </dgm:style>
+  </dgm:styleLbl>
+  <dgm:styleLbl name="fgImgPlace1">
+    <dgm:scene3d>
+      <a:camera prst="orthographicFront"/>
+      <a:lightRig rig="threePt" dir="t"/>
+    </dgm:scene3d>
+    <dgm:sp3d/>
+    <dgm:txPr/>
+    <dgm:style>
+      <a:lnRef idx="2">
+        <a:scrgbClr r="0" g="0" b="0"/>
+      </a:lnRef>
+      <a:fillRef idx="1">
+        <a:scrgbClr r="0" g="0" b="0"/>
+      </a:fillRef>
+      <a:effectRef idx="0">
+        <a:scrgbClr r="0" g="0" b="0"/>
+      </a:effectRef>
+      <a:fontRef idx="minor"/>
+    </dgm:style>
+  </dgm:styleLbl>
+  <dgm:styleLbl name="alignImgPlace1">
+    <dgm:scene3d>
+      <a:camera prst="orthographicFront"/>
+      <a:lightRig rig="threePt" dir="t"/>
+    </dgm:scene3d>
+    <dgm:sp3d/>
+    <dgm:txPr/>
+    <dgm:style>
+      <a:lnRef idx="2">
+        <a:scrgbClr r="0" g="0" b="0"/>
+      </a:lnRef>
+      <a:fillRef idx="1">
+        <a:scrgbClr r="0" g="0" b="0"/>
+      </a:fillRef>
+      <a:effectRef idx="0">
+        <a:scrgbClr r="0" g="0" b="0"/>
+      </a:effectRef>
+      <a:fontRef idx="minor"/>
+    </dgm:style>
+  </dgm:styleLbl>
+  <dgm:styleLbl name="bgImgPlace1">
+    <dgm:scene3d>
+      <a:camera prst="orthographicFront"/>
+      <a:lightRig rig="threePt" dir="t"/>
+    </dgm:scene3d>
+    <dgm:sp3d/>
+    <dgm:txPr/>
+    <dgm:style>
+      <a:lnRef idx="2">
+        <a:scrgbClr r="0" g="0" b="0"/>
+      </a:lnRef>
+      <a:fillRef idx="1">
+        <a:scrgbClr r="0" g="0" b="0"/>
+      </a:fillRef>
+      <a:effectRef idx="0">
+        <a:scrgbClr r="0" g="0" b="0"/>
+      </a:effectRef>
+      <a:fontRef idx="minor"/>
+    </dgm:style>
+  </dgm:styleLbl>
+  <dgm:styleLbl name="sibTrans2D1">
+    <dgm:scene3d>
+      <a:camera prst="orthographicFront"/>
+      <a:lightRig rig="threePt" dir="t"/>
+    </dgm:scene3d>
+    <dgm:sp3d/>
+    <dgm:txPr/>
+    <dgm:style>
+      <a:lnRef idx="0">
+        <a:scrgbClr r="0" g="0" b="0"/>
+      </a:lnRef>
+      <a:fillRef idx="1">
+        <a:scrgbClr r="0" g="0" b="0"/>
+      </a:fillRef>
+      <a:effectRef idx="0">
+        <a:scrgbClr r="0" g="0" b="0"/>
+      </a:effectRef>
+      <a:fontRef idx="minor">
+        <a:schemeClr val="lt1"/>
+      </a:fontRef>
+    </dgm:style>
+  </dgm:styleLbl>
+  <dgm:styleLbl name="fgSibTrans2D1">
+    <dgm:scene3d>
+      <a:camera prst="orthographicFront"/>
+      <a:lightRig rig="threePt" dir="t"/>
+    </dgm:scene3d>
+    <dgm:sp3d/>
+    <dgm:txPr/>
+    <dgm:style>
+      <a:lnRef idx="0">
+        <a:scrgbClr r="0" g="0" b="0"/>
+      </a:lnRef>
+      <a:fillRef idx="1">
+        <a:scrgbClr r="0" g="0" b="0"/>
+      </a:fillRef>
+      <a:effectRef idx="0">
+        <a:scrgbClr r="0" g="0" b="0"/>
+      </a:effectRef>
+      <a:fontRef idx="minor">
+        <a:schemeClr val="lt1"/>
+      </a:fontRef>
+    </dgm:style>
+  </dgm:styleLbl>
+  <dgm:styleLbl name="bgSibTrans2D1">
+    <dgm:scene3d>
+      <a:camera prst="orthographicFront"/>
+      <a:lightRig rig="threePt" dir="t"/>
+    </dgm:scene3d>
+    <dgm:sp3d/>
+    <dgm:txPr/>
+    <dgm:style>
+      <a:lnRef idx="0">
+        <a:scrgbClr r="0" g="0" b="0"/>
+      </a:lnRef>
+      <a:fillRef idx="1">
+        <a:scrgbClr r="0" g="0" b="0"/>
+      </a:fillRef>
+      <a:effectRef idx="0">
+        <a:scrgbClr r="0" g="0" b="0"/>
+      </a:effectRef>
+      <a:fontRef idx="minor">
+        <a:schemeClr val="lt1"/>
+      </a:fontRef>
+    </dgm:style>
+  </dgm:styleLbl>
+  <dgm:styleLbl name="sibTrans1D1">
+    <dgm:scene3d>
+      <a:camera prst="orthographicFront"/>
+      <a:lightRig rig="threePt" dir="t"/>
+    </dgm:scene3d>
+    <dgm:sp3d/>
+    <dgm:txPr/>
+    <dgm:style>
+      <a:lnRef idx="1">
+        <a:scrgbClr r="0" g="0" b="0"/>
+      </a:lnRef>
+      <a:fillRef idx="0">
+        <a:scrgbClr r="0" g="0" b="0"/>
+      </a:fillRef>
+      <a:effectRef idx="0">
+        <a:scrgbClr r="0" g="0" b="0"/>
+      </a:effectRef>
+      <a:fontRef idx="minor"/>
+    </dgm:style>
+  </dgm:styleLbl>
+  <dgm:styleLbl name="callout">
+    <dgm:scene3d>
+      <a:camera prst="orthographicFront"/>
+      <a:lightRig rig="threePt" dir="t"/>
+    </dgm:scene3d>
+    <dgm:sp3d/>
+    <dgm:txPr/>
+    <dgm:style>
+      <a:lnRef idx="2">
+        <a:scrgbClr r="0" g="0" b="0"/>
+      </a:lnRef>
+      <a:fillRef idx="1">
+        <a:scrgbClr r="0" g="0" b="0"/>
+      </a:fillRef>
+      <a:effectRef idx="0">
+        <a:scrgbClr r="0" g="0" b="0"/>
+      </a:effectRef>
+      <a:fontRef idx="minor"/>
+    </dgm:style>
+  </dgm:styleLbl>
+  <dgm:styleLbl name="asst0">
+    <dgm:scene3d>
+      <a:camera prst="orthographicFront"/>
+      <a:lightRig rig="threePt" dir="t"/>
+    </dgm:scene3d>
+    <dgm:sp3d/>
+    <dgm:txPr/>
+    <dgm:style>
+      <a:lnRef idx="2">
+        <a:scrgbClr r="0" g="0" b="0"/>
+      </a:lnRef>
+      <a:fillRef idx="1">
+        <a:scrgbClr r="0" g="0" b="0"/>
+      </a:fillRef>
+      <a:effectRef idx="0">
+        <a:scrgbClr r="0" g="0" b="0"/>
+      </a:effectRef>
+      <a:fontRef idx="minor">
+        <a:schemeClr val="lt1"/>
+      </a:fontRef>
+    </dgm:style>
+  </dgm:styleLbl>
+  <dgm:styleLbl name="asst1">
+    <dgm:scene3d>
+      <a:camera prst="orthographicFront"/>
+      <a:lightRig rig="threePt" dir="t"/>
+    </dgm:scene3d>
+    <dgm:sp3d/>
+    <dgm:txPr/>
+    <dgm:style>
+      <a:lnRef idx="2">
+        <a:scrgbClr r="0" g="0" b="0"/>
+      </a:lnRef>
+      <a:fillRef idx="1">
+        <a:scrgbClr r="0" g="0" b="0"/>
+      </a:fillRef>
+      <a:effectRef idx="0">
+        <a:scrgbClr r="0" g="0" b="0"/>
+      </a:effectRef>
+      <a:fontRef idx="minor">
+        <a:schemeClr val="lt1"/>
+      </a:fontRef>
+    </dgm:style>
+  </dgm:styleLbl>
+  <dgm:styleLbl name="asst2">
+    <dgm:scene3d>
+      <a:camera prst="orthographicFront"/>
+      <a:lightRig rig="threePt" dir="t"/>
+    </dgm:scene3d>
+    <dgm:sp3d/>
+    <dgm:txPr/>
+    <dgm:style>
+      <a:lnRef idx="2">
+        <a:scrgbClr r="0" g="0" b="0"/>
+      </a:lnRef>
+      <a:fillRef idx="1">
+        <a:scrgbClr r="0" g="0" b="0"/>
+      </a:fillRef>
+      <a:effectRef idx="0">
+        <a:scrgbClr r="0" g="0" b="0"/>
+      </a:effectRef>
+      <a:fontRef idx="minor">
+        <a:schemeClr val="lt1"/>
+      </a:fontRef>
+    </dgm:style>
+  </dgm:styleLbl>
+  <dgm:styleLbl name="asst3">
+    <dgm:scene3d>
+      <a:camera prst="orthographicFront"/>
+      <a:lightRig rig="threePt" dir="t"/>
+    </dgm:scene3d>
+    <dgm:sp3d/>
+    <dgm:txPr/>
+    <dgm:style>
+      <a:lnRef idx="2">
+        <a:scrgbClr r="0" g="0" b="0"/>
+      </a:lnRef>
+      <a:fillRef idx="1">
+        <a:scrgbClr r="0" g="0" b="0"/>
+      </a:fillRef>
+      <a:effectRef idx="0">
+        <a:scrgbClr r="0" g="0" b="0"/>
+      </a:effectRef>
+      <a:fontRef idx="minor">
+        <a:schemeClr val="lt1"/>
+      </a:fontRef>
+    </dgm:style>
+  </dgm:styleLbl>
+  <dgm:styleLbl name="asst4">
+    <dgm:scene3d>
+      <a:camera prst="orthographicFront"/>
+      <a:lightRig rig="threePt" dir="t"/>
+    </dgm:scene3d>
+    <dgm:sp3d/>
+    <dgm:txPr/>
+    <dgm:style>
+      <a:lnRef idx="2">
+        <a:scrgbClr r="0" g="0" b="0"/>
+      </a:lnRef>
+      <a:fillRef idx="1">
+        <a:scrgbClr r="0" g="0" b="0"/>
+      </a:fillRef>
+      <a:effectRef idx="0">
+        <a:scrgbClr r="0" g="0" b="0"/>
+      </a:effectRef>
+      <a:fontRef idx="minor">
+        <a:schemeClr val="lt1"/>
+      </a:fontRef>
+    </dgm:style>
+  </dgm:styleLbl>
+  <dgm:styleLbl name="parChTrans2D1">
+    <dgm:scene3d>
+      <a:camera prst="orthographicFront"/>
+      <a:lightRig rig="threePt" dir="t"/>
+    </dgm:scene3d>
+    <dgm:sp3d/>
+    <dgm:txPr/>
+    <dgm:style>
+      <a:lnRef idx="2">
+        <a:scrgbClr r="0" g="0" b="0"/>
+      </a:lnRef>
+      <a:fillRef idx="1">
+        <a:scrgbClr r="0" g="0" b="0"/>
+      </a:fillRef>
+      <a:effectRef idx="0">
+        <a:scrgbClr r="0" g="0" b="0"/>
+      </a:effectRef>
+      <a:fontRef idx="minor">
+        <a:schemeClr val="lt1"/>
+      </a:fontRef>
+    </dgm:style>
+  </dgm:styleLbl>
+  <dgm:styleLbl name="parChTrans2D2">
+    <dgm:scene3d>
+      <a:camera prst="orthographicFront"/>
+      <a:lightRig rig="threePt" dir="t"/>
+    </dgm:scene3d>
+    <dgm:sp3d/>
+    <dgm:txPr/>
+    <dgm:style>
+      <a:lnRef idx="2">
+        <a:scrgbClr r="0" g="0" b="0"/>
+      </a:lnRef>
+      <a:fillRef idx="1">
+        <a:scrgbClr r="0" g="0" b="0"/>
+      </a:fillRef>
+      <a:effectRef idx="0">
+        <a:scrgbClr r="0" g="0" b="0"/>
+      </a:effectRef>
+      <a:fontRef idx="minor">
+        <a:schemeClr val="lt1"/>
+      </a:fontRef>
+    </dgm:style>
+  </dgm:styleLbl>
+  <dgm:styleLbl name="parChTrans2D3">
+    <dgm:scene3d>
+      <a:camera prst="orthographicFront"/>
+      <a:lightRig rig="threePt" dir="t"/>
+    </dgm:scene3d>
+    <dgm:sp3d/>
+    <dgm:txPr/>
+    <dgm:style>
+      <a:lnRef idx="2">
+        <a:scrgbClr r="0" g="0" b="0"/>
+      </a:lnRef>
+      <a:fillRef idx="1">
+        <a:scrgbClr r="0" g="0" b="0"/>
+      </a:fillRef>
+      <a:effectRef idx="0">
+        <a:scrgbClr r="0" g="0" b="0"/>
+      </a:effectRef>
+      <a:fontRef idx="minor">
+        <a:schemeClr val="lt1"/>
+      </a:fontRef>
+    </dgm:style>
+  </dgm:styleLbl>
+  <dgm:styleLbl name="parChTrans2D4">
+    <dgm:scene3d>
+      <a:camera prst="orthographicFront"/>
+      <a:lightRig rig="threePt" dir="t"/>
+    </dgm:scene3d>
+    <dgm:sp3d/>
+    <dgm:txPr/>
+    <dgm:style>
+      <a:lnRef idx="2">
+        <a:scrgbClr r="0" g="0" b="0"/>
+      </a:lnRef>
+      <a:fillRef idx="1">
+        <a:scrgbClr r="0" g="0" b="0"/>
+      </a:fillRef>
+      <a:effectRef idx="0">
+        <a:scrgbClr r="0" g="0" b="0"/>
+      </a:effectRef>
+      <a:fontRef idx="minor">
+        <a:schemeClr val="lt1"/>
+      </a:fontRef>
+    </dgm:style>
+  </dgm:styleLbl>
+  <dgm:styleLbl name="parChTrans1D1">
+    <dgm:scene3d>
+      <a:camera prst="orthographicFront"/>
+      <a:lightRig rig="threePt" dir="t"/>
+    </dgm:scene3d>
+    <dgm:sp3d/>
+    <dgm:txPr/>
+    <dgm:style>
+      <a:lnRef idx="2">
+        <a:scrgbClr r="0" g="0" b="0"/>
+      </a:lnRef>
+      <a:fillRef idx="0">
+        <a:scrgbClr r="0" g="0" b="0"/>
+      </a:fillRef>
+      <a:effectRef idx="0">
+        <a:scrgbClr r="0" g="0" b="0"/>
+      </a:effectRef>
+      <a:fontRef idx="minor"/>
+    </dgm:style>
+  </dgm:styleLbl>
+  <dgm:styleLbl name="parChTrans1D2">
+    <dgm:scene3d>
+      <a:camera prst="orthographicFront"/>
+      <a:lightRig rig="threePt" dir="t"/>
+    </dgm:scene3d>
+    <dgm:sp3d/>
+    <dgm:txPr/>
+    <dgm:style>
+      <a:lnRef idx="2">
+        <a:scrgbClr r="0" g="0" b="0"/>
+      </a:lnRef>
+      <a:fillRef idx="0">
+        <a:scrgbClr r="0" g="0" b="0"/>
+      </a:fillRef>
+      <a:effectRef idx="0">
+        <a:scrgbClr r="0" g="0" b="0"/>
+      </a:effectRef>
+      <a:fontRef idx="minor"/>
+    </dgm:style>
+  </dgm:styleLbl>
+  <dgm:styleLbl name="parChTrans1D3">
+    <dgm:scene3d>
+      <a:camera prst="orthographicFront"/>
+      <a:lightRig rig="threePt" dir="t"/>
+    </dgm:scene3d>
+    <dgm:sp3d/>
+    <dgm:txPr/>
+    <dgm:style>
+      <a:lnRef idx="2">
+        <a:scrgbClr r="0" g="0" b="0"/>
+      </a:lnRef>
+      <a:fillRef idx="0">
+        <a:scrgbClr r="0" g="0" b="0"/>
+      </a:fillRef>
+      <a:effectRef idx="0">
+        <a:scrgbClr r="0" g="0" b="0"/>
+      </a:effectRef>
+      <a:fontRef idx="minor"/>
+    </dgm:style>
+  </dgm:styleLbl>
+  <dgm:styleLbl name="parChTrans1D4">
+    <dgm:scene3d>
+      <a:camera prst="orthographicFront"/>
+      <a:lightRig rig="threePt" dir="t"/>
+    </dgm:scene3d>
+    <dgm:sp3d/>
+    <dgm:txPr/>
+    <dgm:style>
+      <a:lnRef idx="2">
+        <a:scrgbClr r="0" g="0" b="0"/>
+      </a:lnRef>
+      <a:fillRef idx="0">
+        <a:scrgbClr r="0" g="0" b="0"/>
+      </a:fillRef>
+      <a:effectRef idx="0">
+        <a:scrgbClr r="0" g="0" b="0"/>
+      </a:effectRef>
+      <a:fontRef idx="minor"/>
+    </dgm:style>
+  </dgm:styleLbl>
+  <dgm:styleLbl name="fgAcc1">
+    <dgm:scene3d>
+      <a:camera prst="orthographicFront"/>
+      <a:lightRig rig="threePt" dir="t"/>
+    </dgm:scene3d>
+    <dgm:sp3d/>
+    <dgm:txPr/>
+    <dgm:style>
+      <a:lnRef idx="2">
+        <a:scrgbClr r="0" g="0" b="0"/>
+      </a:lnRef>
+      <a:fillRef idx="1">
+        <a:scrgbClr r="0" g="0" b="0"/>
+      </a:fillRef>
+      <a:effectRef idx="0">
+        <a:scrgbClr r="0" g="0" b="0"/>
+      </a:effectRef>
+      <a:fontRef idx="minor"/>
+    </dgm:style>
+  </dgm:styleLbl>
+  <dgm:styleLbl name="conFgAcc1">
+    <dgm:scene3d>
+      <a:camera prst="orthographicFront"/>
+      <a:lightRig rig="threePt" dir="t"/>
+    </dgm:scene3d>
+    <dgm:sp3d/>
+    <dgm:txPr/>
+    <dgm:style>
+      <a:lnRef idx="2">
+        <a:scrgbClr r="0" g="0" b="0"/>
+      </a:lnRef>
+      <a:fillRef idx="1">
+        <a:scrgbClr r="0" g="0" b="0"/>
+      </a:fillRef>
+      <a:effectRef idx="0">
+        <a:scrgbClr r="0" g="0" b="0"/>
+      </a:effectRef>
+      <a:fontRef idx="minor"/>
+    </dgm:style>
+  </dgm:styleLbl>
+  <dgm:styleLbl name="alignAcc1">
+    <dgm:scene3d>
+      <a:camera prst="orthographicFront"/>
+      <a:lightRig rig="threePt" dir="t"/>
+    </dgm:scene3d>
+    <dgm:sp3d/>
+    <dgm:txPr/>
+    <dgm:style>
+      <a:lnRef idx="2">
+        <a:scrgbClr r="0" g="0" b="0"/>
+      </a:lnRef>
+      <a:fillRef idx="1">
+        <a:scrgbClr r="0" g="0" b="0"/>
+      </a:fillRef>
+      <a:effectRef idx="0">
+        <a:scrgbClr r="0" g="0" b="0"/>
+      </a:effectRef>
+      <a:fontRef idx="minor"/>
+    </dgm:style>
+  </dgm:styleLbl>
+  <dgm:styleLbl name="trAlignAcc1">
+    <dgm:scene3d>
+      <a:camera prst="orthographicFront"/>
+      <a:lightRig rig="threePt" dir="t"/>
+    </dgm:scene3d>
+    <dgm:sp3d/>
+    <dgm:txPr/>
+    <dgm:style>
+      <a:lnRef idx="1">
+        <a:scrgbClr r="0" g="0" b="0"/>
+      </a:lnRef>
+      <a:fillRef idx="1">
+        <a:scrgbClr r="0" g="0" b="0"/>
+      </a:fillRef>
+      <a:effectRef idx="0">
+        <a:scrgbClr r="0" g="0" b="0"/>
+      </a:effectRef>
+      <a:fontRef idx="minor"/>
+    </dgm:style>
+  </dgm:styleLbl>
+  <dgm:styleLbl name="bgAcc1">
+    <dgm:scene3d>
+      <a:camera prst="orthographicFront"/>
+      <a:lightRig rig="threePt" dir="t"/>
+    </dgm:scene3d>
+    <dgm:sp3d/>
+    <dgm:txPr/>
+    <dgm:style>
+      <a:lnRef idx="2">
+        <a:scrgbClr r="0" g="0" b="0"/>
+      </a:lnRef>
+      <a:fillRef idx="1">
+        <a:scrgbClr r="0" g="0" b="0"/>
+      </a:fillRef>
+      <a:effectRef idx="0">
+        <a:scrgbClr r="0" g="0" b="0"/>
+      </a:effectRef>
+      <a:fontRef idx="minor"/>
+    </dgm:style>
+  </dgm:styleLbl>
+  <dgm:styleLbl name="solidFgAcc1">
+    <dgm:scene3d>
+      <a:camera prst="orthographicFront"/>
+      <a:lightRig rig="threePt" dir="t"/>
+    </dgm:scene3d>
+    <dgm:sp3d/>
+    <dgm:txPr/>
+    <dgm:style>
+      <a:lnRef idx="2">
+        <a:scrgbClr r="0" g="0" b="0"/>
+      </a:lnRef>
+      <a:fillRef idx="1">
+        <a:scrgbClr r="0" g="0" b="0"/>
+      </a:fillRef>
+      <a:effectRef idx="0">
+        <a:scrgbClr r="0" g="0" b="0"/>
+      </a:effectRef>
+      <a:fontRef idx="minor"/>
+    </dgm:style>
+  </dgm:styleLbl>
+  <dgm:styleLbl name="solidAlignAcc1">
+    <dgm:scene3d>
+      <a:camera prst="orthographicFront"/>
+      <a:lightRig rig="threePt" dir="t"/>
+    </dgm:scene3d>
+    <dgm:sp3d/>
+    <dgm:txPr/>
+    <dgm:style>
+      <a:lnRef idx="2">
+        <a:scrgbClr r="0" g="0" b="0"/>
+      </a:lnRef>
+      <a:fillRef idx="1">
+        <a:scrgbClr r="0" g="0" b="0"/>
+      </a:fillRef>
+      <a:effectRef idx="0">
+        <a:scrgbClr r="0" g="0" b="0"/>
+      </a:effectRef>
+      <a:fontRef idx="minor"/>
+    </dgm:style>
+  </dgm:styleLbl>
+  <dgm:styleLbl name="solidBgAcc1">
+    <dgm:scene3d>
+      <a:camera prst="orthographicFront"/>
+      <a:lightRig rig="threePt" dir="t"/>
+    </dgm:scene3d>
+    <dgm:sp3d/>
+    <dgm:txPr/>
+    <dgm:style>
+      <a:lnRef idx="2">
+        <a:scrgbClr r="0" g="0" b="0"/>
+      </a:lnRef>
+      <a:fillRef idx="1">
+        <a:scrgbClr r="0" g="0" b="0"/>
+      </a:fillRef>
+      <a:effectRef idx="0">
+        <a:scrgbClr r="0" g="0" b="0"/>
+      </a:effectRef>
+      <a:fontRef idx="minor"/>
+    </dgm:style>
+  </dgm:styleLbl>
+  <dgm:styleLbl name="fgAccFollowNode1">
+    <dgm:scene3d>
+      <a:camera prst="orthographicFront"/>
+      <a:lightRig rig="threePt" dir="t"/>
+    </dgm:scene3d>
+    <dgm:sp3d/>
+    <dgm:txPr/>
+    <dgm:style>
+      <a:lnRef idx="2">
+        <a:scrgbClr r="0" g="0" b="0"/>
+      </a:lnRef>
+      <a:fillRef idx="1">
+        <a:scrgbClr r="0" g="0" b="0"/>
+      </a:fillRef>
+      <a:effectRef idx="0">
+        <a:scrgbClr r="0" g="0" b="0"/>
+      </a:effectRef>
+      <a:fontRef idx="minor"/>
+    </dgm:style>
+  </dgm:styleLbl>
+  <dgm:styleLbl name="alignAccFollowNode1">
+    <dgm:scene3d>
+      <a:camera prst="orthographicFront"/>
+      <a:lightRig rig="threePt" dir="t"/>
+    </dgm:scene3d>
+    <dgm:sp3d/>
+    <dgm:txPr/>
+    <dgm:style>
+      <a:lnRef idx="2">
+        <a:scrgbClr r="0" g="0" b="0"/>
+      </a:lnRef>
+      <a:fillRef idx="1">
+        <a:scrgbClr r="0" g="0" b="0"/>
+      </a:fillRef>
+      <a:effectRef idx="0">
+        <a:scrgbClr r="0" g="0" b="0"/>
+      </a:effectRef>
+      <a:fontRef idx="minor"/>
+    </dgm:style>
+  </dgm:styleLbl>
+  <dgm:styleLbl name="bgAccFollowNode1">
+    <dgm:scene3d>
+      <a:camera prst="orthographicFront"/>
+      <a:lightRig rig="threePt" dir="t"/>
+    </dgm:scene3d>
+    <dgm:sp3d/>
+    <dgm:txPr/>
+    <dgm:style>
+      <a:lnRef idx="2">
+        <a:scrgbClr r="0" g="0" b="0"/>
+      </a:lnRef>
+      <a:fillRef idx="1">
+        <a:scrgbClr r="0" g="0" b="0"/>
+      </a:fillRef>
+      <a:effectRef idx="0">
+        <a:scrgbClr r="0" g="0" b="0"/>
+      </a:effectRef>
+      <a:fontRef idx="minor"/>
+    </dgm:style>
+  </dgm:styleLbl>
+  <dgm:styleLbl name="fgAcc0">
+    <dgm:scene3d>
+      <a:camera prst="orthographicFront"/>
+      <a:lightRig rig="threePt" dir="t"/>
+    </dgm:scene3d>
+    <dgm:sp3d/>
+    <dgm:txPr/>
+    <dgm:style>
+      <a:lnRef idx="2">
+        <a:scrgbClr r="0" g="0" b="0"/>
+      </a:lnRef>
+      <a:fillRef idx="1">
+        <a:scrgbClr r="0" g="0" b="0"/>
+      </a:fillRef>
+      <a:effectRef idx="0">
+        <a:scrgbClr r="0" g="0" b="0"/>
+      </a:effectRef>
+      <a:fontRef idx="minor"/>
+    </dgm:style>
+  </dgm:styleLbl>
+  <dgm:styleLbl name="fgAcc2">
+    <dgm:scene3d>
+      <a:camera prst="orthographicFront"/>
+      <a:lightRig rig="threePt" dir="t"/>
+    </dgm:scene3d>
+    <dgm:sp3d/>
+    <dgm:txPr/>
+    <dgm:style>
+      <a:lnRef idx="2">
+        <a:scrgbClr r="0" g="0" b="0"/>
+      </a:lnRef>
+      <a:fillRef idx="1">
+        <a:scrgbClr r="0" g="0" b="0"/>
+      </a:fillRef>
+      <a:effectRef idx="0">
+        <a:scrgbClr r="0" g="0" b="0"/>
+      </a:effectRef>
+      <a:fontRef idx="minor"/>
+    </dgm:style>
+  </dgm:styleLbl>
+  <dgm:styleLbl name="fgAcc3">
+    <dgm:scene3d>
+      <a:camera prst="orthographicFront"/>
+      <a:lightRig rig="threePt" dir="t"/>
+    </dgm:scene3d>
+    <dgm:sp3d/>
+    <dgm:txPr/>
+    <dgm:style>
+      <a:lnRef idx="2">
+        <a:scrgbClr r="0" g="0" b="0"/>
+      </a:lnRef>
+      <a:fillRef idx="1">
+        <a:scrgbClr r="0" g="0" b="0"/>
+      </a:fillRef>
+      <a:effectRef idx="0">
+        <a:scrgbClr r="0" g="0" b="0"/>
+      </a:effectRef>
+      <a:fontRef idx="minor"/>
+    </dgm:style>
+  </dgm:styleLbl>
+  <dgm:styleLbl name="fgAcc4">
+    <dgm:scene3d>
+      <a:camera prst="orthographicFront"/>
+      <a:lightRig rig="threePt" dir="t"/>
+    </dgm:scene3d>
+    <dgm:sp3d/>
+    <dgm:txPr/>
+    <dgm:style>
+      <a:lnRef idx="2">
+        <a:scrgbClr r="0" g="0" b="0"/>
+      </a:lnRef>
+      <a:fillRef idx="1">
+        <a:scrgbClr r="0" g="0" b="0"/>
+      </a:fillRef>
+      <a:effectRef idx="0">
+        <a:scrgbClr r="0" g="0" b="0"/>
+      </a:effectRef>
+      <a:fontRef idx="minor"/>
+    </dgm:style>
+  </dgm:styleLbl>
+  <dgm:styleLbl name="bgShp">
+    <dgm:scene3d>
+      <a:camera prst="orthographicFront"/>
+      <a:lightRig rig="threePt" dir="t"/>
+    </dgm:scene3d>
+    <dgm:sp3d/>
+    <dgm:txPr/>
+    <dgm:style>
+      <a:lnRef idx="0">
+        <a:scrgbClr r="0" g="0" b="0"/>
+      </a:lnRef>
+      <a:fillRef idx="1">
+        <a:scrgbClr r="0" g="0" b="0"/>
+      </a:fillRef>
+      <a:effectRef idx="0">
+        <a:scrgbClr r="0" g="0" b="0"/>
+      </a:effectRef>
+      <a:fontRef idx="minor"/>
+    </dgm:style>
+  </dgm:styleLbl>
+  <dgm:styleLbl name="dkBgShp">
+    <dgm:scene3d>
+      <a:camera prst="orthographicFront"/>
+      <a:lightRig rig="threePt" dir="t"/>
+    </dgm:scene3d>
+    <dgm:sp3d/>
+    <dgm:txPr/>
+    <dgm:style>
+      <a:lnRef idx="0">
+        <a:scrgbClr r="0" g="0" b="0"/>
+      </a:lnRef>
+      <a:fillRef idx="1">
+        <a:scrgbClr r="0" g="0" b="0"/>
+      </a:fillRef>
+      <a:effectRef idx="0">
+        <a:scrgbClr r="0" g="0" b="0"/>
+      </a:effectRef>
+      <a:fontRef idx="minor"/>
+    </dgm:style>
+  </dgm:styleLbl>
+  <dgm:styleLbl name="trBgShp">
+    <dgm:scene3d>
+      <a:camera prst="orthographicFront"/>
+      <a:lightRig rig="threePt" dir="t"/>
+    </dgm:scene3d>
+    <dgm:sp3d/>
+    <dgm:txPr/>
+    <dgm:style>
+      <a:lnRef idx="0">
+        <a:scrgbClr r="0" g="0" b="0"/>
+      </a:lnRef>
+      <a:fillRef idx="1">
+        <a:scrgbClr r="0" g="0" b="0"/>
+      </a:fillRef>
+      <a:effectRef idx="0">
+        <a:scrgbClr r="0" g="0" b="0"/>
+      </a:effectRef>
+      <a:fontRef idx="minor"/>
+    </dgm:style>
+  </dgm:styleLbl>
+  <dgm:styleLbl name="fgShp">
+    <dgm:scene3d>
+      <a:camera prst="orthographicFront"/>
+      <a:lightRig rig="threePt" dir="t"/>
+    </dgm:scene3d>
+    <dgm:sp3d/>
+    <dgm:txPr/>
+    <dgm:style>
+      <a:lnRef idx="2">
+        <a:scrgbClr r="0" g="0" b="0"/>
+      </a:lnRef>
+      <a:fillRef idx="1">
+        <a:scrgbClr r="0" g="0" b="0"/>
+      </a:fillRef>
+      <a:effectRef idx="0">
+        <a:scrgbClr r="0" g="0" b="0"/>
+      </a:effectRef>
+      <a:fontRef idx="minor"/>
+    </dgm:style>
+  </dgm:styleLbl>
+  <dgm:styleLbl name="revTx">
+    <dgm:scene3d>
+      <a:camera prst="orthographicFront"/>
+      <a:lightRig rig="threePt" dir="t"/>
+    </dgm:scene3d>
+    <dgm:sp3d/>
+    <dgm:txPr/>
+    <dgm:style>
+      <a:lnRef idx="0">
+        <a:scrgbClr r="0" g="0" b="0"/>
+      </a:lnRef>
+      <a:fillRef idx="0">
+        <a:scrgbClr r="0" g="0" b="0"/>
+      </a:fillRef>
+      <a:effectRef idx="0">
+        <a:scrgbClr r="0" g="0" b="0"/>
+      </a:effectRef>
+      <a:fontRef idx="minor"/>
+    </dgm:style>
+  </dgm:styleLbl>
+</dgm:styleDef>
+</file>
+
+<file path=ppt/diagrams/quickStyle4.xml><?xml version="1.0" encoding="utf-8"?>
 <dgm:styleDef xmlns:dgm="http://schemas.openxmlformats.org/drawingml/2006/diagram" xmlns:a="http://schemas.openxmlformats.org/drawingml/2006/main" uniqueId="urn:microsoft.com/office/officeart/2005/8/quickstyle/simple1">
   <dgm:title val=""/>
   <dgm:desc val=""/>
@@ -11288,7 +14980,7 @@
     </p:spTree>
     <p:extLst>
       <p:ext uri="{BB962C8B-B14F-4D97-AF65-F5344CB8AC3E}">
-        <p14:creationId xmlns:p14="http://schemas.microsoft.com/office/powerpoint/2010/main" val="2412073694"/>
+        <p14:creationId xmlns:p14="http://schemas.microsoft.com/office/powerpoint/2010/main" val="3114662232"/>
       </p:ext>
     </p:extLst>
   </p:cSld>
@@ -11576,7 +15268,7 @@
     </p:spTree>
     <p:extLst>
       <p:ext uri="{BB962C8B-B14F-4D97-AF65-F5344CB8AC3E}">
-        <p14:creationId xmlns:p14="http://schemas.microsoft.com/office/powerpoint/2010/main" val="1097891462"/>
+        <p14:creationId xmlns:p14="http://schemas.microsoft.com/office/powerpoint/2010/main" val="406163732"/>
       </p:ext>
     </p:extLst>
   </p:cSld>
@@ -11836,7 +15528,7 @@
     </p:spTree>
     <p:extLst>
       <p:ext uri="{BB962C8B-B14F-4D97-AF65-F5344CB8AC3E}">
-        <p14:creationId xmlns:p14="http://schemas.microsoft.com/office/powerpoint/2010/main" val="2659113190"/>
+        <p14:creationId xmlns:p14="http://schemas.microsoft.com/office/powerpoint/2010/main" val="1953791490"/>
       </p:ext>
     </p:extLst>
   </p:cSld>
@@ -12306,7 +15998,7 @@
     </p:spTree>
     <p:extLst>
       <p:ext uri="{BB962C8B-B14F-4D97-AF65-F5344CB8AC3E}">
-        <p14:creationId xmlns:p14="http://schemas.microsoft.com/office/powerpoint/2010/main" val="1525995738"/>
+        <p14:creationId xmlns:p14="http://schemas.microsoft.com/office/powerpoint/2010/main" val="1646394003"/>
       </p:ext>
     </p:extLst>
   </p:cSld>
@@ -12487,7 +16179,7 @@
     </p:spTree>
     <p:extLst>
       <p:ext uri="{BB962C8B-B14F-4D97-AF65-F5344CB8AC3E}">
-        <p14:creationId xmlns:p14="http://schemas.microsoft.com/office/powerpoint/2010/main" val="3735079121"/>
+        <p14:creationId xmlns:p14="http://schemas.microsoft.com/office/powerpoint/2010/main" val="1821308545"/>
       </p:ext>
     </p:extLst>
   </p:cSld>
@@ -13064,7 +16756,7 @@
     </p:spTree>
     <p:extLst>
       <p:ext uri="{BB962C8B-B14F-4D97-AF65-F5344CB8AC3E}">
-        <p14:creationId xmlns:p14="http://schemas.microsoft.com/office/powerpoint/2010/main" val="2962366682"/>
+        <p14:creationId xmlns:p14="http://schemas.microsoft.com/office/powerpoint/2010/main" val="2433129459"/>
       </p:ext>
     </p:extLst>
   </p:cSld>
@@ -13397,7 +17089,7 @@
     </p:spTree>
     <p:extLst>
       <p:ext uri="{BB962C8B-B14F-4D97-AF65-F5344CB8AC3E}">
-        <p14:creationId xmlns:p14="http://schemas.microsoft.com/office/powerpoint/2010/main" val="2129713537"/>
+        <p14:creationId xmlns:p14="http://schemas.microsoft.com/office/powerpoint/2010/main" val="1979319286"/>
       </p:ext>
     </p:extLst>
   </p:cSld>
@@ -13572,7 +17264,7 @@
     </p:spTree>
     <p:extLst>
       <p:ext uri="{BB962C8B-B14F-4D97-AF65-F5344CB8AC3E}">
-        <p14:creationId xmlns:p14="http://schemas.microsoft.com/office/powerpoint/2010/main" val="1394900471"/>
+        <p14:creationId xmlns:p14="http://schemas.microsoft.com/office/powerpoint/2010/main" val="3707994642"/>
       </p:ext>
     </p:extLst>
   </p:cSld>
@@ -13752,7 +17444,7 @@
     </p:spTree>
     <p:extLst>
       <p:ext uri="{BB962C8B-B14F-4D97-AF65-F5344CB8AC3E}">
-        <p14:creationId xmlns:p14="http://schemas.microsoft.com/office/powerpoint/2010/main" val="1762493593"/>
+        <p14:creationId xmlns:p14="http://schemas.microsoft.com/office/powerpoint/2010/main" val="1858094917"/>
       </p:ext>
     </p:extLst>
   </p:cSld>
@@ -13922,7 +17614,7 @@
     </p:spTree>
     <p:extLst>
       <p:ext uri="{BB962C8B-B14F-4D97-AF65-F5344CB8AC3E}">
-        <p14:creationId xmlns:p14="http://schemas.microsoft.com/office/powerpoint/2010/main" val="43046686"/>
+        <p14:creationId xmlns:p14="http://schemas.microsoft.com/office/powerpoint/2010/main" val="260286872"/>
       </p:ext>
     </p:extLst>
   </p:cSld>
@@ -14180,7 +17872,7 @@
     </p:spTree>
     <p:extLst>
       <p:ext uri="{BB962C8B-B14F-4D97-AF65-F5344CB8AC3E}">
-        <p14:creationId xmlns:p14="http://schemas.microsoft.com/office/powerpoint/2010/main" val="1041037061"/>
+        <p14:creationId xmlns:p14="http://schemas.microsoft.com/office/powerpoint/2010/main" val="3061518034"/>
       </p:ext>
     </p:extLst>
   </p:cSld>
@@ -14471,7 +18163,7 @@
     </p:spTree>
     <p:extLst>
       <p:ext uri="{BB962C8B-B14F-4D97-AF65-F5344CB8AC3E}">
-        <p14:creationId xmlns:p14="http://schemas.microsoft.com/office/powerpoint/2010/main" val="1920278574"/>
+        <p14:creationId xmlns:p14="http://schemas.microsoft.com/office/powerpoint/2010/main" val="1862752145"/>
       </p:ext>
     </p:extLst>
   </p:cSld>
@@ -14900,7 +18592,7 @@
     </p:spTree>
     <p:extLst>
       <p:ext uri="{BB962C8B-B14F-4D97-AF65-F5344CB8AC3E}">
-        <p14:creationId xmlns:p14="http://schemas.microsoft.com/office/powerpoint/2010/main" val="3519238015"/>
+        <p14:creationId xmlns:p14="http://schemas.microsoft.com/office/powerpoint/2010/main" val="1060642949"/>
       </p:ext>
     </p:extLst>
   </p:cSld>
@@ -15019,7 +18711,7 @@
     </p:spTree>
     <p:extLst>
       <p:ext uri="{BB962C8B-B14F-4D97-AF65-F5344CB8AC3E}">
-        <p14:creationId xmlns:p14="http://schemas.microsoft.com/office/powerpoint/2010/main" val="1260047734"/>
+        <p14:creationId xmlns:p14="http://schemas.microsoft.com/office/powerpoint/2010/main" val="3027166911"/>
       </p:ext>
     </p:extLst>
   </p:cSld>
@@ -15116,7 +18808,7 @@
     </p:spTree>
     <p:extLst>
       <p:ext uri="{BB962C8B-B14F-4D97-AF65-F5344CB8AC3E}">
-        <p14:creationId xmlns:p14="http://schemas.microsoft.com/office/powerpoint/2010/main" val="3652648373"/>
+        <p14:creationId xmlns:p14="http://schemas.microsoft.com/office/powerpoint/2010/main" val="1052616834"/>
       </p:ext>
     </p:extLst>
   </p:cSld>
@@ -15399,7 +19091,7 @@
     </p:spTree>
     <p:extLst>
       <p:ext uri="{BB962C8B-B14F-4D97-AF65-F5344CB8AC3E}">
-        <p14:creationId xmlns:p14="http://schemas.microsoft.com/office/powerpoint/2010/main" val="2448154138"/>
+        <p14:creationId xmlns:p14="http://schemas.microsoft.com/office/powerpoint/2010/main" val="1735681972"/>
       </p:ext>
     </p:extLst>
   </p:cSld>
@@ -15697,7 +19389,7 @@
     </p:spTree>
     <p:extLst>
       <p:ext uri="{BB962C8B-B14F-4D97-AF65-F5344CB8AC3E}">
-        <p14:creationId xmlns:p14="http://schemas.microsoft.com/office/powerpoint/2010/main" val="1519156404"/>
+        <p14:creationId xmlns:p14="http://schemas.microsoft.com/office/powerpoint/2010/main" val="828876444"/>
       </p:ext>
     </p:extLst>
   </p:cSld>
@@ -15998,29 +19690,29 @@
     </p:spTree>
     <p:extLst>
       <p:ext uri="{BB962C8B-B14F-4D97-AF65-F5344CB8AC3E}">
-        <p14:creationId xmlns:p14="http://schemas.microsoft.com/office/powerpoint/2010/main" val="3630677190"/>
+        <p14:creationId xmlns:p14="http://schemas.microsoft.com/office/powerpoint/2010/main" val="3018489971"/>
       </p:ext>
     </p:extLst>
   </p:cSld>
   <p:clrMap bg1="dk1" tx1="lt1" bg2="dk2" tx2="lt2" accent1="accent1" accent2="accent2" accent3="accent3" accent4="accent4" accent5="accent5" accent6="accent6" hlink="hlink" folHlink="folHlink"/>
   <p:sldLayoutIdLst>
-    <p:sldLayoutId id="2147483957" r:id="rId1"/>
-    <p:sldLayoutId id="2147483958" r:id="rId2"/>
-    <p:sldLayoutId id="2147483959" r:id="rId3"/>
-    <p:sldLayoutId id="2147483960" r:id="rId4"/>
-    <p:sldLayoutId id="2147483961" r:id="rId5"/>
-    <p:sldLayoutId id="2147483962" r:id="rId6"/>
-    <p:sldLayoutId id="2147483963" r:id="rId7"/>
-    <p:sldLayoutId id="2147483964" r:id="rId8"/>
-    <p:sldLayoutId id="2147483965" r:id="rId9"/>
-    <p:sldLayoutId id="2147483966" r:id="rId10"/>
-    <p:sldLayoutId id="2147483967" r:id="rId11"/>
-    <p:sldLayoutId id="2147483968" r:id="rId12"/>
-    <p:sldLayoutId id="2147483969" r:id="rId13"/>
-    <p:sldLayoutId id="2147483970" r:id="rId14"/>
-    <p:sldLayoutId id="2147483971" r:id="rId15"/>
-    <p:sldLayoutId id="2147483972" r:id="rId16"/>
-    <p:sldLayoutId id="2147483973" r:id="rId17"/>
+    <p:sldLayoutId id="2147484029" r:id="rId1"/>
+    <p:sldLayoutId id="2147484030" r:id="rId2"/>
+    <p:sldLayoutId id="2147484031" r:id="rId3"/>
+    <p:sldLayoutId id="2147484032" r:id="rId4"/>
+    <p:sldLayoutId id="2147484033" r:id="rId5"/>
+    <p:sldLayoutId id="2147484034" r:id="rId6"/>
+    <p:sldLayoutId id="2147484035" r:id="rId7"/>
+    <p:sldLayoutId id="2147484036" r:id="rId8"/>
+    <p:sldLayoutId id="2147484037" r:id="rId9"/>
+    <p:sldLayoutId id="2147484038" r:id="rId10"/>
+    <p:sldLayoutId id="2147484039" r:id="rId11"/>
+    <p:sldLayoutId id="2147484040" r:id="rId12"/>
+    <p:sldLayoutId id="2147484041" r:id="rId13"/>
+    <p:sldLayoutId id="2147484042" r:id="rId14"/>
+    <p:sldLayoutId id="2147484043" r:id="rId15"/>
+    <p:sldLayoutId id="2147484044" r:id="rId16"/>
+    <p:sldLayoutId id="2147484045" r:id="rId17"/>
   </p:sldLayoutIdLst>
   <p:txStyles>
     <p:titleStyle>
@@ -16770,45 +20462,31 @@
           <a:lstStyle/>
           <a:p>
             <a:r>
-              <a:rPr lang="de-DE" dirty="0">
-                <a:latin typeface="Calisto MT"/>
-              </a:rPr>
+              <a:rPr lang="de-DE" dirty="0"/>
               <a:t>A SIMPLE WAY TO </a:t>
             </a:r>
             <a:r>
-              <a:rPr lang="de-DE" sz="2400" dirty="0" err="1">
-                <a:latin typeface="Calisto MT"/>
-              </a:rPr>
+              <a:rPr lang="de-DE" dirty="0" err="1"/>
               <a:t>stay</a:t>
             </a:r>
             <a:r>
-              <a:rPr lang="de-DE" sz="2400" dirty="0">
-                <a:latin typeface="Calisto MT"/>
-              </a:rPr>
+              <a:rPr lang="de-DE" dirty="0"/>
               <a:t> </a:t>
             </a:r>
             <a:r>
-              <a:rPr lang="de-DE" sz="2400" dirty="0" err="1">
-                <a:latin typeface="Calisto MT"/>
-              </a:rPr>
+              <a:rPr lang="de-DE" dirty="0" err="1"/>
               <a:t>up</a:t>
             </a:r>
             <a:r>
-              <a:rPr lang="de-DE" sz="2400" dirty="0">
-                <a:latin typeface="Calisto MT"/>
-              </a:rPr>
+              <a:rPr lang="de-DE" dirty="0"/>
               <a:t> </a:t>
             </a:r>
             <a:r>
-              <a:rPr lang="de-DE" sz="2400" dirty="0" err="1">
-                <a:latin typeface="Calisto MT"/>
-              </a:rPr>
+              <a:rPr lang="de-DE" dirty="0" err="1"/>
               <a:t>to</a:t>
             </a:r>
             <a:r>
-              <a:rPr lang="de-DE" sz="2400" dirty="0">
-                <a:latin typeface="Calisto MT"/>
-              </a:rPr>
+              <a:rPr lang="de-DE" dirty="0"/>
               <a:t> date</a:t>
             </a:r>
           </a:p>
@@ -16896,7 +20574,7 @@
           <a:lstStyle/>
           <a:p>
             <a:r>
-              <a:rPr lang="it-IT">
+              <a:rPr lang="it-IT" dirty="0">
                 <a:latin typeface="Calisto MT"/>
               </a:rPr>
               <a:t>Architecture</a:t>
@@ -16933,7 +20611,7 @@
           <a:lstStyle/>
           <a:p>
             <a:r>
-              <a:rPr lang="en-US" b="1">
+              <a:rPr lang="en-US" b="1" dirty="0">
                 <a:solidFill>
                   <a:srgbClr val="FF0000"/>
                 </a:solidFill>
@@ -16948,12 +20626,12 @@
               <a:t> </a:t>
             </a:r>
             <a:r>
-              <a:rPr lang="en-US">
+              <a:rPr lang="en-US" dirty="0">
                 <a:latin typeface="Calisto MT"/>
               </a:rPr>
               <a:t>external interactions</a:t>
             </a:r>
-            <a:endParaRPr lang="en-US">
+            <a:endParaRPr lang="en-US" dirty="0">
               <a:effectLst>
                 <a:glow rad="38100">
                   <a:prstClr val="black">
@@ -16973,7 +20651,7 @@
           </a:p>
           <a:p>
             <a:r>
-              <a:rPr lang="en-US" b="1">
+              <a:rPr lang="en-US" b="1" dirty="0">
                 <a:solidFill>
                   <a:srgbClr val="00B050"/>
                 </a:solidFill>
@@ -16988,12 +20666,12 @@
               <a:t> </a:t>
             </a:r>
             <a:r>
-              <a:rPr lang="en-US">
+              <a:rPr lang="en-US" dirty="0">
                 <a:latin typeface="Calisto MT"/>
               </a:rPr>
               <a:t>internal restful calls</a:t>
             </a:r>
-            <a:endParaRPr lang="en-US">
+            <a:endParaRPr lang="en-US" dirty="0">
               <a:effectLst>
                 <a:glow rad="38100">
                   <a:prstClr val="black">
@@ -17013,7 +20691,7 @@
           </a:p>
           <a:p>
             <a:r>
-              <a:rPr lang="en-US" b="1">
+              <a:rPr lang="en-US" b="1" dirty="0">
                 <a:solidFill>
                   <a:srgbClr val="F6AFFA"/>
                 </a:solidFill>
@@ -17022,12 +20700,24 @@
               <a:t>Pink  edges:</a:t>
             </a:r>
             <a:r>
-              <a:rPr lang="en-US">
+              <a:rPr lang="en-US" dirty="0">
                 <a:latin typeface="Calisto MT"/>
               </a:rPr>
-              <a:t> internal ampq calls</a:t>
+              <a:t> internal </a:t>
             </a:r>
-            <a:endParaRPr lang="en-US">
+            <a:r>
+              <a:rPr lang="en-US" dirty="0" err="1">
+                <a:latin typeface="Calisto MT"/>
+              </a:rPr>
+              <a:t>ampq</a:t>
+            </a:r>
+            <a:r>
+              <a:rPr lang="en-US" dirty="0">
+                <a:latin typeface="Calisto MT"/>
+              </a:rPr>
+              <a:t> calls</a:t>
+            </a:r>
+            <a:endParaRPr lang="en-US" dirty="0">
               <a:effectLst>
                 <a:glow rad="38100">
                   <a:prstClr val="black">
@@ -17183,233 +20873,12 @@
           <a:lstStyle/>
           <a:p>
             <a:r>
-              <a:rPr lang="it-IT" sz="3100"/>
+              <a:rPr lang="it-IT" sz="2800" dirty="0"/>
               <a:t>Architecture benefits</a:t>
             </a:r>
           </a:p>
         </p:txBody>
       </p:sp>
-      <p:sp>
-        <p:nvSpPr>
-          <p:cNvPr id="10" name="Rectangle 9">
-            <a:extLst>
-              <a:ext uri="{FF2B5EF4-FFF2-40B4-BE49-F238E27FC236}">
-                <a16:creationId xmlns:a16="http://schemas.microsoft.com/office/drawing/2014/main" id="{D0672142-94D6-400E-B188-309B101D8BEB}"/>
-              </a:ext>
-              <a:ext uri="{C183D7F6-B498-43B3-948B-1728B52AA6E4}">
-                <adec:decorative xmlns:adec="http://schemas.microsoft.com/office/drawing/2017/decorative" val="1"/>
-              </a:ext>
-            </a:extLst>
-          </p:cNvPr>
-          <p:cNvSpPr>
-            <a:spLocks noGrp="1" noRot="1" noChangeAspect="1" noMove="1" noResize="1" noEditPoints="1" noAdjustHandles="1" noChangeArrowheads="1" noChangeShapeType="1" noTextEdit="1"/>
-          </p:cNvSpPr>
-          <p:nvPr>
-            <p:extLst>
-              <p:ext uri="{386F3935-93C4-4BCD-93E2-E3B085C9AB24}">
-                <p16:designElem xmlns:p16="http://schemas.microsoft.com/office/powerpoint/2015/main" val="1"/>
-              </p:ext>
-            </p:extLst>
-          </p:nvPr>
-        </p:nvSpPr>
-        <p:spPr>
-          <a:xfrm>
-            <a:off x="0" y="0"/>
-            <a:ext cx="7532169" cy="6858000"/>
-          </a:xfrm>
-          <a:prstGeom prst="rect">
-            <a:avLst/>
-          </a:prstGeom>
-          <a:solidFill>
-            <a:schemeClr val="bg2"/>
-          </a:solidFill>
-          <a:ln>
-            <a:noFill/>
-          </a:ln>
-          <a:effectLst/>
-        </p:spPr>
-        <p:style>
-          <a:lnRef idx="2">
-            <a:schemeClr val="accent1">
-              <a:shade val="50000"/>
-            </a:schemeClr>
-          </a:lnRef>
-          <a:fillRef idx="1">
-            <a:schemeClr val="accent1"/>
-          </a:fillRef>
-          <a:effectRef idx="0">
-            <a:schemeClr val="accent1"/>
-          </a:effectRef>
-          <a:fontRef idx="minor">
-            <a:schemeClr val="lt1"/>
-          </a:fontRef>
-        </p:style>
-        <p:txBody>
-          <a:bodyPr rtlCol="0" anchor="ctr"/>
-          <a:lstStyle/>
-          <a:p>
-            <a:pPr algn="ctr"/>
-            <a:endParaRPr lang="en-US"/>
-          </a:p>
-        </p:txBody>
-      </p:sp>
-      <p:sp>
-        <p:nvSpPr>
-          <p:cNvPr id="12" name="Rectangle 11">
-            <a:extLst>
-              <a:ext uri="{FF2B5EF4-FFF2-40B4-BE49-F238E27FC236}">
-                <a16:creationId xmlns:a16="http://schemas.microsoft.com/office/drawing/2014/main" id="{C127259A-B804-4AD2-9BC6-66F7BB218575}"/>
-              </a:ext>
-              <a:ext uri="{C183D7F6-B498-43B3-948B-1728B52AA6E4}">
-                <adec:decorative xmlns:adec="http://schemas.microsoft.com/office/drawing/2017/decorative" val="1"/>
-              </a:ext>
-            </a:extLst>
-          </p:cNvPr>
-          <p:cNvSpPr>
-            <a:spLocks noGrp="1" noRot="1" noChangeAspect="1" noMove="1" noResize="1" noEditPoints="1" noAdjustHandles="1" noChangeArrowheads="1" noChangeShapeType="1" noTextEdit="1"/>
-          </p:cNvSpPr>
-          <p:nvPr>
-            <p:extLst>
-              <p:ext uri="{386F3935-93C4-4BCD-93E2-E3B085C9AB24}">
-                <p16:designElem xmlns:p16="http://schemas.microsoft.com/office/powerpoint/2015/main" val="1"/>
-              </p:ext>
-            </p:extLst>
-          </p:nvPr>
-        </p:nvSpPr>
-        <p:spPr>
-          <a:xfrm rot="16200000">
-            <a:off x="3908066" y="3195797"/>
-            <a:ext cx="6858000" cy="466406"/>
-          </a:xfrm>
-          <a:prstGeom prst="rect">
-            <a:avLst/>
-          </a:prstGeom>
-          <a:gradFill>
-            <a:gsLst>
-              <a:gs pos="0">
-                <a:srgbClr val="363D46">
-                  <a:alpha val="0"/>
-                </a:srgbClr>
-              </a:gs>
-              <a:gs pos="100000">
-                <a:srgbClr val="363D46">
-                  <a:lumMod val="75000"/>
-                </a:srgbClr>
-              </a:gs>
-            </a:gsLst>
-            <a:lin ang="5400000" scaled="0"/>
-          </a:gradFill>
-          <a:ln>
-            <a:noFill/>
-          </a:ln>
-          <a:effectLst/>
-        </p:spPr>
-        <p:style>
-          <a:lnRef idx="2">
-            <a:schemeClr val="accent1">
-              <a:shade val="50000"/>
-            </a:schemeClr>
-          </a:lnRef>
-          <a:fillRef idx="1">
-            <a:schemeClr val="accent1"/>
-          </a:fillRef>
-          <a:effectRef idx="0">
-            <a:schemeClr val="accent1"/>
-          </a:effectRef>
-          <a:fontRef idx="minor">
-            <a:schemeClr val="lt1"/>
-          </a:fontRef>
-        </p:style>
-        <p:txBody>
-          <a:bodyPr rot="0" spcFirstLastPara="0" vertOverflow="overflow" horzOverflow="overflow" vert="horz" wrap="square" lIns="91440" tIns="45720" rIns="91440" bIns="45720" numCol="1" spcCol="0" rtlCol="0" fromWordArt="0" anchor="ctr" anchorCtr="0" forceAA="0" compatLnSpc="1">
-            <a:prstTxWarp prst="textNoShape">
-              <a:avLst/>
-            </a:prstTxWarp>
-            <a:noAutofit/>
-          </a:bodyPr>
-          <a:lstStyle/>
-          <a:p>
-            <a:pPr algn="ctr"/>
-            <a:endParaRPr lang="en-US"/>
-          </a:p>
-        </p:txBody>
-      </p:sp>
-      <p:cxnSp>
-        <p:nvCxnSpPr>
-          <p:cNvPr id="14" name="Straight Connector 13">
-            <a:extLst>
-              <a:ext uri="{FF2B5EF4-FFF2-40B4-BE49-F238E27FC236}">
-                <a16:creationId xmlns:a16="http://schemas.microsoft.com/office/drawing/2014/main" id="{39B4E8A7-8505-4752-9B81-C739116CE02E}"/>
-              </a:ext>
-              <a:ext uri="{C183D7F6-B498-43B3-948B-1728B52AA6E4}">
-                <adec:decorative xmlns:adec="http://schemas.microsoft.com/office/drawing/2017/decorative" val="1"/>
-              </a:ext>
-            </a:extLst>
-          </p:cNvPr>
-          <p:cNvCxnSpPr>
-            <a:cxnSpLocks noGrp="1" noRot="1" noChangeAspect="1" noMove="1" noResize="1" noEditPoints="1" noAdjustHandles="1" noChangeArrowheads="1" noChangeShapeType="1"/>
-          </p:cNvCxnSpPr>
-          <p:nvPr>
-            <p:extLst>
-              <p:ext uri="{386F3935-93C4-4BCD-93E2-E3B085C9AB24}">
-                <p16:designElem xmlns:p16="http://schemas.microsoft.com/office/powerpoint/2015/main" val="1"/>
-              </p:ext>
-            </p:extLst>
-          </p:nvPr>
-        </p:nvCxnSpPr>
-        <p:spPr>
-          <a:xfrm rot="5400000">
-            <a:off x="4150420" y="3429000"/>
-            <a:ext cx="6858000" cy="0"/>
-          </a:xfrm>
-          <a:prstGeom prst="line">
-            <a:avLst/>
-          </a:prstGeom>
-          <a:solidFill>
-            <a:srgbClr val="FFFFFF"/>
-          </a:solidFill>
-          <a:ln w="38100" cap="flat">
-            <a:gradFill flip="none" rotWithShape="1">
-              <a:gsLst>
-                <a:gs pos="0">
-                  <a:srgbClr val="363D46"/>
-                </a:gs>
-                <a:gs pos="100000">
-                  <a:srgbClr val="363D46">
-                    <a:lumMod val="75000"/>
-                  </a:srgbClr>
-                </a:gs>
-              </a:gsLst>
-              <a:lin ang="5400000" scaled="0"/>
-              <a:tileRect/>
-            </a:gradFill>
-            <a:miter lim="800000"/>
-          </a:ln>
-          <a:effectLst>
-            <a:innerShdw blurRad="57150" dist="38100" dir="14460000">
-              <a:srgbClr val="000000">
-                <a:alpha val="70000"/>
-              </a:srgbClr>
-            </a:innerShdw>
-          </a:effectLst>
-        </p:spPr>
-        <p:style>
-          <a:lnRef idx="2">
-            <a:schemeClr val="accent1">
-              <a:shade val="50000"/>
-            </a:schemeClr>
-          </a:lnRef>
-          <a:fillRef idx="1">
-            <a:schemeClr val="accent1"/>
-          </a:fillRef>
-          <a:effectRef idx="0">
-            <a:schemeClr val="accent1"/>
-          </a:effectRef>
-          <a:fontRef idx="minor">
-            <a:schemeClr val="lt1"/>
-          </a:fontRef>
-        </p:style>
-      </p:cxnSp>
       <p:graphicFrame>
         <p:nvGraphicFramePr>
           <p:cNvPr id="5" name="Segnaposto contenuto 2">
@@ -17494,37 +20963,6 @@
           <a:chExt cx="0" cy="0"/>
         </a:xfrm>
       </p:grpSpPr>
-      <p:graphicFrame>
-        <p:nvGraphicFramePr>
-          <p:cNvPr id="8" name="Segnaposto contenuto 2">
-            <a:extLst>
-              <a:ext uri="{FF2B5EF4-FFF2-40B4-BE49-F238E27FC236}">
-                <a16:creationId xmlns:a16="http://schemas.microsoft.com/office/drawing/2014/main" id="{89AA9214-4A73-4F9F-8773-2A44DA9C35A9}"/>
-              </a:ext>
-            </a:extLst>
-          </p:cNvPr>
-          <p:cNvGraphicFramePr>
-            <a:graphicFrameLocks noGrp="1"/>
-          </p:cNvGraphicFramePr>
-          <p:nvPr>
-            <p:ph idx="1"/>
-            <p:extLst>
-              <p:ext uri="{D42A27DB-BD31-4B8C-83A1-F6EECF244321}">
-                <p14:modId xmlns:p14="http://schemas.microsoft.com/office/powerpoint/2010/main" val="3346205078"/>
-              </p:ext>
-            </p:extLst>
-          </p:nvPr>
-        </p:nvGraphicFramePr>
-        <p:xfrm>
-          <a:off x="745928" y="2301880"/>
-          <a:ext cx="10700144" cy="3678839"/>
-        </p:xfrm>
-        <a:graphic>
-          <a:graphicData uri="http://schemas.openxmlformats.org/drawingml/2006/diagram">
-            <dgm:relIds xmlns:dgm="http://schemas.openxmlformats.org/drawingml/2006/diagram" xmlns:r="http://schemas.openxmlformats.org/officeDocument/2006/relationships" r:dm="rId3" r:lo="rId4" r:qs="rId5" r:cs="rId6"/>
-          </a:graphicData>
-        </a:graphic>
-      </p:graphicFrame>
       <p:sp>
         <p:nvSpPr>
           <p:cNvPr id="125" name="Titolo 1">
@@ -17562,6 +21000,37 @@
           </a:p>
         </p:txBody>
       </p:sp>
+      <p:graphicFrame>
+        <p:nvGraphicFramePr>
+          <p:cNvPr id="8" name="Segnaposto contenuto 2">
+            <a:extLst>
+              <a:ext uri="{FF2B5EF4-FFF2-40B4-BE49-F238E27FC236}">
+                <a16:creationId xmlns:a16="http://schemas.microsoft.com/office/drawing/2014/main" id="{89AA9214-4A73-4F9F-8773-2A44DA9C35A9}"/>
+              </a:ext>
+            </a:extLst>
+          </p:cNvPr>
+          <p:cNvGraphicFramePr>
+            <a:graphicFrameLocks noGrp="1"/>
+          </p:cNvGraphicFramePr>
+          <p:nvPr>
+            <p:ph idx="1"/>
+            <p:extLst>
+              <p:ext uri="{D42A27DB-BD31-4B8C-83A1-F6EECF244321}">
+                <p14:modId xmlns:p14="http://schemas.microsoft.com/office/powerpoint/2010/main" val="3346205078"/>
+              </p:ext>
+            </p:extLst>
+          </p:nvPr>
+        </p:nvGraphicFramePr>
+        <p:xfrm>
+          <a:off x="745928" y="2301880"/>
+          <a:ext cx="10700144" cy="3678839"/>
+        </p:xfrm>
+        <a:graphic>
+          <a:graphicData uri="http://schemas.openxmlformats.org/drawingml/2006/diagram">
+            <dgm:relIds xmlns:dgm="http://schemas.openxmlformats.org/drawingml/2006/diagram" xmlns:r="http://schemas.openxmlformats.org/officeDocument/2006/relationships" r:dm="rId3" r:lo="rId4" r:qs="rId5" r:cs="rId6"/>
+          </a:graphicData>
+        </a:graphic>
+      </p:graphicFrame>
     </p:spTree>
     <p:extLst>
       <p:ext uri="{BB962C8B-B14F-4D97-AF65-F5344CB8AC3E}">
@@ -17666,233 +21135,6 @@
           </a:p>
         </p:txBody>
       </p:sp>
-      <p:sp>
-        <p:nvSpPr>
-          <p:cNvPr id="9" name="Rectangle 8">
-            <a:extLst>
-              <a:ext uri="{FF2B5EF4-FFF2-40B4-BE49-F238E27FC236}">
-                <a16:creationId xmlns:a16="http://schemas.microsoft.com/office/drawing/2014/main" id="{7E475056-B0EB-44BE-8568-61ABEFB2E99D}"/>
-              </a:ext>
-              <a:ext uri="{C183D7F6-B498-43B3-948B-1728B52AA6E4}">
-                <adec:decorative xmlns:adec="http://schemas.microsoft.com/office/drawing/2017/decorative" val="1"/>
-              </a:ext>
-            </a:extLst>
-          </p:cNvPr>
-          <p:cNvSpPr>
-            <a:spLocks noGrp="1" noRot="1" noChangeAspect="1" noMove="1" noResize="1" noEditPoints="1" noAdjustHandles="1" noChangeArrowheads="1" noChangeShapeType="1" noTextEdit="1"/>
-          </p:cNvSpPr>
-          <p:nvPr>
-            <p:extLst>
-              <p:ext uri="{386F3935-93C4-4BCD-93E2-E3B085C9AB24}">
-                <p16:designElem xmlns:p16="http://schemas.microsoft.com/office/powerpoint/2015/main" val="1"/>
-              </p:ext>
-            </p:extLst>
-          </p:nvPr>
-        </p:nvSpPr>
-        <p:spPr>
-          <a:xfrm>
-            <a:off x="4059934" y="0"/>
-            <a:ext cx="8132066" cy="6858000"/>
-          </a:xfrm>
-          <a:prstGeom prst="rect">
-            <a:avLst/>
-          </a:prstGeom>
-          <a:solidFill>
-            <a:schemeClr val="bg2"/>
-          </a:solidFill>
-          <a:ln>
-            <a:noFill/>
-          </a:ln>
-          <a:effectLst>
-            <a:innerShdw blurRad="63500" dist="50800" dir="10800000">
-              <a:prstClr val="black">
-                <a:alpha val="50000"/>
-              </a:prstClr>
-            </a:innerShdw>
-          </a:effectLst>
-        </p:spPr>
-        <p:style>
-          <a:lnRef idx="2">
-            <a:schemeClr val="accent1">
-              <a:shade val="50000"/>
-            </a:schemeClr>
-          </a:lnRef>
-          <a:fillRef idx="1">
-            <a:schemeClr val="accent1"/>
-          </a:fillRef>
-          <a:effectRef idx="0">
-            <a:schemeClr val="accent1"/>
-          </a:effectRef>
-          <a:fontRef idx="minor">
-            <a:schemeClr val="lt1"/>
-          </a:fontRef>
-        </p:style>
-        <p:txBody>
-          <a:bodyPr rtlCol="0" anchor="ctr"/>
-          <a:lstStyle/>
-          <a:p>
-            <a:pPr algn="ctr"/>
-            <a:endParaRPr lang="en-US"/>
-          </a:p>
-        </p:txBody>
-      </p:sp>
-      <p:cxnSp>
-        <p:nvCxnSpPr>
-          <p:cNvPr id="11" name="Straight Connector 10">
-            <a:extLst>
-              <a:ext uri="{FF2B5EF4-FFF2-40B4-BE49-F238E27FC236}">
-                <a16:creationId xmlns:a16="http://schemas.microsoft.com/office/drawing/2014/main" id="{F2C8E2EC-73A4-48C2-B4D7-D7726BD908EE}"/>
-              </a:ext>
-              <a:ext uri="{C183D7F6-B498-43B3-948B-1728B52AA6E4}">
-                <adec:decorative xmlns:adec="http://schemas.microsoft.com/office/drawing/2017/decorative" val="1"/>
-              </a:ext>
-            </a:extLst>
-          </p:cNvPr>
-          <p:cNvCxnSpPr>
-            <a:cxnSpLocks noGrp="1" noRot="1" noChangeAspect="1" noMove="1" noResize="1" noEditPoints="1" noAdjustHandles="1" noChangeArrowheads="1" noChangeShapeType="1"/>
-          </p:cNvCxnSpPr>
-          <p:nvPr>
-            <p:extLst>
-              <p:ext uri="{386F3935-93C4-4BCD-93E2-E3B085C9AB24}">
-                <p16:designElem xmlns:p16="http://schemas.microsoft.com/office/powerpoint/2015/main" val="1"/>
-              </p:ext>
-            </p:extLst>
-          </p:nvPr>
-        </p:nvCxnSpPr>
-        <p:spPr>
-          <a:xfrm>
-            <a:off x="4069971" y="0"/>
-            <a:ext cx="0" cy="6858000"/>
-          </a:xfrm>
-          <a:prstGeom prst="line">
-            <a:avLst/>
-          </a:prstGeom>
-          <a:solidFill>
-            <a:srgbClr val="FFFFFF"/>
-          </a:solidFill>
-          <a:ln w="38100" cap="flat">
-            <a:gradFill flip="none" rotWithShape="1">
-              <a:gsLst>
-                <a:gs pos="0">
-                  <a:srgbClr val="363D46"/>
-                </a:gs>
-                <a:gs pos="100000">
-                  <a:srgbClr val="363D46">
-                    <a:lumMod val="75000"/>
-                  </a:srgbClr>
-                </a:gs>
-              </a:gsLst>
-              <a:lin ang="5400000" scaled="0"/>
-              <a:tileRect/>
-            </a:gradFill>
-            <a:miter lim="800000"/>
-          </a:ln>
-          <a:effectLst>
-            <a:innerShdw blurRad="57150" dist="38100" dir="14460000">
-              <a:srgbClr val="000000">
-                <a:alpha val="70000"/>
-              </a:srgbClr>
-            </a:innerShdw>
-          </a:effectLst>
-        </p:spPr>
-        <p:style>
-          <a:lnRef idx="2">
-            <a:schemeClr val="accent1">
-              <a:shade val="50000"/>
-            </a:schemeClr>
-          </a:lnRef>
-          <a:fillRef idx="1">
-            <a:schemeClr val="accent1"/>
-          </a:fillRef>
-          <a:effectRef idx="0">
-            <a:schemeClr val="accent1"/>
-          </a:effectRef>
-          <a:fontRef idx="minor">
-            <a:schemeClr val="lt1"/>
-          </a:fontRef>
-        </p:style>
-      </p:cxnSp>
-      <p:sp>
-        <p:nvSpPr>
-          <p:cNvPr id="13" name="Rectangle 12">
-            <a:extLst>
-              <a:ext uri="{FF2B5EF4-FFF2-40B4-BE49-F238E27FC236}">
-                <a16:creationId xmlns:a16="http://schemas.microsoft.com/office/drawing/2014/main" id="{E82ABBDC-7A44-4AE8-A04F-B5495481B9F2}"/>
-              </a:ext>
-              <a:ext uri="{C183D7F6-B498-43B3-948B-1728B52AA6E4}">
-                <adec:decorative xmlns:adec="http://schemas.microsoft.com/office/drawing/2017/decorative" val="1"/>
-              </a:ext>
-            </a:extLst>
-          </p:cNvPr>
-          <p:cNvSpPr>
-            <a:spLocks noGrp="1" noRot="1" noChangeAspect="1" noMove="1" noResize="1" noEditPoints="1" noAdjustHandles="1" noChangeArrowheads="1" noChangeShapeType="1" noTextEdit="1"/>
-          </p:cNvSpPr>
-          <p:nvPr>
-            <p:extLst>
-              <p:ext uri="{386F3935-93C4-4BCD-93E2-E3B085C9AB24}">
-                <p16:designElem xmlns:p16="http://schemas.microsoft.com/office/powerpoint/2015/main" val="1"/>
-              </p:ext>
-            </p:extLst>
-          </p:nvPr>
-        </p:nvSpPr>
-        <p:spPr>
-          <a:xfrm rot="5400000" flipH="1">
-            <a:off x="894952" y="3195797"/>
-            <a:ext cx="6858000" cy="466406"/>
-          </a:xfrm>
-          <a:prstGeom prst="rect">
-            <a:avLst/>
-          </a:prstGeom>
-          <a:gradFill>
-            <a:gsLst>
-              <a:gs pos="0">
-                <a:srgbClr val="363D46">
-                  <a:alpha val="0"/>
-                </a:srgbClr>
-              </a:gs>
-              <a:gs pos="100000">
-                <a:srgbClr val="363D46">
-                  <a:lumMod val="75000"/>
-                </a:srgbClr>
-              </a:gs>
-            </a:gsLst>
-            <a:lin ang="5400000" scaled="0"/>
-          </a:gradFill>
-          <a:ln>
-            <a:noFill/>
-          </a:ln>
-          <a:effectLst/>
-        </p:spPr>
-        <p:style>
-          <a:lnRef idx="2">
-            <a:schemeClr val="accent1">
-              <a:shade val="50000"/>
-            </a:schemeClr>
-          </a:lnRef>
-          <a:fillRef idx="1">
-            <a:schemeClr val="accent1"/>
-          </a:fillRef>
-          <a:effectRef idx="0">
-            <a:schemeClr val="accent1"/>
-          </a:effectRef>
-          <a:fontRef idx="minor">
-            <a:schemeClr val="lt1"/>
-          </a:fontRef>
-        </p:style>
-        <p:txBody>
-          <a:bodyPr rot="0" spcFirstLastPara="0" vertOverflow="overflow" horzOverflow="overflow" vert="horz" wrap="square" lIns="91440" tIns="45720" rIns="91440" bIns="45720" numCol="1" spcCol="0" rtlCol="0" fromWordArt="0" anchor="ctr" anchorCtr="0" forceAA="0" compatLnSpc="1">
-            <a:prstTxWarp prst="textNoShape">
-              <a:avLst/>
-            </a:prstTxWarp>
-            <a:noAutofit/>
-          </a:bodyPr>
-          <a:lstStyle/>
-          <a:p>
-            <a:pPr algn="ctr"/>
-            <a:endParaRPr lang="en-US"/>
-          </a:p>
-        </p:txBody>
-      </p:sp>
       <p:graphicFrame>
         <p:nvGraphicFramePr>
           <p:cNvPr id="5" name="Segnaposto contenuto 2">
@@ -17928,6 +21170,141 @@
     <p:extLst>
       <p:ext uri="{BB962C8B-B14F-4D97-AF65-F5344CB8AC3E}">
         <p14:creationId xmlns:p14="http://schemas.microsoft.com/office/powerpoint/2010/main" val="3261805418"/>
+      </p:ext>
+    </p:extLst>
+  </p:cSld>
+  <p:clrMapOvr>
+    <a:masterClrMapping/>
+  </p:clrMapOvr>
+</p:sld>
+</file>
+
+<file path=ppt/slides/slide6.xml><?xml version="1.0" encoding="utf-8"?>
+<p:sld xmlns:a="http://schemas.openxmlformats.org/drawingml/2006/main" xmlns:r="http://schemas.openxmlformats.org/officeDocument/2006/relationships" xmlns:p="http://schemas.openxmlformats.org/presentationml/2006/main">
+  <p:cSld>
+    <p:bg>
+      <p:bgPr>
+        <a:blipFill rotWithShape="1">
+          <a:blip r:embed="rId2">
+            <a:duotone>
+              <a:schemeClr val="bg2">
+                <a:shade val="28000"/>
+                <a:satMod val="94000"/>
+                <a:lumMod val="20000"/>
+              </a:schemeClr>
+              <a:schemeClr val="bg2">
+                <a:tint val="94000"/>
+                <a:shade val="84000"/>
+                <a:satMod val="148000"/>
+                <a:lumMod val="114000"/>
+              </a:schemeClr>
+            </a:duotone>
+          </a:blip>
+          <a:stretch/>
+        </a:blipFill>
+        <a:effectLst/>
+      </p:bgPr>
+    </p:bg>
+    <p:spTree>
+      <p:nvGrpSpPr>
+        <p:cNvPr id="1" name=""/>
+        <p:cNvGrpSpPr/>
+        <p:nvPr/>
+      </p:nvGrpSpPr>
+      <p:grpSpPr>
+        <a:xfrm>
+          <a:off x="0" y="0"/>
+          <a:ext cx="0" cy="0"/>
+          <a:chOff x="0" y="0"/>
+          <a:chExt cx="0" cy="0"/>
+        </a:xfrm>
+      </p:grpSpPr>
+      <p:sp>
+        <p:nvSpPr>
+          <p:cNvPr id="2" name="Titolo 1">
+            <a:extLst>
+              <a:ext uri="{FF2B5EF4-FFF2-40B4-BE49-F238E27FC236}">
+                <a16:creationId xmlns:a16="http://schemas.microsoft.com/office/drawing/2014/main" id="{1ACF3FD1-380C-40D3-98F0-66CD5618E428}"/>
+              </a:ext>
+            </a:extLst>
+          </p:cNvPr>
+          <p:cNvSpPr>
+            <a:spLocks noGrp="1"/>
+          </p:cNvSpPr>
+          <p:nvPr>
+            <p:ph type="title"/>
+          </p:nvPr>
+        </p:nvSpPr>
+        <p:spPr>
+          <a:xfrm>
+            <a:off x="669851" y="1430179"/>
+            <a:ext cx="3029313" cy="3675908"/>
+          </a:xfrm>
+        </p:spPr>
+        <p:txBody>
+          <a:bodyPr anchor="ctr">
+            <a:normAutofit/>
+          </a:bodyPr>
+          <a:lstStyle/>
+          <a:p>
+            <a:r>
+              <a:rPr lang="it-IT" sz="4000" dirty="0">
+                <a:effectLst>
+                  <a:glow rad="38100">
+                    <a:prstClr val="black">
+                      <a:lumMod val="65000"/>
+                      <a:lumOff val="35000"/>
+                      <a:alpha val="40000"/>
+                    </a:prstClr>
+                  </a:glow>
+                  <a:outerShdw blurRad="28575" dist="38100" dir="14040000" algn="tl" rotWithShape="0">
+                    <a:srgbClr val="000000">
+                      <a:alpha val="25000"/>
+                    </a:srgbClr>
+                  </a:outerShdw>
+                </a:effectLst>
+              </a:rPr>
+              <a:t>MODULES</a:t>
+            </a:r>
+            <a:endParaRPr lang="it-IT" sz="4000" dirty="0"/>
+          </a:p>
+        </p:txBody>
+      </p:sp>
+      <p:graphicFrame>
+        <p:nvGraphicFramePr>
+          <p:cNvPr id="5" name="Segnaposto contenuto 2">
+            <a:extLst>
+              <a:ext uri="{FF2B5EF4-FFF2-40B4-BE49-F238E27FC236}">
+                <a16:creationId xmlns:a16="http://schemas.microsoft.com/office/drawing/2014/main" id="{66339FD8-59E5-4690-A3E2-7D889844B1BA}"/>
+              </a:ext>
+            </a:extLst>
+          </p:cNvPr>
+          <p:cNvGraphicFramePr>
+            <a:graphicFrameLocks noGrp="1"/>
+          </p:cNvGraphicFramePr>
+          <p:nvPr>
+            <p:ph idx="1"/>
+            <p:extLst>
+              <p:ext uri="{D42A27DB-BD31-4B8C-83A1-F6EECF244321}">
+                <p14:modId xmlns:p14="http://schemas.microsoft.com/office/powerpoint/2010/main" val="1931034574"/>
+              </p:ext>
+            </p:extLst>
+          </p:nvPr>
+        </p:nvGraphicFramePr>
+        <p:xfrm>
+          <a:off x="5426082" y="1104590"/>
+          <a:ext cx="5590792" cy="4317793"/>
+        </p:xfrm>
+        <a:graphic>
+          <a:graphicData uri="http://schemas.openxmlformats.org/drawingml/2006/diagram">
+            <dgm:relIds xmlns:dgm="http://schemas.openxmlformats.org/drawingml/2006/diagram" xmlns:r="http://schemas.openxmlformats.org/officeDocument/2006/relationships" r:dm="rId3" r:lo="rId4" r:qs="rId5" r:cs="rId6"/>
+          </a:graphicData>
+        </a:graphic>
+      </p:graphicFrame>
+    </p:spTree>
+    <p:extLst>
+      <p:ext uri="{BB962C8B-B14F-4D97-AF65-F5344CB8AC3E}">
+        <p14:creationId xmlns:p14="http://schemas.microsoft.com/office/powerpoint/2010/main" val="2159328481"/>
       </p:ext>
     </p:extLst>
   </p:cSld>

--- a/slide/slide.pptx
+++ b/slide/slide.pptx
@@ -6,11 +6,12 @@
   </p:sldMasterIdLst>
   <p:sldIdLst>
     <p:sldId id="256" r:id="rId2"/>
-    <p:sldId id="258" r:id="rId3"/>
-    <p:sldId id="262" r:id="rId4"/>
-    <p:sldId id="264" r:id="rId5"/>
-    <p:sldId id="265" r:id="rId6"/>
-    <p:sldId id="267" r:id="rId7"/>
+    <p:sldId id="268" r:id="rId3"/>
+    <p:sldId id="258" r:id="rId4"/>
+    <p:sldId id="262" r:id="rId5"/>
+    <p:sldId id="264" r:id="rId6"/>
+    <p:sldId id="265" r:id="rId7"/>
+    <p:sldId id="267" r:id="rId8"/>
   </p:sldIdLst>
   <p:sldSz cx="12192000" cy="6858000"/>
   <p:notesSz cx="6858000" cy="9144000"/>
@@ -124,6 +125,7 @@
     <p1510:client id="{699DB205-EB8A-136E-E5FF-58677CB1B8DF}" v="36" dt="2020-07-08T23:41:10.743"/>
     <p1510:client id="{79E7E8E8-2BA5-4F8F-AFAC-124CCD7881DD}" v="509" dt="2020-07-08T23:35:14.386"/>
     <p1510:client id="{8F685B6C-5D67-4510-A05E-253031FD47B7}" v="22" dt="2020-07-08T17:44:29.884"/>
+    <p1510:client id="{F6639580-AA83-5582-4CC1-3F32BBB16F1C}" v="242" dt="2020-07-11T14:17:09.794"/>
   </p1510:revLst>
 </p1510:revInfo>
 </file>
@@ -14928,7 +14930,7 @@
             <a:fld id="{B61BEF0D-F0BB-DE4B-95CE-6DB70DBA9567}" type="datetimeFigureOut">
               <a:rPr lang="en-US" dirty="0"/>
               <a:pPr/>
-              <a:t>7/8/2020</a:t>
+              <a:t>7/11/2020</a:t>
             </a:fld>
             <a:endParaRPr lang="en-US" dirty="0"/>
           </a:p>
@@ -15216,7 +15218,7 @@
             <a:fld id="{B61BEF0D-F0BB-DE4B-95CE-6DB70DBA9567}" type="datetimeFigureOut">
               <a:rPr lang="en-US" dirty="0"/>
               <a:pPr/>
-              <a:t>7/8/2020</a:t>
+              <a:t>7/11/2020</a:t>
             </a:fld>
             <a:endParaRPr lang="en-US" dirty="0"/>
           </a:p>
@@ -15476,7 +15478,7 @@
             <a:fld id="{B61BEF0D-F0BB-DE4B-95CE-6DB70DBA9567}" type="datetimeFigureOut">
               <a:rPr lang="en-US" dirty="0"/>
               <a:pPr/>
-              <a:t>7/8/2020</a:t>
+              <a:t>7/11/2020</a:t>
             </a:fld>
             <a:endParaRPr lang="en-US" dirty="0"/>
           </a:p>
@@ -15946,7 +15948,7 @@
             <a:fld id="{B61BEF0D-F0BB-DE4B-95CE-6DB70DBA9567}" type="datetimeFigureOut">
               <a:rPr lang="en-US" dirty="0"/>
               <a:pPr/>
-              <a:t>7/8/2020</a:t>
+              <a:t>7/11/2020</a:t>
             </a:fld>
             <a:endParaRPr lang="en-US" dirty="0"/>
           </a:p>
@@ -16127,7 +16129,7 @@
             <a:fld id="{B61BEF0D-F0BB-DE4B-95CE-6DB70DBA9567}" type="datetimeFigureOut">
               <a:rPr lang="en-US" dirty="0"/>
               <a:pPr/>
-              <a:t>7/8/2020</a:t>
+              <a:t>7/11/2020</a:t>
             </a:fld>
             <a:endParaRPr lang="en-US" dirty="0"/>
           </a:p>
@@ -16704,7 +16706,7 @@
             <a:fld id="{B61BEF0D-F0BB-DE4B-95CE-6DB70DBA9567}" type="datetimeFigureOut">
               <a:rPr lang="en-US" dirty="0"/>
               <a:pPr/>
-              <a:t>7/8/2020</a:t>
+              <a:t>7/11/2020</a:t>
             </a:fld>
             <a:endParaRPr lang="en-US" dirty="0"/>
           </a:p>
@@ -17037,7 +17039,7 @@
             <a:fld id="{B61BEF0D-F0BB-DE4B-95CE-6DB70DBA9567}" type="datetimeFigureOut">
               <a:rPr lang="en-US" dirty="0"/>
               <a:pPr/>
-              <a:t>7/8/2020</a:t>
+              <a:t>7/11/2020</a:t>
             </a:fld>
             <a:endParaRPr lang="en-US" dirty="0"/>
           </a:p>
@@ -17212,7 +17214,7 @@
             <a:fld id="{B61BEF0D-F0BB-DE4B-95CE-6DB70DBA9567}" type="datetimeFigureOut">
               <a:rPr lang="en-US" dirty="0"/>
               <a:pPr/>
-              <a:t>7/8/2020</a:t>
+              <a:t>7/11/2020</a:t>
             </a:fld>
             <a:endParaRPr lang="en-US" dirty="0"/>
           </a:p>
@@ -17392,7 +17394,7 @@
             <a:fld id="{B61BEF0D-F0BB-DE4B-95CE-6DB70DBA9567}" type="datetimeFigureOut">
               <a:rPr lang="en-US" dirty="0"/>
               <a:pPr/>
-              <a:t>7/8/2020</a:t>
+              <a:t>7/11/2020</a:t>
             </a:fld>
             <a:endParaRPr lang="en-US" dirty="0"/>
           </a:p>
@@ -17562,7 +17564,7 @@
             <a:fld id="{B61BEF0D-F0BB-DE4B-95CE-6DB70DBA9567}" type="datetimeFigureOut">
               <a:rPr lang="en-US" dirty="0"/>
               <a:pPr/>
-              <a:t>7/8/2020</a:t>
+              <a:t>7/11/2020</a:t>
             </a:fld>
             <a:endParaRPr lang="en-US" dirty="0"/>
           </a:p>
@@ -17820,7 +17822,7 @@
             <a:fld id="{B61BEF0D-F0BB-DE4B-95CE-6DB70DBA9567}" type="datetimeFigureOut">
               <a:rPr lang="en-US" dirty="0"/>
               <a:pPr/>
-              <a:t>7/8/2020</a:t>
+              <a:t>7/11/2020</a:t>
             </a:fld>
             <a:endParaRPr lang="en-US" dirty="0"/>
           </a:p>
@@ -18111,7 +18113,7 @@
             <a:fld id="{B61BEF0D-F0BB-DE4B-95CE-6DB70DBA9567}" type="datetimeFigureOut">
               <a:rPr lang="en-US" dirty="0"/>
               <a:pPr/>
-              <a:t>7/8/2020</a:t>
+              <a:t>7/11/2020</a:t>
             </a:fld>
             <a:endParaRPr lang="en-US" dirty="0"/>
           </a:p>
@@ -18540,7 +18542,7 @@
             <a:fld id="{B61BEF0D-F0BB-DE4B-95CE-6DB70DBA9567}" type="datetimeFigureOut">
               <a:rPr lang="en-US" dirty="0"/>
               <a:pPr/>
-              <a:t>7/8/2020</a:t>
+              <a:t>7/11/2020</a:t>
             </a:fld>
             <a:endParaRPr lang="en-US" dirty="0"/>
           </a:p>
@@ -18659,7 +18661,7 @@
             <a:fld id="{B61BEF0D-F0BB-DE4B-95CE-6DB70DBA9567}" type="datetimeFigureOut">
               <a:rPr lang="en-US" dirty="0"/>
               <a:pPr/>
-              <a:t>7/8/2020</a:t>
+              <a:t>7/11/2020</a:t>
             </a:fld>
             <a:endParaRPr lang="en-US" dirty="0"/>
           </a:p>
@@ -18756,7 +18758,7 @@
             <a:fld id="{B61BEF0D-F0BB-DE4B-95CE-6DB70DBA9567}" type="datetimeFigureOut">
               <a:rPr lang="en-US" dirty="0"/>
               <a:pPr/>
-              <a:t>7/8/2020</a:t>
+              <a:t>7/11/2020</a:t>
             </a:fld>
             <a:endParaRPr lang="en-US" dirty="0"/>
           </a:p>
@@ -19039,7 +19041,7 @@
             <a:fld id="{B61BEF0D-F0BB-DE4B-95CE-6DB70DBA9567}" type="datetimeFigureOut">
               <a:rPr lang="en-US" dirty="0"/>
               <a:pPr/>
-              <a:t>7/8/2020</a:t>
+              <a:t>7/11/2020</a:t>
             </a:fld>
             <a:endParaRPr lang="en-US" dirty="0"/>
           </a:p>
@@ -19327,7 +19329,7 @@
             <a:fld id="{B61BEF0D-F0BB-DE4B-95CE-6DB70DBA9567}" type="datetimeFigureOut">
               <a:rPr lang="en-US" dirty="0"/>
               <a:pPr/>
-              <a:t>7/8/2020</a:t>
+              <a:t>7/11/2020</a:t>
             </a:fld>
             <a:endParaRPr lang="en-US" dirty="0"/>
           </a:p>
@@ -19586,7 +19588,7 @@
             <a:fld id="{B61BEF0D-F0BB-DE4B-95CE-6DB70DBA9567}" type="datetimeFigureOut">
               <a:rPr lang="en-US" dirty="0"/>
               <a:pPr/>
-              <a:t>7/8/2020</a:t>
+              <a:t>7/11/2020</a:t>
             </a:fld>
             <a:endParaRPr lang="en-US" dirty="0"/>
           </a:p>
@@ -20547,6 +20549,1321 @@
       </p:grpSpPr>
       <p:sp>
         <p:nvSpPr>
+          <p:cNvPr id="13" name="Rectangle 7">
+            <a:extLst>
+              <a:ext uri="{FF2B5EF4-FFF2-40B4-BE49-F238E27FC236}">
+                <a16:creationId xmlns:a16="http://schemas.microsoft.com/office/drawing/2014/main" id="{5BBD3ED2-B0E6-45A2-ABD5-ECF31BC37C2E}"/>
+              </a:ext>
+              <a:ext uri="{C183D7F6-B498-43B3-948B-1728B52AA6E4}">
+                <adec:decorative xmlns:adec="http://schemas.microsoft.com/office/drawing/2017/decorative" val="1"/>
+              </a:ext>
+            </a:extLst>
+          </p:cNvPr>
+          <p:cNvSpPr>
+            <a:spLocks noGrp="1" noRot="1" noChangeAspect="1" noMove="1" noResize="1" noEditPoints="1" noAdjustHandles="1" noChangeArrowheads="1" noChangeShapeType="1" noTextEdit="1"/>
+          </p:cNvSpPr>
+          <p:nvPr>
+            <p:extLst>
+              <p:ext uri="{386F3935-93C4-4BCD-93E2-E3B085C9AB24}">
+                <p16:designElem xmlns:p16="http://schemas.microsoft.com/office/powerpoint/2015/main" val="1"/>
+              </p:ext>
+            </p:extLst>
+          </p:nvPr>
+        </p:nvSpPr>
+        <p:spPr>
+          <a:xfrm>
+            <a:off x="0" y="0"/>
+            <a:ext cx="12192000" cy="6858000"/>
+          </a:xfrm>
+          <a:prstGeom prst="rect">
+            <a:avLst/>
+          </a:prstGeom>
+          <a:solidFill>
+            <a:schemeClr val="bg2"/>
+          </a:solidFill>
+          <a:ln>
+            <a:noFill/>
+          </a:ln>
+        </p:spPr>
+        <p:style>
+          <a:lnRef idx="2">
+            <a:schemeClr val="accent1">
+              <a:shade val="50000"/>
+            </a:schemeClr>
+          </a:lnRef>
+          <a:fillRef idx="1">
+            <a:schemeClr val="accent1"/>
+          </a:fillRef>
+          <a:effectRef idx="0">
+            <a:schemeClr val="accent1"/>
+          </a:effectRef>
+          <a:fontRef idx="minor">
+            <a:schemeClr val="lt1"/>
+          </a:fontRef>
+        </p:style>
+        <p:txBody>
+          <a:bodyPr rtlCol="0" anchor="ctr"/>
+          <a:lstStyle/>
+          <a:p>
+            <a:pPr algn="ctr"/>
+            <a:endParaRPr lang="en-US"/>
+          </a:p>
+        </p:txBody>
+      </p:sp>
+      <p:sp>
+        <p:nvSpPr>
+          <p:cNvPr id="14" name="Rectangle 9">
+            <a:extLst>
+              <a:ext uri="{FF2B5EF4-FFF2-40B4-BE49-F238E27FC236}">
+                <a16:creationId xmlns:a16="http://schemas.microsoft.com/office/drawing/2014/main" id="{F2D2D1E8-4ABF-4B6B-B39D-40B080B61E49}"/>
+              </a:ext>
+              <a:ext uri="{C183D7F6-B498-43B3-948B-1728B52AA6E4}">
+                <adec:decorative xmlns:adec="http://schemas.microsoft.com/office/drawing/2017/decorative" val="1"/>
+              </a:ext>
+            </a:extLst>
+          </p:cNvPr>
+          <p:cNvSpPr>
+            <a:spLocks noGrp="1" noRot="1" noChangeAspect="1" noMove="1" noResize="1" noEditPoints="1" noAdjustHandles="1" noChangeArrowheads="1" noChangeShapeType="1" noTextEdit="1"/>
+          </p:cNvSpPr>
+          <p:nvPr>
+            <p:extLst>
+              <p:ext uri="{386F3935-93C4-4BCD-93E2-E3B085C9AB24}">
+                <p16:designElem xmlns:p16="http://schemas.microsoft.com/office/powerpoint/2015/main" val="1"/>
+              </p:ext>
+            </p:extLst>
+          </p:nvPr>
+        </p:nvSpPr>
+        <p:spPr>
+          <a:xfrm>
+            <a:off x="763160" y="0"/>
+            <a:ext cx="9369421" cy="6857999"/>
+          </a:xfrm>
+          <a:prstGeom prst="rect">
+            <a:avLst/>
+          </a:prstGeom>
+          <a:gradFill flip="none" rotWithShape="1">
+            <a:gsLst>
+              <a:gs pos="10000">
+                <a:schemeClr val="bg2">
+                  <a:lumMod val="60000"/>
+                  <a:lumOff val="40000"/>
+                  <a:alpha val="40000"/>
+                </a:schemeClr>
+              </a:gs>
+              <a:gs pos="70000">
+                <a:schemeClr val="bg2">
+                  <a:alpha val="0"/>
+                </a:schemeClr>
+              </a:gs>
+              <a:gs pos="0">
+                <a:schemeClr val="bg2">
+                  <a:lumMod val="40000"/>
+                  <a:lumOff val="60000"/>
+                  <a:alpha val="50000"/>
+                </a:schemeClr>
+              </a:gs>
+            </a:gsLst>
+            <a:path path="circle">
+              <a:fillToRect l="50000" t="50000" r="50000" b="50000"/>
+            </a:path>
+            <a:tileRect/>
+          </a:gradFill>
+          <a:ln>
+            <a:noFill/>
+          </a:ln>
+        </p:spPr>
+        <p:style>
+          <a:lnRef idx="2">
+            <a:schemeClr val="accent1">
+              <a:shade val="50000"/>
+            </a:schemeClr>
+          </a:lnRef>
+          <a:fillRef idx="1">
+            <a:schemeClr val="accent1"/>
+          </a:fillRef>
+          <a:effectRef idx="0">
+            <a:schemeClr val="accent1"/>
+          </a:effectRef>
+          <a:fontRef idx="minor">
+            <a:schemeClr val="lt1"/>
+          </a:fontRef>
+        </p:style>
+        <p:txBody>
+          <a:bodyPr rtlCol="0" anchor="ctr"/>
+          <a:lstStyle/>
+          <a:p>
+            <a:pPr algn="ctr"/>
+            <a:endParaRPr lang="en-US"/>
+          </a:p>
+        </p:txBody>
+      </p:sp>
+      <p:sp useBgFill="1">
+        <p:nvSpPr>
+          <p:cNvPr id="15" name="Freeform: Shape 11">
+            <a:extLst>
+              <a:ext uri="{FF2B5EF4-FFF2-40B4-BE49-F238E27FC236}">
+                <a16:creationId xmlns:a16="http://schemas.microsoft.com/office/drawing/2014/main" id="{BC7AB4B5-66A5-48D1-BD88-C60A16ED971B}"/>
+              </a:ext>
+              <a:ext uri="{C183D7F6-B498-43B3-948B-1728B52AA6E4}">
+                <adec:decorative xmlns:adec="http://schemas.microsoft.com/office/drawing/2017/decorative" val="1"/>
+              </a:ext>
+            </a:extLst>
+          </p:cNvPr>
+          <p:cNvSpPr>
+            <a:spLocks noGrp="1" noRot="1" noChangeAspect="1" noMove="1" noResize="1" noEditPoints="1" noAdjustHandles="1" noChangeArrowheads="1" noChangeShapeType="1" noTextEdit="1"/>
+          </p:cNvSpPr>
+          <p:nvPr>
+            <p:extLst>
+              <p:ext uri="{386F3935-93C4-4BCD-93E2-E3B085C9AB24}">
+                <p16:designElem xmlns:p16="http://schemas.microsoft.com/office/powerpoint/2015/main" val="1"/>
+              </p:ext>
+            </p:extLst>
+          </p:nvPr>
+        </p:nvSpPr>
+        <p:spPr>
+          <a:xfrm>
+            <a:off x="0" y="-2"/>
+            <a:ext cx="6088489" cy="6858002"/>
+          </a:xfrm>
+          <a:custGeom>
+            <a:avLst/>
+            <a:gdLst>
+              <a:gd name="connsiteX0" fmla="*/ 0 w 6088489"/>
+              <a:gd name="connsiteY0" fmla="*/ 0 h 6858002"/>
+              <a:gd name="connsiteX1" fmla="*/ 3563332 w 6088489"/>
+              <a:gd name="connsiteY1" fmla="*/ 0 h 6858002"/>
+              <a:gd name="connsiteX2" fmla="*/ 3563332 w 6088489"/>
+              <a:gd name="connsiteY2" fmla="*/ 3 h 6858002"/>
+              <a:gd name="connsiteX3" fmla="*/ 5842099 w 6088489"/>
+              <a:gd name="connsiteY3" fmla="*/ 3 h 6858002"/>
+              <a:gd name="connsiteX4" fmla="*/ 5842099 w 6088489"/>
+              <a:gd name="connsiteY4" fmla="*/ 4 h 6858002"/>
+              <a:gd name="connsiteX5" fmla="*/ 5835346 w 6088489"/>
+              <a:gd name="connsiteY5" fmla="*/ 4 h 6858002"/>
+              <a:gd name="connsiteX6" fmla="*/ 5841229 w 6088489"/>
+              <a:gd name="connsiteY6" fmla="*/ 40466 h 6858002"/>
+              <a:gd name="connsiteX7" fmla="*/ 5858543 w 6088489"/>
+              <a:gd name="connsiteY7" fmla="*/ 159110 h 6858002"/>
+              <a:gd name="connsiteX8" fmla="*/ 5870645 w 6088489"/>
+              <a:gd name="connsiteY8" fmla="*/ 245521 h 6858002"/>
+              <a:gd name="connsiteX9" fmla="*/ 5883420 w 6088489"/>
+              <a:gd name="connsiteY9" fmla="*/ 348391 h 6858002"/>
+              <a:gd name="connsiteX10" fmla="*/ 5898716 w 6088489"/>
+              <a:gd name="connsiteY10" fmla="*/ 470463 h 6858002"/>
+              <a:gd name="connsiteX11" fmla="*/ 5914853 w 6088489"/>
+              <a:gd name="connsiteY11" fmla="*/ 605566 h 6858002"/>
+              <a:gd name="connsiteX12" fmla="*/ 5931830 w 6088489"/>
+              <a:gd name="connsiteY12" fmla="*/ 757813 h 6858002"/>
+              <a:gd name="connsiteX13" fmla="*/ 5949815 w 6088489"/>
+              <a:gd name="connsiteY13" fmla="*/ 923777 h 6858002"/>
+              <a:gd name="connsiteX14" fmla="*/ 5967801 w 6088489"/>
+              <a:gd name="connsiteY14" fmla="*/ 1104142 h 6858002"/>
+              <a:gd name="connsiteX15" fmla="*/ 5986122 w 6088489"/>
+              <a:gd name="connsiteY15" fmla="*/ 1296166 h 6858002"/>
+              <a:gd name="connsiteX16" fmla="*/ 6003099 w 6088489"/>
+              <a:gd name="connsiteY16" fmla="*/ 1503278 h 6858002"/>
+              <a:gd name="connsiteX17" fmla="*/ 6019404 w 6088489"/>
+              <a:gd name="connsiteY17" fmla="*/ 1719991 h 6858002"/>
+              <a:gd name="connsiteX18" fmla="*/ 6034196 w 6088489"/>
+              <a:gd name="connsiteY18" fmla="*/ 1949048 h 6858002"/>
+              <a:gd name="connsiteX19" fmla="*/ 6048315 w 6088489"/>
+              <a:gd name="connsiteY19" fmla="*/ 2187706 h 6858002"/>
+              <a:gd name="connsiteX20" fmla="*/ 6061595 w 6088489"/>
+              <a:gd name="connsiteY20" fmla="*/ 2436652 h 6858002"/>
+              <a:gd name="connsiteX21" fmla="*/ 6066301 w 6088489"/>
+              <a:gd name="connsiteY21" fmla="*/ 2564211 h 6858002"/>
+              <a:gd name="connsiteX22" fmla="*/ 6071512 w 6088489"/>
+              <a:gd name="connsiteY22" fmla="*/ 2694512 h 6858002"/>
+              <a:gd name="connsiteX23" fmla="*/ 6076386 w 6088489"/>
+              <a:gd name="connsiteY23" fmla="*/ 2826871 h 6858002"/>
+              <a:gd name="connsiteX24" fmla="*/ 6079580 w 6088489"/>
+              <a:gd name="connsiteY24" fmla="*/ 2959917 h 6858002"/>
+              <a:gd name="connsiteX25" fmla="*/ 6082438 w 6088489"/>
+              <a:gd name="connsiteY25" fmla="*/ 3095705 h 6858002"/>
+              <a:gd name="connsiteX26" fmla="*/ 6085463 w 6088489"/>
+              <a:gd name="connsiteY26" fmla="*/ 3232865 h 6858002"/>
+              <a:gd name="connsiteX27" fmla="*/ 6087480 w 6088489"/>
+              <a:gd name="connsiteY27" fmla="*/ 3372768 h 6858002"/>
+              <a:gd name="connsiteX28" fmla="*/ 6087480 w 6088489"/>
+              <a:gd name="connsiteY28" fmla="*/ 3514043 h 6858002"/>
+              <a:gd name="connsiteX29" fmla="*/ 6088489 w 6088489"/>
+              <a:gd name="connsiteY29" fmla="*/ 3656689 h 6858002"/>
+              <a:gd name="connsiteX30" fmla="*/ 6087480 w 6088489"/>
+              <a:gd name="connsiteY30" fmla="*/ 3800707 h 6858002"/>
+              <a:gd name="connsiteX31" fmla="*/ 6085463 w 6088489"/>
+              <a:gd name="connsiteY31" fmla="*/ 3946783 h 6858002"/>
+              <a:gd name="connsiteX32" fmla="*/ 6083614 w 6088489"/>
+              <a:gd name="connsiteY32" fmla="*/ 4092858 h 6858002"/>
+              <a:gd name="connsiteX33" fmla="*/ 6079580 w 6088489"/>
+              <a:gd name="connsiteY33" fmla="*/ 4240991 h 6858002"/>
+              <a:gd name="connsiteX34" fmla="*/ 6075378 w 6088489"/>
+              <a:gd name="connsiteY34" fmla="*/ 4390495 h 6858002"/>
+              <a:gd name="connsiteX35" fmla="*/ 6070503 w 6088489"/>
+              <a:gd name="connsiteY35" fmla="*/ 4540000 h 6858002"/>
+              <a:gd name="connsiteX36" fmla="*/ 6063612 w 6088489"/>
+              <a:gd name="connsiteY36" fmla="*/ 4690876 h 6858002"/>
+              <a:gd name="connsiteX37" fmla="*/ 6055375 w 6088489"/>
+              <a:gd name="connsiteY37" fmla="*/ 4843123 h 6858002"/>
+              <a:gd name="connsiteX38" fmla="*/ 6047475 w 6088489"/>
+              <a:gd name="connsiteY38" fmla="*/ 4996057 h 6858002"/>
+              <a:gd name="connsiteX39" fmla="*/ 6037390 w 6088489"/>
+              <a:gd name="connsiteY39" fmla="*/ 5148990 h 6858002"/>
+              <a:gd name="connsiteX40" fmla="*/ 6025287 w 6088489"/>
+              <a:gd name="connsiteY40" fmla="*/ 5303981 h 6858002"/>
+              <a:gd name="connsiteX41" fmla="*/ 6013185 w 6088489"/>
+              <a:gd name="connsiteY41" fmla="*/ 5456914 h 6858002"/>
+              <a:gd name="connsiteX42" fmla="*/ 5999233 w 6088489"/>
+              <a:gd name="connsiteY42" fmla="*/ 5612591 h 6858002"/>
+              <a:gd name="connsiteX43" fmla="*/ 5983937 w 6088489"/>
+              <a:gd name="connsiteY43" fmla="*/ 5768953 h 6858002"/>
+              <a:gd name="connsiteX44" fmla="*/ 5967801 w 6088489"/>
+              <a:gd name="connsiteY44" fmla="*/ 5923258 h 6858002"/>
+              <a:gd name="connsiteX45" fmla="*/ 5948975 w 6088489"/>
+              <a:gd name="connsiteY45" fmla="*/ 6079621 h 6858002"/>
+              <a:gd name="connsiteX46" fmla="*/ 5928804 w 6088489"/>
+              <a:gd name="connsiteY46" fmla="*/ 6235297 h 6858002"/>
+              <a:gd name="connsiteX47" fmla="*/ 5908801 w 6088489"/>
+              <a:gd name="connsiteY47" fmla="*/ 6391660 h 6858002"/>
+              <a:gd name="connsiteX48" fmla="*/ 5885437 w 6088489"/>
+              <a:gd name="connsiteY48" fmla="*/ 6547336 h 6858002"/>
+              <a:gd name="connsiteX49" fmla="*/ 5861568 w 6088489"/>
+              <a:gd name="connsiteY49" fmla="*/ 6702327 h 6858002"/>
+              <a:gd name="connsiteX50" fmla="*/ 5836524 w 6088489"/>
+              <a:gd name="connsiteY50" fmla="*/ 6858002 h 6858002"/>
+              <a:gd name="connsiteX51" fmla="*/ 3563332 w 6088489"/>
+              <a:gd name="connsiteY51" fmla="*/ 6858002 h 6858002"/>
+              <a:gd name="connsiteX52" fmla="*/ 1223490 w 6088489"/>
+              <a:gd name="connsiteY52" fmla="*/ 6858002 h 6858002"/>
+              <a:gd name="connsiteX53" fmla="*/ 0 w 6088489"/>
+              <a:gd name="connsiteY53" fmla="*/ 6858002 h 6858002"/>
+            </a:gdLst>
+            <a:ahLst/>
+            <a:cxnLst>
+              <a:cxn ang="0">
+                <a:pos x="connsiteX0" y="connsiteY0"/>
+              </a:cxn>
+              <a:cxn ang="0">
+                <a:pos x="connsiteX1" y="connsiteY1"/>
+              </a:cxn>
+              <a:cxn ang="0">
+                <a:pos x="connsiteX2" y="connsiteY2"/>
+              </a:cxn>
+              <a:cxn ang="0">
+                <a:pos x="connsiteX3" y="connsiteY3"/>
+              </a:cxn>
+              <a:cxn ang="0">
+                <a:pos x="connsiteX4" y="connsiteY4"/>
+              </a:cxn>
+              <a:cxn ang="0">
+                <a:pos x="connsiteX5" y="connsiteY5"/>
+              </a:cxn>
+              <a:cxn ang="0">
+                <a:pos x="connsiteX6" y="connsiteY6"/>
+              </a:cxn>
+              <a:cxn ang="0">
+                <a:pos x="connsiteX7" y="connsiteY7"/>
+              </a:cxn>
+              <a:cxn ang="0">
+                <a:pos x="connsiteX8" y="connsiteY8"/>
+              </a:cxn>
+              <a:cxn ang="0">
+                <a:pos x="connsiteX9" y="connsiteY9"/>
+              </a:cxn>
+              <a:cxn ang="0">
+                <a:pos x="connsiteX10" y="connsiteY10"/>
+              </a:cxn>
+              <a:cxn ang="0">
+                <a:pos x="connsiteX11" y="connsiteY11"/>
+              </a:cxn>
+              <a:cxn ang="0">
+                <a:pos x="connsiteX12" y="connsiteY12"/>
+              </a:cxn>
+              <a:cxn ang="0">
+                <a:pos x="connsiteX13" y="connsiteY13"/>
+              </a:cxn>
+              <a:cxn ang="0">
+                <a:pos x="connsiteX14" y="connsiteY14"/>
+              </a:cxn>
+              <a:cxn ang="0">
+                <a:pos x="connsiteX15" y="connsiteY15"/>
+              </a:cxn>
+              <a:cxn ang="0">
+                <a:pos x="connsiteX16" y="connsiteY16"/>
+              </a:cxn>
+              <a:cxn ang="0">
+                <a:pos x="connsiteX17" y="connsiteY17"/>
+              </a:cxn>
+              <a:cxn ang="0">
+                <a:pos x="connsiteX18" y="connsiteY18"/>
+              </a:cxn>
+              <a:cxn ang="0">
+                <a:pos x="connsiteX19" y="connsiteY19"/>
+              </a:cxn>
+              <a:cxn ang="0">
+                <a:pos x="connsiteX20" y="connsiteY20"/>
+              </a:cxn>
+              <a:cxn ang="0">
+                <a:pos x="connsiteX21" y="connsiteY21"/>
+              </a:cxn>
+              <a:cxn ang="0">
+                <a:pos x="connsiteX22" y="connsiteY22"/>
+              </a:cxn>
+              <a:cxn ang="0">
+                <a:pos x="connsiteX23" y="connsiteY23"/>
+              </a:cxn>
+              <a:cxn ang="0">
+                <a:pos x="connsiteX24" y="connsiteY24"/>
+              </a:cxn>
+              <a:cxn ang="0">
+                <a:pos x="connsiteX25" y="connsiteY25"/>
+              </a:cxn>
+              <a:cxn ang="0">
+                <a:pos x="connsiteX26" y="connsiteY26"/>
+              </a:cxn>
+              <a:cxn ang="0">
+                <a:pos x="connsiteX27" y="connsiteY27"/>
+              </a:cxn>
+              <a:cxn ang="0">
+                <a:pos x="connsiteX28" y="connsiteY28"/>
+              </a:cxn>
+              <a:cxn ang="0">
+                <a:pos x="connsiteX29" y="connsiteY29"/>
+              </a:cxn>
+              <a:cxn ang="0">
+                <a:pos x="connsiteX30" y="connsiteY30"/>
+              </a:cxn>
+              <a:cxn ang="0">
+                <a:pos x="connsiteX31" y="connsiteY31"/>
+              </a:cxn>
+              <a:cxn ang="0">
+                <a:pos x="connsiteX32" y="connsiteY32"/>
+              </a:cxn>
+              <a:cxn ang="0">
+                <a:pos x="connsiteX33" y="connsiteY33"/>
+              </a:cxn>
+              <a:cxn ang="0">
+                <a:pos x="connsiteX34" y="connsiteY34"/>
+              </a:cxn>
+              <a:cxn ang="0">
+                <a:pos x="connsiteX35" y="connsiteY35"/>
+              </a:cxn>
+              <a:cxn ang="0">
+                <a:pos x="connsiteX36" y="connsiteY36"/>
+              </a:cxn>
+              <a:cxn ang="0">
+                <a:pos x="connsiteX37" y="connsiteY37"/>
+              </a:cxn>
+              <a:cxn ang="0">
+                <a:pos x="connsiteX38" y="connsiteY38"/>
+              </a:cxn>
+              <a:cxn ang="0">
+                <a:pos x="connsiteX39" y="connsiteY39"/>
+              </a:cxn>
+              <a:cxn ang="0">
+                <a:pos x="connsiteX40" y="connsiteY40"/>
+              </a:cxn>
+              <a:cxn ang="0">
+                <a:pos x="connsiteX41" y="connsiteY41"/>
+              </a:cxn>
+              <a:cxn ang="0">
+                <a:pos x="connsiteX42" y="connsiteY42"/>
+              </a:cxn>
+              <a:cxn ang="0">
+                <a:pos x="connsiteX43" y="connsiteY43"/>
+              </a:cxn>
+              <a:cxn ang="0">
+                <a:pos x="connsiteX44" y="connsiteY44"/>
+              </a:cxn>
+              <a:cxn ang="0">
+                <a:pos x="connsiteX45" y="connsiteY45"/>
+              </a:cxn>
+              <a:cxn ang="0">
+                <a:pos x="connsiteX46" y="connsiteY46"/>
+              </a:cxn>
+              <a:cxn ang="0">
+                <a:pos x="connsiteX47" y="connsiteY47"/>
+              </a:cxn>
+              <a:cxn ang="0">
+                <a:pos x="connsiteX48" y="connsiteY48"/>
+              </a:cxn>
+              <a:cxn ang="0">
+                <a:pos x="connsiteX49" y="connsiteY49"/>
+              </a:cxn>
+              <a:cxn ang="0">
+                <a:pos x="connsiteX50" y="connsiteY50"/>
+              </a:cxn>
+              <a:cxn ang="0">
+                <a:pos x="connsiteX51" y="connsiteY51"/>
+              </a:cxn>
+              <a:cxn ang="0">
+                <a:pos x="connsiteX52" y="connsiteY52"/>
+              </a:cxn>
+              <a:cxn ang="0">
+                <a:pos x="connsiteX53" y="connsiteY53"/>
+              </a:cxn>
+            </a:cxnLst>
+            <a:rect l="l" t="t" r="r" b="b"/>
+            <a:pathLst>
+              <a:path w="6088489" h="6858002">
+                <a:moveTo>
+                  <a:pt x="0" y="0"/>
+                </a:moveTo>
+                <a:lnTo>
+                  <a:pt x="3563332" y="0"/>
+                </a:lnTo>
+                <a:lnTo>
+                  <a:pt x="3563332" y="3"/>
+                </a:lnTo>
+                <a:lnTo>
+                  <a:pt x="5842099" y="3"/>
+                </a:lnTo>
+                <a:lnTo>
+                  <a:pt x="5842099" y="4"/>
+                </a:lnTo>
+                <a:lnTo>
+                  <a:pt x="5835346" y="4"/>
+                </a:lnTo>
+                <a:lnTo>
+                  <a:pt x="5841229" y="40466"/>
+                </a:lnTo>
+                <a:lnTo>
+                  <a:pt x="5858543" y="159110"/>
+                </a:lnTo>
+                <a:lnTo>
+                  <a:pt x="5870645" y="245521"/>
+                </a:lnTo>
+                <a:lnTo>
+                  <a:pt x="5883420" y="348391"/>
+                </a:lnTo>
+                <a:lnTo>
+                  <a:pt x="5898716" y="470463"/>
+                </a:lnTo>
+                <a:lnTo>
+                  <a:pt x="5914853" y="605566"/>
+                </a:lnTo>
+                <a:lnTo>
+                  <a:pt x="5931830" y="757813"/>
+                </a:lnTo>
+                <a:lnTo>
+                  <a:pt x="5949815" y="923777"/>
+                </a:lnTo>
+                <a:lnTo>
+                  <a:pt x="5967801" y="1104142"/>
+                </a:lnTo>
+                <a:lnTo>
+                  <a:pt x="5986122" y="1296166"/>
+                </a:lnTo>
+                <a:lnTo>
+                  <a:pt x="6003099" y="1503278"/>
+                </a:lnTo>
+                <a:lnTo>
+                  <a:pt x="6019404" y="1719991"/>
+                </a:lnTo>
+                <a:lnTo>
+                  <a:pt x="6034196" y="1949048"/>
+                </a:lnTo>
+                <a:lnTo>
+                  <a:pt x="6048315" y="2187706"/>
+                </a:lnTo>
+                <a:lnTo>
+                  <a:pt x="6061595" y="2436652"/>
+                </a:lnTo>
+                <a:lnTo>
+                  <a:pt x="6066301" y="2564211"/>
+                </a:lnTo>
+                <a:lnTo>
+                  <a:pt x="6071512" y="2694512"/>
+                </a:lnTo>
+                <a:lnTo>
+                  <a:pt x="6076386" y="2826871"/>
+                </a:lnTo>
+                <a:lnTo>
+                  <a:pt x="6079580" y="2959917"/>
+                </a:lnTo>
+                <a:lnTo>
+                  <a:pt x="6082438" y="3095705"/>
+                </a:lnTo>
+                <a:lnTo>
+                  <a:pt x="6085463" y="3232865"/>
+                </a:lnTo>
+                <a:lnTo>
+                  <a:pt x="6087480" y="3372768"/>
+                </a:lnTo>
+                <a:lnTo>
+                  <a:pt x="6087480" y="3514043"/>
+                </a:lnTo>
+                <a:lnTo>
+                  <a:pt x="6088489" y="3656689"/>
+                </a:lnTo>
+                <a:lnTo>
+                  <a:pt x="6087480" y="3800707"/>
+                </a:lnTo>
+                <a:lnTo>
+                  <a:pt x="6085463" y="3946783"/>
+                </a:lnTo>
+                <a:lnTo>
+                  <a:pt x="6083614" y="4092858"/>
+                </a:lnTo>
+                <a:lnTo>
+                  <a:pt x="6079580" y="4240991"/>
+                </a:lnTo>
+                <a:lnTo>
+                  <a:pt x="6075378" y="4390495"/>
+                </a:lnTo>
+                <a:lnTo>
+                  <a:pt x="6070503" y="4540000"/>
+                </a:lnTo>
+                <a:lnTo>
+                  <a:pt x="6063612" y="4690876"/>
+                </a:lnTo>
+                <a:lnTo>
+                  <a:pt x="6055375" y="4843123"/>
+                </a:lnTo>
+                <a:lnTo>
+                  <a:pt x="6047475" y="4996057"/>
+                </a:lnTo>
+                <a:lnTo>
+                  <a:pt x="6037390" y="5148990"/>
+                </a:lnTo>
+                <a:lnTo>
+                  <a:pt x="6025287" y="5303981"/>
+                </a:lnTo>
+                <a:lnTo>
+                  <a:pt x="6013185" y="5456914"/>
+                </a:lnTo>
+                <a:lnTo>
+                  <a:pt x="5999233" y="5612591"/>
+                </a:lnTo>
+                <a:lnTo>
+                  <a:pt x="5983937" y="5768953"/>
+                </a:lnTo>
+                <a:lnTo>
+                  <a:pt x="5967801" y="5923258"/>
+                </a:lnTo>
+                <a:lnTo>
+                  <a:pt x="5948975" y="6079621"/>
+                </a:lnTo>
+                <a:lnTo>
+                  <a:pt x="5928804" y="6235297"/>
+                </a:lnTo>
+                <a:lnTo>
+                  <a:pt x="5908801" y="6391660"/>
+                </a:lnTo>
+                <a:lnTo>
+                  <a:pt x="5885437" y="6547336"/>
+                </a:lnTo>
+                <a:lnTo>
+                  <a:pt x="5861568" y="6702327"/>
+                </a:lnTo>
+                <a:lnTo>
+                  <a:pt x="5836524" y="6858002"/>
+                </a:lnTo>
+                <a:lnTo>
+                  <a:pt x="3563332" y="6858002"/>
+                </a:lnTo>
+                <a:lnTo>
+                  <a:pt x="1223490" y="6858002"/>
+                </a:lnTo>
+                <a:lnTo>
+                  <a:pt x="0" y="6858002"/>
+                </a:lnTo>
+                <a:close/>
+              </a:path>
+            </a:pathLst>
+          </a:custGeom>
+          <a:ln w="44450">
+            <a:gradFill>
+              <a:gsLst>
+                <a:gs pos="5000">
+                  <a:schemeClr val="bg2">
+                    <a:alpha val="65000"/>
+                  </a:schemeClr>
+                </a:gs>
+                <a:gs pos="98000">
+                  <a:schemeClr val="bg2">
+                    <a:lumMod val="75000"/>
+                    <a:alpha val="55000"/>
+                  </a:schemeClr>
+                </a:gs>
+              </a:gsLst>
+              <a:lin ang="5400000" scaled="1"/>
+            </a:gradFill>
+          </a:ln>
+          <a:effectLst>
+            <a:outerShdw blurRad="50800" dist="25400" algn="l" rotWithShape="0">
+              <a:prstClr val="black">
+                <a:alpha val="60000"/>
+              </a:prstClr>
+            </a:outerShdw>
+          </a:effectLst>
+        </p:spPr>
+        <p:style>
+          <a:lnRef idx="2">
+            <a:schemeClr val="accent1">
+              <a:shade val="50000"/>
+            </a:schemeClr>
+          </a:lnRef>
+          <a:fillRef idx="1">
+            <a:schemeClr val="accent1"/>
+          </a:fillRef>
+          <a:effectRef idx="0">
+            <a:schemeClr val="accent1"/>
+          </a:effectRef>
+          <a:fontRef idx="minor">
+            <a:schemeClr val="lt1"/>
+          </a:fontRef>
+        </p:style>
+        <p:txBody>
+          <a:bodyPr rtlCol="0" anchor="ctr"/>
+          <a:lstStyle/>
+          <a:p>
+            <a:pPr algn="ctr"/>
+            <a:endParaRPr lang="en-US"/>
+          </a:p>
+        </p:txBody>
+      </p:sp>
+      <p:sp>
+        <p:nvSpPr>
+          <p:cNvPr id="2" name="Titolo 1">
+            <a:extLst>
+              <a:ext uri="{FF2B5EF4-FFF2-40B4-BE49-F238E27FC236}">
+                <a16:creationId xmlns:a16="http://schemas.microsoft.com/office/drawing/2014/main" id="{5C71C5A0-B602-485B-8BE1-974315BCBE19}"/>
+              </a:ext>
+            </a:extLst>
+          </p:cNvPr>
+          <p:cNvSpPr>
+            <a:spLocks noGrp="1"/>
+          </p:cNvSpPr>
+          <p:nvPr>
+            <p:ph type="title"/>
+          </p:nvPr>
+        </p:nvSpPr>
+        <p:spPr>
+          <a:xfrm>
+            <a:off x="962022" y="643467"/>
+            <a:ext cx="4340023" cy="5571064"/>
+          </a:xfrm>
+        </p:spPr>
+        <p:txBody>
+          <a:bodyPr anchor="ctr">
+            <a:normAutofit/>
+          </a:bodyPr>
+          <a:lstStyle/>
+          <a:p>
+            <a:r>
+              <a:rPr lang="it-IT" sz="4400">
+                <a:effectLst>
+                  <a:glow rad="38100">
+                    <a:prstClr val="black">
+                      <a:lumMod val="65000"/>
+                      <a:lumOff val="35000"/>
+                      <a:alpha val="40000"/>
+                    </a:prstClr>
+                  </a:glow>
+                  <a:outerShdw blurRad="28575" dist="38100" dir="14040000" algn="tl" rotWithShape="0">
+                    <a:srgbClr val="000000">
+                      <a:alpha val="25000"/>
+                    </a:srgbClr>
+                  </a:outerShdw>
+                </a:effectLst>
+                <a:latin typeface="Calisto MT"/>
+              </a:rPr>
+              <a:t>What is it?</a:t>
+            </a:r>
+            <a:endParaRPr lang="it-IT" sz="4400">
+              <a:latin typeface="Calisto MT"/>
+            </a:endParaRPr>
+          </a:p>
+        </p:txBody>
+      </p:sp>
+      <p:sp>
+        <p:nvSpPr>
+          <p:cNvPr id="3" name="Segnaposto contenuto 2">
+            <a:extLst>
+              <a:ext uri="{FF2B5EF4-FFF2-40B4-BE49-F238E27FC236}">
+                <a16:creationId xmlns:a16="http://schemas.microsoft.com/office/drawing/2014/main" id="{244EFC10-E8CF-49A3-905E-5D88C1902011}"/>
+              </a:ext>
+            </a:extLst>
+          </p:cNvPr>
+          <p:cNvSpPr>
+            <a:spLocks noGrp="1"/>
+          </p:cNvSpPr>
+          <p:nvPr>
+            <p:ph idx="1"/>
+          </p:nvPr>
+        </p:nvSpPr>
+        <p:spPr>
+          <a:xfrm>
+            <a:off x="6708499" y="643467"/>
+            <a:ext cx="4521480" cy="5571064"/>
+          </a:xfrm>
+        </p:spPr>
+        <p:txBody>
+          <a:bodyPr>
+            <a:normAutofit/>
+          </a:bodyPr>
+          <a:lstStyle/>
+          <a:p>
+            <a:pPr marL="0" indent="0">
+              <a:buNone/>
+            </a:pPr>
+            <a:r>
+              <a:rPr lang="it-IT" dirty="0" err="1">
+                <a:effectLst>
+                  <a:glow rad="38100">
+                    <a:prstClr val="black">
+                      <a:lumMod val="50000"/>
+                      <a:lumOff val="50000"/>
+                      <a:alpha val="20000"/>
+                    </a:prstClr>
+                  </a:glow>
+                  <a:outerShdw blurRad="44450" dist="12700" dir="13860000" algn="tl" rotWithShape="0">
+                    <a:srgbClr val="000000">
+                      <a:alpha val="20000"/>
+                    </a:srgbClr>
+                  </a:outerShdw>
+                </a:effectLst>
+                <a:latin typeface="Calisto MT"/>
+              </a:rPr>
+              <a:t>EcheloNews</a:t>
+            </a:r>
+            <a:r>
+              <a:rPr lang="it-IT" dirty="0">
+                <a:effectLst>
+                  <a:glow rad="38100">
+                    <a:prstClr val="black">
+                      <a:lumMod val="50000"/>
+                      <a:lumOff val="50000"/>
+                      <a:alpha val="20000"/>
+                    </a:prstClr>
+                  </a:glow>
+                  <a:outerShdw blurRad="44450" dist="12700" dir="13860000" algn="tl" rotWithShape="0">
+                    <a:srgbClr val="000000">
+                      <a:alpha val="20000"/>
+                    </a:srgbClr>
+                  </a:outerShdw>
+                </a:effectLst>
+                <a:latin typeface="Calisto MT"/>
+              </a:rPr>
+              <a:t> </a:t>
+            </a:r>
+            <a:r>
+              <a:rPr lang="it-IT" dirty="0" err="1">
+                <a:effectLst>
+                  <a:glow rad="38100">
+                    <a:prstClr val="black">
+                      <a:lumMod val="50000"/>
+                      <a:lumOff val="50000"/>
+                      <a:alpha val="20000"/>
+                    </a:prstClr>
+                  </a:glow>
+                  <a:outerShdw blurRad="44450" dist="12700" dir="13860000" algn="tl" rotWithShape="0">
+                    <a:srgbClr val="000000">
+                      <a:alpha val="20000"/>
+                    </a:srgbClr>
+                  </a:outerShdw>
+                </a:effectLst>
+                <a:latin typeface="Calisto MT"/>
+              </a:rPr>
+              <a:t>is</a:t>
+            </a:r>
+            <a:r>
+              <a:rPr lang="it-IT" dirty="0">
+                <a:effectLst>
+                  <a:glow rad="38100">
+                    <a:prstClr val="black">
+                      <a:lumMod val="50000"/>
+                      <a:lumOff val="50000"/>
+                      <a:alpha val="20000"/>
+                    </a:prstClr>
+                  </a:glow>
+                  <a:outerShdw blurRad="44450" dist="12700" dir="13860000" algn="tl" rotWithShape="0">
+                    <a:srgbClr val="000000">
+                      <a:alpha val="20000"/>
+                    </a:srgbClr>
+                  </a:outerShdw>
+                </a:effectLst>
+                <a:latin typeface="Calisto MT"/>
+              </a:rPr>
+              <a:t> a news multiplexer. </a:t>
+            </a:r>
+            <a:br>
+              <a:rPr lang="it-IT" dirty="0">
+                <a:effectLst>
+                  <a:glow rad="38100">
+                    <a:prstClr val="black">
+                      <a:lumMod val="50000"/>
+                      <a:lumOff val="50000"/>
+                      <a:alpha val="20000"/>
+                    </a:prstClr>
+                  </a:glow>
+                  <a:outerShdw blurRad="44450" dist="12700" dir="13860000" algn="tl" rotWithShape="0">
+                    <a:srgbClr val="000000">
+                      <a:alpha val="20000"/>
+                    </a:srgbClr>
+                  </a:outerShdw>
+                </a:effectLst>
+                <a:latin typeface="Calisto MT"/>
+              </a:rPr>
+            </a:br>
+            <a:r>
+              <a:rPr lang="it-IT" dirty="0" err="1">
+                <a:effectLst>
+                  <a:glow rad="38100">
+                    <a:prstClr val="black">
+                      <a:lumMod val="50000"/>
+                      <a:lumOff val="50000"/>
+                      <a:alpha val="20000"/>
+                    </a:prstClr>
+                  </a:glow>
+                  <a:outerShdw blurRad="44450" dist="12700" dir="13860000" algn="tl" rotWithShape="0">
+                    <a:srgbClr val="000000">
+                      <a:alpha val="20000"/>
+                    </a:srgbClr>
+                  </a:outerShdw>
+                </a:effectLst>
+                <a:latin typeface="Calisto MT"/>
+              </a:rPr>
+              <a:t>Basically</a:t>
+            </a:r>
+            <a:r>
+              <a:rPr lang="it-IT" dirty="0">
+                <a:effectLst>
+                  <a:glow rad="38100">
+                    <a:prstClr val="black">
+                      <a:lumMod val="50000"/>
+                      <a:lumOff val="50000"/>
+                      <a:alpha val="20000"/>
+                    </a:prstClr>
+                  </a:glow>
+                  <a:outerShdw blurRad="44450" dist="12700" dir="13860000" algn="tl" rotWithShape="0">
+                    <a:srgbClr val="000000">
+                      <a:alpha val="20000"/>
+                    </a:srgbClr>
+                  </a:outerShdw>
+                </a:effectLst>
+                <a:latin typeface="Calisto MT"/>
+              </a:rPr>
+              <a:t>, </a:t>
+            </a:r>
+            <a:r>
+              <a:rPr lang="it-IT" dirty="0" err="1">
+                <a:effectLst>
+                  <a:glow rad="38100">
+                    <a:prstClr val="black">
+                      <a:lumMod val="50000"/>
+                      <a:lumOff val="50000"/>
+                      <a:alpha val="20000"/>
+                    </a:prstClr>
+                  </a:glow>
+                  <a:outerShdw blurRad="44450" dist="12700" dir="13860000" algn="tl" rotWithShape="0">
+                    <a:srgbClr val="000000">
+                      <a:alpha val="20000"/>
+                    </a:srgbClr>
+                  </a:outerShdw>
+                </a:effectLst>
+                <a:latin typeface="Calisto MT"/>
+              </a:rPr>
+              <a:t>it</a:t>
+            </a:r>
+            <a:r>
+              <a:rPr lang="it-IT" dirty="0">
+                <a:effectLst>
+                  <a:glow rad="38100">
+                    <a:prstClr val="black">
+                      <a:lumMod val="50000"/>
+                      <a:lumOff val="50000"/>
+                      <a:alpha val="20000"/>
+                    </a:prstClr>
+                  </a:glow>
+                  <a:outerShdw blurRad="44450" dist="12700" dir="13860000" algn="tl" rotWithShape="0">
+                    <a:srgbClr val="000000">
+                      <a:alpha val="20000"/>
+                    </a:srgbClr>
+                  </a:outerShdw>
+                </a:effectLst>
+                <a:latin typeface="Calisto MT"/>
+              </a:rPr>
+              <a:t> </a:t>
+            </a:r>
+            <a:r>
+              <a:rPr lang="it-IT" dirty="0" err="1">
+                <a:effectLst>
+                  <a:glow rad="38100">
+                    <a:prstClr val="black">
+                      <a:lumMod val="50000"/>
+                      <a:lumOff val="50000"/>
+                      <a:alpha val="20000"/>
+                    </a:prstClr>
+                  </a:glow>
+                  <a:outerShdw blurRad="44450" dist="12700" dir="13860000" algn="tl" rotWithShape="0">
+                    <a:srgbClr val="000000">
+                      <a:alpha val="20000"/>
+                    </a:srgbClr>
+                  </a:outerShdw>
+                </a:effectLst>
+                <a:latin typeface="Calisto MT"/>
+              </a:rPr>
+              <a:t>fetches</a:t>
+            </a:r>
+            <a:r>
+              <a:rPr lang="it-IT" dirty="0">
+                <a:effectLst>
+                  <a:glow rad="38100">
+                    <a:prstClr val="black">
+                      <a:lumMod val="50000"/>
+                      <a:lumOff val="50000"/>
+                      <a:alpha val="20000"/>
+                    </a:prstClr>
+                  </a:glow>
+                  <a:outerShdw blurRad="44450" dist="12700" dir="13860000" algn="tl" rotWithShape="0">
+                    <a:srgbClr val="000000">
+                      <a:alpha val="20000"/>
+                    </a:srgbClr>
+                  </a:outerShdw>
+                </a:effectLst>
+                <a:latin typeface="Calisto MT"/>
+              </a:rPr>
+              <a:t> news from </a:t>
+            </a:r>
+            <a:r>
+              <a:rPr lang="it-IT" dirty="0" err="1">
+                <a:effectLst>
+                  <a:glow rad="38100">
+                    <a:prstClr val="black">
+                      <a:lumMod val="50000"/>
+                      <a:lumOff val="50000"/>
+                      <a:alpha val="20000"/>
+                    </a:prstClr>
+                  </a:glow>
+                  <a:outerShdw blurRad="44450" dist="12700" dir="13860000" algn="tl" rotWithShape="0">
+                    <a:srgbClr val="000000">
+                      <a:alpha val="20000"/>
+                    </a:srgbClr>
+                  </a:outerShdw>
+                </a:effectLst>
+                <a:latin typeface="Calisto MT"/>
+              </a:rPr>
+              <a:t>all</a:t>
+            </a:r>
+            <a:r>
+              <a:rPr lang="it-IT" dirty="0">
+                <a:effectLst>
+                  <a:glow rad="38100">
+                    <a:prstClr val="black">
+                      <a:lumMod val="50000"/>
+                      <a:lumOff val="50000"/>
+                      <a:alpha val="20000"/>
+                    </a:prstClr>
+                  </a:glow>
+                  <a:outerShdw blurRad="44450" dist="12700" dir="13860000" algn="tl" rotWithShape="0">
+                    <a:srgbClr val="000000">
+                      <a:alpha val="20000"/>
+                    </a:srgbClr>
+                  </a:outerShdw>
+                </a:effectLst>
+                <a:latin typeface="Calisto MT"/>
+              </a:rPr>
+              <a:t> over the world, classifying </a:t>
+            </a:r>
+            <a:r>
+              <a:rPr lang="it-IT" dirty="0" err="1">
+                <a:effectLst>
+                  <a:glow rad="38100">
+                    <a:prstClr val="black">
+                      <a:lumMod val="50000"/>
+                      <a:lumOff val="50000"/>
+                      <a:alpha val="20000"/>
+                    </a:prstClr>
+                  </a:glow>
+                  <a:outerShdw blurRad="44450" dist="12700" dir="13860000" algn="tl" rotWithShape="0">
+                    <a:srgbClr val="000000">
+                      <a:alpha val="20000"/>
+                    </a:srgbClr>
+                  </a:outerShdw>
+                </a:effectLst>
+                <a:latin typeface="Calisto MT"/>
+              </a:rPr>
+              <a:t>them</a:t>
+            </a:r>
+            <a:r>
+              <a:rPr lang="it-IT" dirty="0">
+                <a:effectLst>
+                  <a:glow rad="38100">
+                    <a:prstClr val="black">
+                      <a:lumMod val="50000"/>
+                      <a:lumOff val="50000"/>
+                      <a:alpha val="20000"/>
+                    </a:prstClr>
+                  </a:glow>
+                  <a:outerShdw blurRad="44450" dist="12700" dir="13860000" algn="tl" rotWithShape="0">
+                    <a:srgbClr val="000000">
+                      <a:alpha val="20000"/>
+                    </a:srgbClr>
+                  </a:outerShdw>
+                </a:effectLst>
+                <a:latin typeface="Calisto MT"/>
+              </a:rPr>
+              <a:t> by </a:t>
+            </a:r>
+            <a:r>
+              <a:rPr lang="it-IT" dirty="0" err="1">
+                <a:effectLst>
+                  <a:glow rad="38100">
+                    <a:prstClr val="black">
+                      <a:lumMod val="50000"/>
+                      <a:lumOff val="50000"/>
+                      <a:alpha val="20000"/>
+                    </a:prstClr>
+                  </a:glow>
+                  <a:outerShdw blurRad="44450" dist="12700" dir="13860000" algn="tl" rotWithShape="0">
+                    <a:srgbClr val="000000">
+                      <a:alpha val="20000"/>
+                    </a:srgbClr>
+                  </a:outerShdw>
+                </a:effectLst>
+                <a:latin typeface="Calisto MT"/>
+              </a:rPr>
+              <a:t>topic</a:t>
+            </a:r>
+            <a:r>
+              <a:rPr lang="it-IT" dirty="0">
+                <a:effectLst>
+                  <a:glow rad="38100">
+                    <a:prstClr val="black">
+                      <a:lumMod val="50000"/>
+                      <a:lumOff val="50000"/>
+                      <a:alpha val="20000"/>
+                    </a:prstClr>
+                  </a:glow>
+                  <a:outerShdw blurRad="44450" dist="12700" dir="13860000" algn="tl" rotWithShape="0">
+                    <a:srgbClr val="000000">
+                      <a:alpha val="20000"/>
+                    </a:srgbClr>
+                  </a:outerShdw>
+                </a:effectLst>
+                <a:latin typeface="Calisto MT"/>
+              </a:rPr>
+              <a:t> and giving </a:t>
+            </a:r>
+            <a:r>
+              <a:rPr lang="it-IT" dirty="0" err="1">
+                <a:effectLst>
+                  <a:glow rad="38100">
+                    <a:prstClr val="black">
+                      <a:lumMod val="50000"/>
+                      <a:lumOff val="50000"/>
+                      <a:alpha val="20000"/>
+                    </a:prstClr>
+                  </a:glow>
+                  <a:outerShdw blurRad="44450" dist="12700" dir="13860000" algn="tl" rotWithShape="0">
+                    <a:srgbClr val="000000">
+                      <a:alpha val="20000"/>
+                    </a:srgbClr>
+                  </a:outerShdw>
+                </a:effectLst>
+                <a:latin typeface="Calisto MT"/>
+              </a:rPr>
+              <a:t>them</a:t>
+            </a:r>
+            <a:r>
+              <a:rPr lang="it-IT" dirty="0">
+                <a:effectLst>
+                  <a:glow rad="38100">
+                    <a:prstClr val="black">
+                      <a:lumMod val="50000"/>
+                      <a:lumOff val="50000"/>
+                      <a:alpha val="20000"/>
+                    </a:prstClr>
+                  </a:glow>
+                  <a:outerShdw blurRad="44450" dist="12700" dir="13860000" algn="tl" rotWithShape="0">
+                    <a:srgbClr val="000000">
+                      <a:alpha val="20000"/>
+                    </a:srgbClr>
+                  </a:outerShdw>
+                </a:effectLst>
+                <a:latin typeface="Calisto MT"/>
+              </a:rPr>
+              <a:t> back to users </a:t>
+            </a:r>
+            <a:r>
+              <a:rPr lang="it-IT" dirty="0" err="1">
+                <a:effectLst>
+                  <a:glow rad="38100">
+                    <a:prstClr val="black">
+                      <a:lumMod val="50000"/>
+                      <a:lumOff val="50000"/>
+                      <a:alpha val="20000"/>
+                    </a:prstClr>
+                  </a:glow>
+                  <a:outerShdw blurRad="44450" dist="12700" dir="13860000" algn="tl" rotWithShape="0">
+                    <a:srgbClr val="000000">
+                      <a:alpha val="20000"/>
+                    </a:srgbClr>
+                  </a:outerShdw>
+                </a:effectLst>
+                <a:latin typeface="Calisto MT"/>
+              </a:rPr>
+              <a:t>according</a:t>
+            </a:r>
+            <a:r>
+              <a:rPr lang="it-IT" dirty="0">
+                <a:effectLst>
+                  <a:glow rad="38100">
+                    <a:prstClr val="black">
+                      <a:lumMod val="50000"/>
+                      <a:lumOff val="50000"/>
+                      <a:alpha val="20000"/>
+                    </a:prstClr>
+                  </a:glow>
+                  <a:outerShdw blurRad="44450" dist="12700" dir="13860000" algn="tl" rotWithShape="0">
+                    <a:srgbClr val="000000">
+                      <a:alpha val="20000"/>
+                    </a:srgbClr>
+                  </a:outerShdw>
+                </a:effectLst>
+                <a:latin typeface="Calisto MT"/>
+              </a:rPr>
+              <a:t> to </a:t>
+            </a:r>
+            <a:r>
+              <a:rPr lang="it-IT" dirty="0" err="1">
+                <a:effectLst>
+                  <a:glow rad="38100">
+                    <a:prstClr val="black">
+                      <a:lumMod val="50000"/>
+                      <a:lumOff val="50000"/>
+                      <a:alpha val="20000"/>
+                    </a:prstClr>
+                  </a:glow>
+                  <a:outerShdw blurRad="44450" dist="12700" dir="13860000" algn="tl" rotWithShape="0">
+                    <a:srgbClr val="000000">
+                      <a:alpha val="20000"/>
+                    </a:srgbClr>
+                  </a:outerShdw>
+                </a:effectLst>
+                <a:latin typeface="Calisto MT"/>
+              </a:rPr>
+              <a:t>their</a:t>
+            </a:r>
+            <a:r>
+              <a:rPr lang="it-IT" dirty="0">
+                <a:effectLst>
+                  <a:glow rad="38100">
+                    <a:prstClr val="black">
+                      <a:lumMod val="50000"/>
+                      <a:lumOff val="50000"/>
+                      <a:alpha val="20000"/>
+                    </a:prstClr>
+                  </a:glow>
+                  <a:outerShdw blurRad="44450" dist="12700" dir="13860000" algn="tl" rotWithShape="0">
+                    <a:srgbClr val="000000">
+                      <a:alpha val="20000"/>
+                    </a:srgbClr>
+                  </a:outerShdw>
+                </a:effectLst>
+                <a:latin typeface="Calisto MT"/>
+              </a:rPr>
+              <a:t> </a:t>
+            </a:r>
+            <a:r>
+              <a:rPr lang="it-IT" dirty="0" err="1">
+                <a:effectLst>
+                  <a:glow rad="38100">
+                    <a:prstClr val="black">
+                      <a:lumMod val="50000"/>
+                      <a:lumOff val="50000"/>
+                      <a:alpha val="20000"/>
+                    </a:prstClr>
+                  </a:glow>
+                  <a:outerShdw blurRad="44450" dist="12700" dir="13860000" algn="tl" rotWithShape="0">
+                    <a:srgbClr val="000000">
+                      <a:alpha val="20000"/>
+                    </a:srgbClr>
+                  </a:outerShdw>
+                </a:effectLst>
+                <a:latin typeface="Calisto MT"/>
+              </a:rPr>
+              <a:t>preferences</a:t>
+            </a:r>
+            <a:r>
+              <a:rPr lang="it-IT" dirty="0">
+                <a:effectLst>
+                  <a:glow rad="38100">
+                    <a:prstClr val="black">
+                      <a:lumMod val="50000"/>
+                      <a:lumOff val="50000"/>
+                      <a:alpha val="20000"/>
+                    </a:prstClr>
+                  </a:glow>
+                  <a:outerShdw blurRad="44450" dist="12700" dir="13860000" algn="tl" rotWithShape="0">
+                    <a:srgbClr val="000000">
+                      <a:alpha val="20000"/>
+                    </a:srgbClr>
+                  </a:outerShdw>
+                </a:effectLst>
+                <a:latin typeface="Calisto MT"/>
+              </a:rPr>
+              <a:t>.</a:t>
+            </a:r>
+          </a:p>
+        </p:txBody>
+      </p:sp>
+    </p:spTree>
+    <p:extLst>
+      <p:ext uri="{BB962C8B-B14F-4D97-AF65-F5344CB8AC3E}">
+        <p14:creationId xmlns:p14="http://schemas.microsoft.com/office/powerpoint/2010/main" val="3559967594"/>
+      </p:ext>
+    </p:extLst>
+  </p:cSld>
+  <p:clrMapOvr>
+    <a:masterClrMapping/>
+  </p:clrMapOvr>
+</p:sld>
+</file>
+
+<file path=ppt/slides/slide3.xml><?xml version="1.0" encoding="utf-8"?>
+<p:sld xmlns:a="http://schemas.openxmlformats.org/drawingml/2006/main" xmlns:r="http://schemas.openxmlformats.org/officeDocument/2006/relationships" xmlns:p="http://schemas.openxmlformats.org/presentationml/2006/main">
+  <p:cSld>
+    <p:bg>
+      <p:bgPr>
+        <a:blipFill rotWithShape="1">
+          <a:blip r:embed="rId2">
+            <a:duotone>
+              <a:schemeClr val="bg2">
+                <a:shade val="28000"/>
+                <a:satMod val="94000"/>
+                <a:lumMod val="20000"/>
+              </a:schemeClr>
+              <a:schemeClr val="bg2">
+                <a:tint val="94000"/>
+                <a:shade val="84000"/>
+                <a:satMod val="148000"/>
+                <a:lumMod val="114000"/>
+              </a:schemeClr>
+            </a:duotone>
+          </a:blip>
+          <a:stretch/>
+        </a:blipFill>
+        <a:effectLst/>
+      </p:bgPr>
+    </p:bg>
+    <p:spTree>
+      <p:nvGrpSpPr>
+        <p:cNvPr id="1" name=""/>
+        <p:cNvGrpSpPr/>
+        <p:nvPr/>
+      </p:nvGrpSpPr>
+      <p:grpSpPr>
+        <a:xfrm>
+          <a:off x="0" y="0"/>
+          <a:ext cx="0" cy="0"/>
+          <a:chOff x="0" y="0"/>
+          <a:chExt cx="0" cy="0"/>
+        </a:xfrm>
+      </p:grpSpPr>
+      <p:sp>
+        <p:nvSpPr>
           <p:cNvPr id="2" name="Titolo 1">
             <a:extLst>
               <a:ext uri="{FF2B5EF4-FFF2-40B4-BE49-F238E27FC236}">
@@ -20563,8 +21880,8 @@
         </p:nvSpPr>
         <p:spPr>
           <a:xfrm>
-            <a:off x="6954854" y="609600"/>
-            <a:ext cx="4588217" cy="1905000"/>
+            <a:off x="6420465" y="488795"/>
+            <a:ext cx="5020387" cy="1905000"/>
           </a:xfrm>
         </p:spPr>
         <p:txBody>
@@ -20573,12 +21890,29 @@
           </a:bodyPr>
           <a:lstStyle/>
           <a:p>
+            <a:pPr algn="r"/>
             <a:r>
               <a:rPr lang="it-IT" dirty="0">
                 <a:latin typeface="Calisto MT"/>
               </a:rPr>
               <a:t>Architecture</a:t>
             </a:r>
+            <a:endParaRPr lang="it-IT">
+              <a:effectLst>
+                <a:glow rad="38100">
+                  <a:prstClr val="black">
+                    <a:lumMod val="65000"/>
+                    <a:lumOff val="35000"/>
+                    <a:alpha val="40000"/>
+                  </a:prstClr>
+                </a:glow>
+                <a:outerShdw blurRad="28575" dist="38100" dir="14040000" algn="tl" rotWithShape="0">
+                  <a:srgbClr val="000000">
+                    <a:alpha val="25000"/>
+                  </a:srgbClr>
+                </a:outerShdw>
+              </a:effectLst>
+            </a:endParaRPr>
           </a:p>
         </p:txBody>
       </p:sp>
@@ -20600,8 +21934,8 @@
         </p:nvSpPr>
         <p:spPr>
           <a:xfrm>
-            <a:off x="6954854" y="2666999"/>
-            <a:ext cx="4588217" cy="3216276"/>
+            <a:off x="6420465" y="2666999"/>
+            <a:ext cx="5122606" cy="3216276"/>
           </a:xfrm>
         </p:spPr>
         <p:txBody>
@@ -20610,6 +21944,7 @@
           </a:bodyPr>
           <a:lstStyle/>
           <a:p>
+            <a:pPr algn="r"/>
             <a:r>
               <a:rPr lang="en-US" b="1" dirty="0">
                 <a:solidFill>
@@ -20650,6 +21985,7 @@
             </a:endParaRPr>
           </a:p>
           <a:p>
+            <a:pPr algn="r"/>
             <a:r>
               <a:rPr lang="en-US" b="1" dirty="0">
                 <a:solidFill>
@@ -20690,6 +22026,7 @@
             </a:endParaRPr>
           </a:p>
           <a:p>
+            <a:pPr algn="r"/>
             <a:r>
               <a:rPr lang="en-US" b="1" dirty="0">
                 <a:solidFill>
@@ -20739,10 +22076,10 @@
       </p:sp>
       <p:pic>
         <p:nvPicPr>
-          <p:cNvPr id="3" name="Immagine 3">
+          <p:cNvPr id="4" name="Immagine 4">
             <a:extLst>
               <a:ext uri="{FF2B5EF4-FFF2-40B4-BE49-F238E27FC236}">
-                <a16:creationId xmlns:a16="http://schemas.microsoft.com/office/drawing/2014/main" id="{F4C97887-7055-4757-9107-0A289E38BD61}"/>
+                <a16:creationId xmlns:a16="http://schemas.microsoft.com/office/drawing/2014/main" id="{29CA9EB4-A936-4ABC-8AC0-AEE83629CD91}"/>
               </a:ext>
             </a:extLst>
           </p:cNvPr>
@@ -20751,15 +22088,16 @@
           </p:cNvPicPr>
           <p:nvPr/>
         </p:nvPicPr>
-        <p:blipFill rotWithShape="1">
+        <p:blipFill>
           <a:blip r:embed="rId3"/>
-          <a:srcRect r="1146" b="-3"/>
-          <a:stretch/>
+          <a:stretch>
+            <a:fillRect/>
+          </a:stretch>
         </p:blipFill>
         <p:spPr>
           <a:xfrm>
-            <a:off x="514543" y="1101897"/>
-            <a:ext cx="6124561" cy="4650840"/>
+            <a:off x="280778" y="1196741"/>
+            <a:ext cx="5962724" cy="4469720"/>
           </a:xfrm>
           <a:prstGeom prst="roundRect">
             <a:avLst>
@@ -20804,7 +22142,7 @@
 </p:sld>
 </file>
 
-<file path=ppt/slides/slide3.xml><?xml version="1.0" encoding="utf-8"?>
+<file path=ppt/slides/slide4.xml><?xml version="1.0" encoding="utf-8"?>
 <p:sld xmlns:a="http://schemas.openxmlformats.org/drawingml/2006/main" xmlns:r="http://schemas.openxmlformats.org/officeDocument/2006/relationships" xmlns:p="http://schemas.openxmlformats.org/presentationml/2006/main">
   <p:cSld>
     <p:bg>
@@ -20923,7 +22261,7 @@
 </p:sld>
 </file>
 
-<file path=ppt/slides/slide4.xml><?xml version="1.0" encoding="utf-8"?>
+<file path=ppt/slides/slide5.xml><?xml version="1.0" encoding="utf-8"?>
 <p:sld xmlns:a="http://schemas.openxmlformats.org/drawingml/2006/main" xmlns:r="http://schemas.openxmlformats.org/officeDocument/2006/relationships" xmlns:p="http://schemas.openxmlformats.org/presentationml/2006/main">
   <p:cSld>
     <p:bg>
@@ -21044,7 +22382,7 @@
 </p:sld>
 </file>
 
-<file path=ppt/slides/slide5.xml><?xml version="1.0" encoding="utf-8"?>
+<file path=ppt/slides/slide6.xml><?xml version="1.0" encoding="utf-8"?>
 <p:sld xmlns:a="http://schemas.openxmlformats.org/drawingml/2006/main" xmlns:r="http://schemas.openxmlformats.org/officeDocument/2006/relationships" xmlns:p="http://schemas.openxmlformats.org/presentationml/2006/main">
   <p:cSld>
     <p:bg>
@@ -21179,7 +22517,7 @@
 </p:sld>
 </file>
 
-<file path=ppt/slides/slide6.xml><?xml version="1.0" encoding="utf-8"?>
+<file path=ppt/slides/slide7.xml><?xml version="1.0" encoding="utf-8"?>
 <p:sld xmlns:a="http://schemas.openxmlformats.org/drawingml/2006/main" xmlns:r="http://schemas.openxmlformats.org/officeDocument/2006/relationships" xmlns:p="http://schemas.openxmlformats.org/presentationml/2006/main">
   <p:cSld>
     <p:bg>
